--- a/img/msgen_graphics.pptx
+++ b/img/msgen_graphics.pptx
@@ -3538,7 +3538,7 @@
           </p:blipFill>
           <p:spPr>
             <a:xfrm>
-              <a:off x="5335979" y="1032962"/>
+              <a:off x="5335979" y="1073554"/>
               <a:ext cx="1520042" cy="2942017"/>
             </a:xfrm>
             <a:prstGeom prst="rect">

--- a/img/msgen_graphics.pptx
+++ b/img/msgen_graphics.pptx
@@ -6,6 +6,7 @@
   </p:sldMasterIdLst>
   <p:sldIdLst>
     <p:sldId id="257" r:id="rId2"/>
+    <p:sldId id="258" r:id="rId3"/>
   </p:sldIdLst>
   <p:sldSz cx="12192000" cy="6858000"/>
   <p:notesSz cx="6858000" cy="9144000"/>
@@ -259,7 +260,7 @@
           <a:p>
             <a:fld id="{53F1C5C1-91BB-4D0D-95FD-19F0E5A4700D}" type="datetimeFigureOut">
               <a:rPr lang="en-US" smtClean="0"/>
-              <a:t>8/27/2018</a:t>
+              <a:t>10/29/2018</a:t>
             </a:fld>
             <a:endParaRPr lang="en-US"/>
           </a:p>
@@ -457,7 +458,7 @@
           <a:p>
             <a:fld id="{53F1C5C1-91BB-4D0D-95FD-19F0E5A4700D}" type="datetimeFigureOut">
               <a:rPr lang="en-US" smtClean="0"/>
-              <a:t>8/27/2018</a:t>
+              <a:t>10/29/2018</a:t>
             </a:fld>
             <a:endParaRPr lang="en-US"/>
           </a:p>
@@ -665,7 +666,7 @@
           <a:p>
             <a:fld id="{53F1C5C1-91BB-4D0D-95FD-19F0E5A4700D}" type="datetimeFigureOut">
               <a:rPr lang="en-US" smtClean="0"/>
-              <a:t>8/27/2018</a:t>
+              <a:t>10/29/2018</a:t>
             </a:fld>
             <a:endParaRPr lang="en-US"/>
           </a:p>
@@ -863,7 +864,7 @@
           <a:p>
             <a:fld id="{53F1C5C1-91BB-4D0D-95FD-19F0E5A4700D}" type="datetimeFigureOut">
               <a:rPr lang="en-US" smtClean="0"/>
-              <a:t>8/27/2018</a:t>
+              <a:t>10/29/2018</a:t>
             </a:fld>
             <a:endParaRPr lang="en-US"/>
           </a:p>
@@ -1138,7 +1139,7 @@
           <a:p>
             <a:fld id="{53F1C5C1-91BB-4D0D-95FD-19F0E5A4700D}" type="datetimeFigureOut">
               <a:rPr lang="en-US" smtClean="0"/>
-              <a:t>8/27/2018</a:t>
+              <a:t>10/29/2018</a:t>
             </a:fld>
             <a:endParaRPr lang="en-US"/>
           </a:p>
@@ -1403,7 +1404,7 @@
           <a:p>
             <a:fld id="{53F1C5C1-91BB-4D0D-95FD-19F0E5A4700D}" type="datetimeFigureOut">
               <a:rPr lang="en-US" smtClean="0"/>
-              <a:t>8/27/2018</a:t>
+              <a:t>10/29/2018</a:t>
             </a:fld>
             <a:endParaRPr lang="en-US"/>
           </a:p>
@@ -1815,7 +1816,7 @@
           <a:p>
             <a:fld id="{53F1C5C1-91BB-4D0D-95FD-19F0E5A4700D}" type="datetimeFigureOut">
               <a:rPr lang="en-US" smtClean="0"/>
-              <a:t>8/27/2018</a:t>
+              <a:t>10/29/2018</a:t>
             </a:fld>
             <a:endParaRPr lang="en-US"/>
           </a:p>
@@ -1956,7 +1957,7 @@
           <a:p>
             <a:fld id="{53F1C5C1-91BB-4D0D-95FD-19F0E5A4700D}" type="datetimeFigureOut">
               <a:rPr lang="en-US" smtClean="0"/>
-              <a:t>8/27/2018</a:t>
+              <a:t>10/29/2018</a:t>
             </a:fld>
             <a:endParaRPr lang="en-US"/>
           </a:p>
@@ -2069,7 +2070,7 @@
           <a:p>
             <a:fld id="{53F1C5C1-91BB-4D0D-95FD-19F0E5A4700D}" type="datetimeFigureOut">
               <a:rPr lang="en-US" smtClean="0"/>
-              <a:t>8/27/2018</a:t>
+              <a:t>10/29/2018</a:t>
             </a:fld>
             <a:endParaRPr lang="en-US"/>
           </a:p>
@@ -2380,7 +2381,7 @@
           <a:p>
             <a:fld id="{53F1C5C1-91BB-4D0D-95FD-19F0E5A4700D}" type="datetimeFigureOut">
               <a:rPr lang="en-US" smtClean="0"/>
-              <a:t>8/27/2018</a:t>
+              <a:t>10/29/2018</a:t>
             </a:fld>
             <a:endParaRPr lang="en-US"/>
           </a:p>
@@ -2668,7 +2669,7 @@
           <a:p>
             <a:fld id="{53F1C5C1-91BB-4D0D-95FD-19F0E5A4700D}" type="datetimeFigureOut">
               <a:rPr lang="en-US" smtClean="0"/>
-              <a:t>8/27/2018</a:t>
+              <a:t>10/29/2018</a:t>
             </a:fld>
             <a:endParaRPr lang="en-US"/>
           </a:p>
@@ -2909,7 +2910,7 @@
           <a:p>
             <a:fld id="{53F1C5C1-91BB-4D0D-95FD-19F0E5A4700D}" type="datetimeFigureOut">
               <a:rPr lang="en-US" smtClean="0"/>
-              <a:t>8/27/2018</a:t>
+              <a:t>10/29/2018</a:t>
             </a:fld>
             <a:endParaRPr lang="en-US"/>
           </a:p>
@@ -3639,6 +3640,474 @@
 </p:sld>
 </file>
 
+<file path=ppt/slides/slide2.xml><?xml version="1.0" encoding="utf-8"?>
+<p:sld xmlns:a="http://schemas.openxmlformats.org/drawingml/2006/main" xmlns:r="http://schemas.openxmlformats.org/officeDocument/2006/relationships" xmlns:p="http://schemas.openxmlformats.org/presentationml/2006/main">
+  <p:cSld>
+    <p:spTree>
+      <p:nvGrpSpPr>
+        <p:cNvPr id="1" name=""/>
+        <p:cNvGrpSpPr/>
+        <p:nvPr/>
+      </p:nvGrpSpPr>
+      <p:grpSpPr>
+        <a:xfrm>
+          <a:off x="0" y="0"/>
+          <a:ext cx="0" cy="0"/>
+          <a:chOff x="0" y="0"/>
+          <a:chExt cx="0" cy="0"/>
+        </a:xfrm>
+      </p:grpSpPr>
+      <p:sp>
+        <p:nvSpPr>
+          <p:cNvPr id="4" name="Arrow: Chevron 3">
+            <a:extLst>
+              <a:ext uri="{FF2B5EF4-FFF2-40B4-BE49-F238E27FC236}">
+                <a16:creationId xmlns:a16="http://schemas.microsoft.com/office/drawing/2014/main" id="{52061118-32FE-416A-92F5-281A14A52056}"/>
+              </a:ext>
+            </a:extLst>
+          </p:cNvPr>
+          <p:cNvSpPr/>
+          <p:nvPr/>
+        </p:nvSpPr>
+        <p:spPr>
+          <a:xfrm>
+            <a:off x="295274" y="1712167"/>
+            <a:ext cx="2924175" cy="919065"/>
+          </a:xfrm>
+          <a:prstGeom prst="chevron">
+            <a:avLst/>
+          </a:prstGeom>
+          <a:solidFill>
+            <a:srgbClr val="20455A"/>
+          </a:solidFill>
+          <a:ln>
+            <a:noFill/>
+          </a:ln>
+        </p:spPr>
+        <p:style>
+          <a:lnRef idx="2">
+            <a:schemeClr val="accent1">
+              <a:shade val="50000"/>
+            </a:schemeClr>
+          </a:lnRef>
+          <a:fillRef idx="1">
+            <a:schemeClr val="accent1"/>
+          </a:fillRef>
+          <a:effectRef idx="0">
+            <a:schemeClr val="accent1"/>
+          </a:effectRef>
+          <a:fontRef idx="minor">
+            <a:schemeClr val="lt1"/>
+          </a:fontRef>
+        </p:style>
+        <p:txBody>
+          <a:bodyPr rtlCol="0" anchor="ctr"/>
+          <a:lstStyle/>
+          <a:p>
+            <a:r>
+              <a:rPr lang="en-US" dirty="0">
+                <a:solidFill>
+                  <a:schemeClr val="bg1"/>
+                </a:solidFill>
+                <a:latin typeface="Segoe UI" panose="020B0502040204020203" pitchFamily="34" charset="0"/>
+                <a:cs typeface="Segoe UI" panose="020B0502040204020203" pitchFamily="34" charset="0"/>
+              </a:rPr>
+              <a:t>Collect Samples Locally</a:t>
+            </a:r>
+          </a:p>
+        </p:txBody>
+      </p:sp>
+      <p:sp>
+        <p:nvSpPr>
+          <p:cNvPr id="5" name="Arrow: Chevron 4">
+            <a:extLst>
+              <a:ext uri="{FF2B5EF4-FFF2-40B4-BE49-F238E27FC236}">
+                <a16:creationId xmlns:a16="http://schemas.microsoft.com/office/drawing/2014/main" id="{99BFB6DE-AF9B-4DCA-A808-3F04AF43C3A6}"/>
+              </a:ext>
+            </a:extLst>
+          </p:cNvPr>
+          <p:cNvSpPr/>
+          <p:nvPr/>
+        </p:nvSpPr>
+        <p:spPr>
+          <a:xfrm>
+            <a:off x="2761489" y="1712165"/>
+            <a:ext cx="2798341" cy="919065"/>
+          </a:xfrm>
+          <a:prstGeom prst="chevron">
+            <a:avLst/>
+          </a:prstGeom>
+          <a:solidFill>
+            <a:srgbClr val="59B4D9"/>
+          </a:solidFill>
+          <a:ln>
+            <a:noFill/>
+          </a:ln>
+        </p:spPr>
+        <p:style>
+          <a:lnRef idx="2">
+            <a:schemeClr val="accent1">
+              <a:shade val="50000"/>
+            </a:schemeClr>
+          </a:lnRef>
+          <a:fillRef idx="1">
+            <a:schemeClr val="accent1"/>
+          </a:fillRef>
+          <a:effectRef idx="0">
+            <a:schemeClr val="accent1"/>
+          </a:effectRef>
+          <a:fontRef idx="minor">
+            <a:schemeClr val="lt1"/>
+          </a:fontRef>
+        </p:style>
+        <p:txBody>
+          <a:bodyPr rtlCol="0" anchor="ctr"/>
+          <a:lstStyle/>
+          <a:p>
+            <a:r>
+              <a:rPr lang="en-US" dirty="0">
+                <a:solidFill>
+                  <a:schemeClr val="bg1"/>
+                </a:solidFill>
+                <a:latin typeface="Segoe UI" panose="020B0502040204020203" pitchFamily="34" charset="0"/>
+                <a:cs typeface="Segoe UI" panose="020B0502040204020203" pitchFamily="34" charset="0"/>
+              </a:rPr>
+              <a:t>Enrich with</a:t>
+            </a:r>
+          </a:p>
+          <a:p>
+            <a:r>
+              <a:rPr lang="en-US" dirty="0">
+                <a:solidFill>
+                  <a:schemeClr val="bg1"/>
+                </a:solidFill>
+                <a:latin typeface="Segoe UI" panose="020B0502040204020203" pitchFamily="34" charset="0"/>
+                <a:cs typeface="Segoe UI" panose="020B0502040204020203" pitchFamily="34" charset="0"/>
+              </a:rPr>
+              <a:t>Public Sources</a:t>
+            </a:r>
+          </a:p>
+        </p:txBody>
+      </p:sp>
+      <p:sp>
+        <p:nvSpPr>
+          <p:cNvPr id="6" name="Arrow: Chevron 5">
+            <a:extLst>
+              <a:ext uri="{FF2B5EF4-FFF2-40B4-BE49-F238E27FC236}">
+                <a16:creationId xmlns:a16="http://schemas.microsoft.com/office/drawing/2014/main" id="{D98C22D6-A5DD-4AF3-A60C-CE4B50B41E96}"/>
+              </a:ext>
+            </a:extLst>
+          </p:cNvPr>
+          <p:cNvSpPr/>
+          <p:nvPr/>
+        </p:nvSpPr>
+        <p:spPr>
+          <a:xfrm>
+            <a:off x="5091113" y="1712165"/>
+            <a:ext cx="3298713" cy="919065"/>
+          </a:xfrm>
+          <a:prstGeom prst="chevron">
+            <a:avLst/>
+          </a:prstGeom>
+          <a:solidFill>
+            <a:schemeClr val="tx2"/>
+          </a:solidFill>
+          <a:ln>
+            <a:noFill/>
+          </a:ln>
+        </p:spPr>
+        <p:style>
+          <a:lnRef idx="2">
+            <a:schemeClr val="accent1">
+              <a:shade val="50000"/>
+            </a:schemeClr>
+          </a:lnRef>
+          <a:fillRef idx="1">
+            <a:schemeClr val="accent1"/>
+          </a:fillRef>
+          <a:effectRef idx="0">
+            <a:schemeClr val="accent1"/>
+          </a:effectRef>
+          <a:fontRef idx="minor">
+            <a:schemeClr val="lt1"/>
+          </a:fontRef>
+        </p:style>
+        <p:txBody>
+          <a:bodyPr rtlCol="0" anchor="ctr"/>
+          <a:lstStyle/>
+          <a:p>
+            <a:r>
+              <a:rPr lang="en-US" dirty="0">
+                <a:solidFill>
+                  <a:schemeClr val="bg1"/>
+                </a:solidFill>
+                <a:latin typeface="Segoe UI" panose="020B0502040204020203" pitchFamily="34" charset="0"/>
+                <a:cs typeface="Segoe UI" panose="020B0502040204020203" pitchFamily="34" charset="0"/>
+              </a:rPr>
+              <a:t>Store Data in </a:t>
+            </a:r>
+          </a:p>
+          <a:p>
+            <a:r>
+              <a:rPr lang="en-US" dirty="0">
+                <a:solidFill>
+                  <a:schemeClr val="bg1"/>
+                </a:solidFill>
+                <a:latin typeface="Segoe UI" panose="020B0502040204020203" pitchFamily="34" charset="0"/>
+                <a:cs typeface="Segoe UI" panose="020B0502040204020203" pitchFamily="34" charset="0"/>
+              </a:rPr>
+              <a:t>Azure Blob Storage</a:t>
+            </a:r>
+          </a:p>
+        </p:txBody>
+      </p:sp>
+      <p:sp>
+        <p:nvSpPr>
+          <p:cNvPr id="7" name="Arrow: Chevron 6">
+            <a:extLst>
+              <a:ext uri="{FF2B5EF4-FFF2-40B4-BE49-F238E27FC236}">
+                <a16:creationId xmlns:a16="http://schemas.microsoft.com/office/drawing/2014/main" id="{95B9A81B-62A7-43BA-9859-4A1314AB189F}"/>
+              </a:ext>
+            </a:extLst>
+          </p:cNvPr>
+          <p:cNvSpPr/>
+          <p:nvPr/>
+        </p:nvSpPr>
+        <p:spPr>
+          <a:xfrm>
+            <a:off x="7918580" y="1712165"/>
+            <a:ext cx="3430458" cy="919065"/>
+          </a:xfrm>
+          <a:prstGeom prst="chevron">
+            <a:avLst/>
+          </a:prstGeom>
+          <a:solidFill>
+            <a:srgbClr val="FF8C00"/>
+          </a:solidFill>
+          <a:ln>
+            <a:noFill/>
+          </a:ln>
+        </p:spPr>
+        <p:style>
+          <a:lnRef idx="2">
+            <a:schemeClr val="accent1">
+              <a:shade val="50000"/>
+            </a:schemeClr>
+          </a:lnRef>
+          <a:fillRef idx="1">
+            <a:schemeClr val="accent1"/>
+          </a:fillRef>
+          <a:effectRef idx="0">
+            <a:schemeClr val="accent1"/>
+          </a:effectRef>
+          <a:fontRef idx="minor">
+            <a:schemeClr val="lt1"/>
+          </a:fontRef>
+        </p:style>
+        <p:txBody>
+          <a:bodyPr rtlCol="0" anchor="ctr"/>
+          <a:lstStyle/>
+          <a:p>
+            <a:r>
+              <a:rPr lang="en-US" dirty="0">
+                <a:solidFill>
+                  <a:schemeClr val="bg1"/>
+                </a:solidFill>
+                <a:latin typeface="Segoe UI" panose="020B0502040204020203" pitchFamily="34" charset="0"/>
+                <a:cs typeface="Segoe UI" panose="020B0502040204020203" pitchFamily="34" charset="0"/>
+              </a:rPr>
+              <a:t>Analyze with</a:t>
+            </a:r>
+          </a:p>
+          <a:p>
+            <a:r>
+              <a:rPr lang="en-US" dirty="0">
+                <a:solidFill>
+                  <a:schemeClr val="bg1"/>
+                </a:solidFill>
+                <a:latin typeface="Segoe UI" panose="020B0502040204020203" pitchFamily="34" charset="0"/>
+                <a:cs typeface="Segoe UI" panose="020B0502040204020203" pitchFamily="34" charset="0"/>
+              </a:rPr>
+              <a:t>Microsoft Genomics</a:t>
+            </a:r>
+          </a:p>
+        </p:txBody>
+      </p:sp>
+      <p:pic>
+        <p:nvPicPr>
+          <p:cNvPr id="8" name="Graphic 7">
+            <a:extLst>
+              <a:ext uri="{FF2B5EF4-FFF2-40B4-BE49-F238E27FC236}">
+                <a16:creationId xmlns:a16="http://schemas.microsoft.com/office/drawing/2014/main" id="{2D833E86-E55C-4F4E-A343-DC7C3F3483B0}"/>
+              </a:ext>
+            </a:extLst>
+          </p:cNvPr>
+          <p:cNvPicPr>
+            <a:picLocks noChangeAspect="1"/>
+          </p:cNvPicPr>
+          <p:nvPr/>
+        </p:nvPicPr>
+        <p:blipFill rotWithShape="1">
+          <a:blip r:embed="rId2">
+            <a:extLst>
+              <a:ext uri="{28A0092B-C50C-407E-A947-70E740481C1C}">
+                <a14:useLocalDpi xmlns:a14="http://schemas.microsoft.com/office/drawing/2010/main" val="0"/>
+              </a:ext>
+              <a:ext uri="{96DAC541-7B7A-43D3-8B79-37D633B846F1}">
+                <asvg:svgBlip xmlns:asvg="http://schemas.microsoft.com/office/drawing/2016/SVG/main" r:embed="rId3"/>
+              </a:ext>
+            </a:extLst>
+          </a:blip>
+          <a:srcRect l="37326" t="37017" r="35269" b="30416"/>
+          <a:stretch/>
+        </p:blipFill>
+        <p:spPr>
+          <a:xfrm>
+            <a:off x="7598517" y="1922833"/>
+            <a:ext cx="542018" cy="497728"/>
+          </a:xfrm>
+          <a:prstGeom prst="rect">
+            <a:avLst/>
+          </a:prstGeom>
+        </p:spPr>
+      </p:pic>
+      <p:pic>
+        <p:nvPicPr>
+          <p:cNvPr id="9" name="Picture 4" descr="Image result">
+            <a:extLst>
+              <a:ext uri="{FF2B5EF4-FFF2-40B4-BE49-F238E27FC236}">
+                <a16:creationId xmlns:a16="http://schemas.microsoft.com/office/drawing/2014/main" id="{34469089-0C34-4416-8C21-DC60663CE50B}"/>
+              </a:ext>
+            </a:extLst>
+          </p:cNvPr>
+          <p:cNvPicPr>
+            <a:picLocks noChangeAspect="1" noChangeArrowheads="1"/>
+          </p:cNvPicPr>
+          <p:nvPr/>
+        </p:nvPicPr>
+        <p:blipFill rotWithShape="1">
+          <a:blip r:embed="rId4">
+            <a:biLevel thresh="25000"/>
+            <a:extLst>
+              <a:ext uri="{28A0092B-C50C-407E-A947-70E740481C1C}">
+                <a14:useLocalDpi xmlns:a14="http://schemas.microsoft.com/office/drawing/2010/main" val="0"/>
+              </a:ext>
+            </a:extLst>
+          </a:blip>
+          <a:srcRect l="33385" t="-3140" r="33701" b="-3921"/>
+          <a:stretch/>
+        </p:blipFill>
+        <p:spPr bwMode="auto">
+          <a:xfrm>
+            <a:off x="10646860" y="1907379"/>
+            <a:ext cx="309563" cy="528636"/>
+          </a:xfrm>
+          <a:prstGeom prst="rect">
+            <a:avLst/>
+          </a:prstGeom>
+          <a:noFill/>
+          <a:extLst>
+            <a:ext uri="{909E8E84-426E-40DD-AFC4-6F175D3DCCD1}">
+              <a14:hiddenFill xmlns:a14="http://schemas.microsoft.com/office/drawing/2010/main">
+                <a:solidFill>
+                  <a:srgbClr val="FFFFFF"/>
+                </a:solidFill>
+              </a14:hiddenFill>
+            </a:ext>
+          </a:extLst>
+        </p:spPr>
+      </p:pic>
+      <p:pic>
+        <p:nvPicPr>
+          <p:cNvPr id="10" name="Graphic 9" descr="Database">
+            <a:extLst>
+              <a:ext uri="{FF2B5EF4-FFF2-40B4-BE49-F238E27FC236}">
+                <a16:creationId xmlns:a16="http://schemas.microsoft.com/office/drawing/2014/main" id="{B390BBC3-1E02-4472-B0E1-5779C738FA30}"/>
+              </a:ext>
+            </a:extLst>
+          </p:cNvPr>
+          <p:cNvPicPr>
+            <a:picLocks noChangeAspect="1"/>
+          </p:cNvPicPr>
+          <p:nvPr/>
+        </p:nvPicPr>
+        <p:blipFill>
+          <a:blip r:embed="rId5">
+            <a:extLst>
+              <a:ext uri="{28A0092B-C50C-407E-A947-70E740481C1C}">
+                <a14:useLocalDpi xmlns:a14="http://schemas.microsoft.com/office/drawing/2010/main" val="0"/>
+              </a:ext>
+              <a:ext uri="{96DAC541-7B7A-43D3-8B79-37D633B846F1}">
+                <asvg:svgBlip xmlns:asvg="http://schemas.microsoft.com/office/drawing/2016/SVG/main" r:embed="rId6"/>
+              </a:ext>
+            </a:extLst>
+          </a:blip>
+          <a:stretch>
+            <a:fillRect/>
+          </a:stretch>
+        </p:blipFill>
+        <p:spPr>
+          <a:xfrm>
+            <a:off x="2514601" y="1922833"/>
+            <a:ext cx="493776" cy="493776"/>
+          </a:xfrm>
+          <a:prstGeom prst="rect">
+            <a:avLst/>
+          </a:prstGeom>
+        </p:spPr>
+      </p:pic>
+      <p:pic>
+        <p:nvPicPr>
+          <p:cNvPr id="11" name="Graphic 10" descr="Earth Globe Americas">
+            <a:extLst>
+              <a:ext uri="{FF2B5EF4-FFF2-40B4-BE49-F238E27FC236}">
+                <a16:creationId xmlns:a16="http://schemas.microsoft.com/office/drawing/2014/main" id="{505049F8-67DC-45E7-BB3D-6764A0F76A93}"/>
+              </a:ext>
+            </a:extLst>
+          </p:cNvPr>
+          <p:cNvPicPr>
+            <a:picLocks noChangeAspect="1"/>
+          </p:cNvPicPr>
+          <p:nvPr/>
+        </p:nvPicPr>
+        <p:blipFill>
+          <a:blip r:embed="rId7">
+            <a:extLst>
+              <a:ext uri="{28A0092B-C50C-407E-A947-70E740481C1C}">
+                <a14:useLocalDpi xmlns:a14="http://schemas.microsoft.com/office/drawing/2010/main" val="0"/>
+              </a:ext>
+              <a:ext uri="{96DAC541-7B7A-43D3-8B79-37D633B846F1}">
+                <asvg:svgBlip xmlns:asvg="http://schemas.microsoft.com/office/drawing/2016/SVG/main" r:embed="rId8"/>
+              </a:ext>
+            </a:extLst>
+          </a:blip>
+          <a:stretch>
+            <a:fillRect/>
+          </a:stretch>
+        </p:blipFill>
+        <p:spPr>
+          <a:xfrm>
+            <a:off x="4842944" y="1922833"/>
+            <a:ext cx="493776" cy="493776"/>
+          </a:xfrm>
+          <a:prstGeom prst="rect">
+            <a:avLst/>
+          </a:prstGeom>
+        </p:spPr>
+      </p:pic>
+    </p:spTree>
+    <p:extLst>
+      <p:ext uri="{BB962C8B-B14F-4D97-AF65-F5344CB8AC3E}">
+        <p14:creationId xmlns:p14="http://schemas.microsoft.com/office/powerpoint/2010/main" val="4167351627"/>
+      </p:ext>
+    </p:extLst>
+  </p:cSld>
+  <p:clrMapOvr>
+    <a:masterClrMapping/>
+  </p:clrMapOvr>
+</p:sld>
+</file>
+
 <file path=ppt/theme/theme1.xml><?xml version="1.0" encoding="utf-8"?>
 <a:theme xmlns:a="http://schemas.openxmlformats.org/drawingml/2006/main" name="Office Theme">
   <a:themeElements>

--- a/img/msgen_graphics.pptx
+++ b/img/msgen_graphics.pptx
@@ -3,10 +3,12 @@
 <p:presentation xmlns:a="http://schemas.openxmlformats.org/drawingml/2006/main" xmlns:r="http://schemas.openxmlformats.org/officeDocument/2006/relationships" xmlns:p="http://schemas.openxmlformats.org/presentationml/2006/main" saveSubsetFonts="1">
   <p:sldMasterIdLst>
     <p:sldMasterId id="2147483648" r:id="rId1"/>
+    <p:sldMasterId id="2147483660" r:id="rId2"/>
   </p:sldMasterIdLst>
   <p:sldIdLst>
-    <p:sldId id="257" r:id="rId2"/>
-    <p:sldId id="258" r:id="rId3"/>
+    <p:sldId id="257" r:id="rId3"/>
+    <p:sldId id="258" r:id="rId4"/>
+    <p:sldId id="256" r:id="rId5"/>
   </p:sldIdLst>
   <p:sldSz cx="12192000" cy="6858000"/>
   <p:notesSz cx="6858000" cy="9144000"/>
@@ -260,7 +262,7 @@
           <a:p>
             <a:fld id="{53F1C5C1-91BB-4D0D-95FD-19F0E5A4700D}" type="datetimeFigureOut">
               <a:rPr lang="en-US" smtClean="0"/>
-              <a:t>10/29/2018</a:t>
+              <a:t>1/24/2021</a:t>
             </a:fld>
             <a:endParaRPr lang="en-US"/>
           </a:p>
@@ -458,7 +460,7 @@
           <a:p>
             <a:fld id="{53F1C5C1-91BB-4D0D-95FD-19F0E5A4700D}" type="datetimeFigureOut">
               <a:rPr lang="en-US" smtClean="0"/>
-              <a:t>10/29/2018</a:t>
+              <a:t>1/24/2021</a:t>
             </a:fld>
             <a:endParaRPr lang="en-US"/>
           </a:p>
@@ -666,7 +668,7 @@
           <a:p>
             <a:fld id="{53F1C5C1-91BB-4D0D-95FD-19F0E5A4700D}" type="datetimeFigureOut">
               <a:rPr lang="en-US" smtClean="0"/>
-              <a:t>10/29/2018</a:t>
+              <a:t>1/24/2021</a:t>
             </a:fld>
             <a:endParaRPr lang="en-US"/>
           </a:p>
@@ -730,6 +732,1692 @@
     <p:extLst>
       <p:ext uri="{BB962C8B-B14F-4D97-AF65-F5344CB8AC3E}">
         <p14:creationId xmlns:p14="http://schemas.microsoft.com/office/powerpoint/2010/main" val="243987539"/>
+      </p:ext>
+    </p:extLst>
+  </p:cSld>
+  <p:clrMapOvr>
+    <a:masterClrMapping/>
+  </p:clrMapOvr>
+</p:sldLayout>
+</file>
+
+<file path=ppt/slideLayouts/slideLayout12.xml><?xml version="1.0" encoding="utf-8"?>
+<p:sldLayout xmlns:a="http://schemas.openxmlformats.org/drawingml/2006/main" xmlns:r="http://schemas.openxmlformats.org/officeDocument/2006/relationships" xmlns:p="http://schemas.openxmlformats.org/presentationml/2006/main" type="title" preserve="1">
+  <p:cSld name="Title Slide">
+    <p:spTree>
+      <p:nvGrpSpPr>
+        <p:cNvPr id="1" name=""/>
+        <p:cNvGrpSpPr/>
+        <p:nvPr/>
+      </p:nvGrpSpPr>
+      <p:grpSpPr>
+        <a:xfrm>
+          <a:off x="0" y="0"/>
+          <a:ext cx="0" cy="0"/>
+          <a:chOff x="0" y="0"/>
+          <a:chExt cx="0" cy="0"/>
+        </a:xfrm>
+      </p:grpSpPr>
+      <p:sp>
+        <p:nvSpPr>
+          <p:cNvPr id="2" name="Title 1"/>
+          <p:cNvSpPr>
+            <a:spLocks noGrp="1"/>
+          </p:cNvSpPr>
+          <p:nvPr>
+            <p:ph type="ctrTitle"/>
+          </p:nvPr>
+        </p:nvSpPr>
+        <p:spPr>
+          <a:xfrm>
+            <a:off x="1595269" y="1122363"/>
+            <a:ext cx="9001462" cy="2387600"/>
+          </a:xfrm>
+        </p:spPr>
+        <p:txBody>
+          <a:bodyPr anchor="b">
+            <a:normAutofit/>
+          </a:bodyPr>
+          <a:lstStyle>
+            <a:lvl1pPr algn="ctr">
+              <a:defRPr sz="4800"/>
+            </a:lvl1pPr>
+          </a:lstStyle>
+          <a:p>
+            <a:r>
+              <a:rPr lang="en-US"/>
+              <a:t>Click to edit Master title style</a:t>
+            </a:r>
+            <a:endParaRPr lang="en-US" dirty="0"/>
+          </a:p>
+        </p:txBody>
+      </p:sp>
+      <p:sp>
+        <p:nvSpPr>
+          <p:cNvPr id="3" name="Subtitle 2"/>
+          <p:cNvSpPr>
+            <a:spLocks noGrp="1"/>
+          </p:cNvSpPr>
+          <p:nvPr>
+            <p:ph type="subTitle" idx="1"/>
+          </p:nvPr>
+        </p:nvSpPr>
+        <p:spPr>
+          <a:xfrm>
+            <a:off x="1595269" y="3602038"/>
+            <a:ext cx="9001462" cy="1655762"/>
+          </a:xfrm>
+        </p:spPr>
+        <p:txBody>
+          <a:bodyPr/>
+          <a:lstStyle>
+            <a:lvl1pPr marL="0" indent="0" algn="ctr">
+              <a:buNone/>
+              <a:defRPr sz="2400"/>
+            </a:lvl1pPr>
+            <a:lvl2pPr marL="457200" indent="0" algn="ctr">
+              <a:buNone/>
+              <a:defRPr sz="2000"/>
+            </a:lvl2pPr>
+            <a:lvl3pPr marL="914400" indent="0" algn="ctr">
+              <a:buNone/>
+              <a:defRPr sz="1800"/>
+            </a:lvl3pPr>
+            <a:lvl4pPr marL="1371600" indent="0" algn="ctr">
+              <a:buNone/>
+              <a:defRPr sz="1600"/>
+            </a:lvl4pPr>
+            <a:lvl5pPr marL="1828800" indent="0" algn="ctr">
+              <a:buNone/>
+              <a:defRPr sz="1600"/>
+            </a:lvl5pPr>
+            <a:lvl6pPr marL="2286000" indent="0" algn="ctr">
+              <a:buNone/>
+              <a:defRPr sz="1600"/>
+            </a:lvl6pPr>
+            <a:lvl7pPr marL="2743200" indent="0" algn="ctr">
+              <a:buNone/>
+              <a:defRPr sz="1600"/>
+            </a:lvl7pPr>
+            <a:lvl8pPr marL="3200400" indent="0" algn="ctr">
+              <a:buNone/>
+              <a:defRPr sz="1600"/>
+            </a:lvl8pPr>
+            <a:lvl9pPr marL="3657600" indent="0" algn="ctr">
+              <a:buNone/>
+              <a:defRPr sz="1600"/>
+            </a:lvl9pPr>
+          </a:lstStyle>
+          <a:p>
+            <a:r>
+              <a:rPr lang="en-US"/>
+              <a:t>Click to edit Master subtitle style</a:t>
+            </a:r>
+            <a:endParaRPr lang="en-US" dirty="0"/>
+          </a:p>
+        </p:txBody>
+      </p:sp>
+      <p:sp>
+        <p:nvSpPr>
+          <p:cNvPr id="4" name="Date Placeholder 3"/>
+          <p:cNvSpPr>
+            <a:spLocks noGrp="1"/>
+          </p:cNvSpPr>
+          <p:nvPr>
+            <p:ph type="dt" sz="half" idx="10"/>
+          </p:nvPr>
+        </p:nvSpPr>
+        <p:spPr/>
+        <p:txBody>
+          <a:bodyPr/>
+          <a:lstStyle/>
+          <a:p>
+            <a:fld id="{9A0B2DA1-C548-40D1-94BA-5E1CB4266833}" type="datetimeFigureOut">
+              <a:rPr lang="en-US" smtClean="0"/>
+              <a:t>1/24/2021</a:t>
+            </a:fld>
+            <a:endParaRPr lang="en-US"/>
+          </a:p>
+        </p:txBody>
+      </p:sp>
+      <p:sp>
+        <p:nvSpPr>
+          <p:cNvPr id="5" name="Footer Placeholder 4"/>
+          <p:cNvSpPr>
+            <a:spLocks noGrp="1"/>
+          </p:cNvSpPr>
+          <p:nvPr>
+            <p:ph type="ftr" sz="quarter" idx="11"/>
+          </p:nvPr>
+        </p:nvSpPr>
+        <p:spPr/>
+        <p:txBody>
+          <a:bodyPr/>
+          <a:lstStyle/>
+          <a:p>
+            <a:endParaRPr lang="en-US"/>
+          </a:p>
+        </p:txBody>
+      </p:sp>
+      <p:sp>
+        <p:nvSpPr>
+          <p:cNvPr id="6" name="Slide Number Placeholder 5"/>
+          <p:cNvSpPr>
+            <a:spLocks noGrp="1"/>
+          </p:cNvSpPr>
+          <p:nvPr>
+            <p:ph type="sldNum" sz="quarter" idx="12"/>
+          </p:nvPr>
+        </p:nvSpPr>
+        <p:spPr/>
+        <p:txBody>
+          <a:bodyPr/>
+          <a:lstStyle/>
+          <a:p>
+            <a:fld id="{6470B193-B485-4595-942F-8EB178F0A2CF}" type="slidenum">
+              <a:rPr lang="en-US" smtClean="0"/>
+              <a:t>‹#›</a:t>
+            </a:fld>
+            <a:endParaRPr lang="en-US"/>
+          </a:p>
+        </p:txBody>
+      </p:sp>
+    </p:spTree>
+    <p:extLst>
+      <p:ext uri="{BB962C8B-B14F-4D97-AF65-F5344CB8AC3E}">
+        <p14:creationId xmlns:p14="http://schemas.microsoft.com/office/powerpoint/2010/main" val="221616632"/>
+      </p:ext>
+    </p:extLst>
+  </p:cSld>
+  <p:clrMapOvr>
+    <a:masterClrMapping/>
+  </p:clrMapOvr>
+</p:sldLayout>
+</file>
+
+<file path=ppt/slideLayouts/slideLayout13.xml><?xml version="1.0" encoding="utf-8"?>
+<p:sldLayout xmlns:a="http://schemas.openxmlformats.org/drawingml/2006/main" xmlns:r="http://schemas.openxmlformats.org/officeDocument/2006/relationships" xmlns:p="http://schemas.openxmlformats.org/presentationml/2006/main" type="obj" preserve="1">
+  <p:cSld name="Title and Content">
+    <p:spTree>
+      <p:nvGrpSpPr>
+        <p:cNvPr id="1" name=""/>
+        <p:cNvGrpSpPr/>
+        <p:nvPr/>
+      </p:nvGrpSpPr>
+      <p:grpSpPr>
+        <a:xfrm>
+          <a:off x="0" y="0"/>
+          <a:ext cx="0" cy="0"/>
+          <a:chOff x="0" y="0"/>
+          <a:chExt cx="0" cy="0"/>
+        </a:xfrm>
+      </p:grpSpPr>
+      <p:sp>
+        <p:nvSpPr>
+          <p:cNvPr id="2" name="Title 1"/>
+          <p:cNvSpPr>
+            <a:spLocks noGrp="1"/>
+          </p:cNvSpPr>
+          <p:nvPr>
+            <p:ph type="title"/>
+          </p:nvPr>
+        </p:nvSpPr>
+        <p:spPr/>
+        <p:txBody>
+          <a:bodyPr/>
+          <a:lstStyle/>
+          <a:p>
+            <a:r>
+              <a:rPr lang="en-US"/>
+              <a:t>Click to edit Master title style</a:t>
+            </a:r>
+            <a:endParaRPr lang="en-US" dirty="0"/>
+          </a:p>
+        </p:txBody>
+      </p:sp>
+      <p:sp>
+        <p:nvSpPr>
+          <p:cNvPr id="3" name="Content Placeholder 2"/>
+          <p:cNvSpPr>
+            <a:spLocks noGrp="1"/>
+          </p:cNvSpPr>
+          <p:nvPr>
+            <p:ph idx="1"/>
+          </p:nvPr>
+        </p:nvSpPr>
+        <p:spPr/>
+        <p:txBody>
+          <a:bodyPr/>
+          <a:lstStyle/>
+          <a:p>
+            <a:pPr lvl="0"/>
+            <a:r>
+              <a:rPr lang="en-US"/>
+              <a:t>Click to edit Master text styles</a:t>
+            </a:r>
+          </a:p>
+          <a:p>
+            <a:pPr lvl="1"/>
+            <a:r>
+              <a:rPr lang="en-US"/>
+              <a:t>Second level</a:t>
+            </a:r>
+          </a:p>
+          <a:p>
+            <a:pPr lvl="2"/>
+            <a:r>
+              <a:rPr lang="en-US"/>
+              <a:t>Third level</a:t>
+            </a:r>
+          </a:p>
+          <a:p>
+            <a:pPr lvl="3"/>
+            <a:r>
+              <a:rPr lang="en-US"/>
+              <a:t>Fourth level</a:t>
+            </a:r>
+          </a:p>
+          <a:p>
+            <a:pPr lvl="4"/>
+            <a:r>
+              <a:rPr lang="en-US"/>
+              <a:t>Fifth level</a:t>
+            </a:r>
+            <a:endParaRPr lang="en-US" dirty="0"/>
+          </a:p>
+        </p:txBody>
+      </p:sp>
+      <p:sp>
+        <p:nvSpPr>
+          <p:cNvPr id="4" name="Date Placeholder 3"/>
+          <p:cNvSpPr>
+            <a:spLocks noGrp="1"/>
+          </p:cNvSpPr>
+          <p:nvPr>
+            <p:ph type="dt" sz="half" idx="10"/>
+          </p:nvPr>
+        </p:nvSpPr>
+        <p:spPr/>
+        <p:txBody>
+          <a:bodyPr/>
+          <a:lstStyle/>
+          <a:p>
+            <a:fld id="{9A0B2DA1-C548-40D1-94BA-5E1CB4266833}" type="datetimeFigureOut">
+              <a:rPr lang="en-US" smtClean="0"/>
+              <a:t>1/24/2021</a:t>
+            </a:fld>
+            <a:endParaRPr lang="en-US"/>
+          </a:p>
+        </p:txBody>
+      </p:sp>
+      <p:sp>
+        <p:nvSpPr>
+          <p:cNvPr id="5" name="Footer Placeholder 4"/>
+          <p:cNvSpPr>
+            <a:spLocks noGrp="1"/>
+          </p:cNvSpPr>
+          <p:nvPr>
+            <p:ph type="ftr" sz="quarter" idx="11"/>
+          </p:nvPr>
+        </p:nvSpPr>
+        <p:spPr/>
+        <p:txBody>
+          <a:bodyPr/>
+          <a:lstStyle/>
+          <a:p>
+            <a:endParaRPr lang="en-US"/>
+          </a:p>
+        </p:txBody>
+      </p:sp>
+      <p:sp>
+        <p:nvSpPr>
+          <p:cNvPr id="6" name="Slide Number Placeholder 5"/>
+          <p:cNvSpPr>
+            <a:spLocks noGrp="1"/>
+          </p:cNvSpPr>
+          <p:nvPr>
+            <p:ph type="sldNum" sz="quarter" idx="12"/>
+          </p:nvPr>
+        </p:nvSpPr>
+        <p:spPr/>
+        <p:txBody>
+          <a:bodyPr/>
+          <a:lstStyle/>
+          <a:p>
+            <a:fld id="{6470B193-B485-4595-942F-8EB178F0A2CF}" type="slidenum">
+              <a:rPr lang="en-US" smtClean="0"/>
+              <a:t>‹#›</a:t>
+            </a:fld>
+            <a:endParaRPr lang="en-US"/>
+          </a:p>
+        </p:txBody>
+      </p:sp>
+    </p:spTree>
+    <p:extLst>
+      <p:ext uri="{BB962C8B-B14F-4D97-AF65-F5344CB8AC3E}">
+        <p14:creationId xmlns:p14="http://schemas.microsoft.com/office/powerpoint/2010/main" val="4189838080"/>
+      </p:ext>
+    </p:extLst>
+  </p:cSld>
+  <p:clrMapOvr>
+    <a:masterClrMapping/>
+  </p:clrMapOvr>
+</p:sldLayout>
+</file>
+
+<file path=ppt/slideLayouts/slideLayout14.xml><?xml version="1.0" encoding="utf-8"?>
+<p:sldLayout xmlns:a="http://schemas.openxmlformats.org/drawingml/2006/main" xmlns:r="http://schemas.openxmlformats.org/officeDocument/2006/relationships" xmlns:p="http://schemas.openxmlformats.org/presentationml/2006/main" type="secHead" preserve="1">
+  <p:cSld name="Section Header">
+    <p:spTree>
+      <p:nvGrpSpPr>
+        <p:cNvPr id="1" name=""/>
+        <p:cNvGrpSpPr/>
+        <p:nvPr/>
+      </p:nvGrpSpPr>
+      <p:grpSpPr>
+        <a:xfrm>
+          <a:off x="0" y="0"/>
+          <a:ext cx="0" cy="0"/>
+          <a:chOff x="0" y="0"/>
+          <a:chExt cx="0" cy="0"/>
+        </a:xfrm>
+      </p:grpSpPr>
+      <p:sp>
+        <p:nvSpPr>
+          <p:cNvPr id="2" name="Title 1"/>
+          <p:cNvSpPr>
+            <a:spLocks noGrp="1"/>
+          </p:cNvSpPr>
+          <p:nvPr>
+            <p:ph type="title"/>
+          </p:nvPr>
+        </p:nvSpPr>
+        <p:spPr>
+          <a:xfrm>
+            <a:off x="1229244" y="657226"/>
+            <a:ext cx="9733512" cy="2852737"/>
+          </a:xfrm>
+        </p:spPr>
+        <p:txBody>
+          <a:bodyPr anchor="b">
+            <a:normAutofit/>
+          </a:bodyPr>
+          <a:lstStyle>
+            <a:lvl1pPr>
+              <a:defRPr sz="3400"/>
+            </a:lvl1pPr>
+          </a:lstStyle>
+          <a:p>
+            <a:r>
+              <a:rPr lang="en-US"/>
+              <a:t>Click to edit Master title style</a:t>
+            </a:r>
+            <a:endParaRPr lang="en-US" dirty="0"/>
+          </a:p>
+        </p:txBody>
+      </p:sp>
+      <p:sp>
+        <p:nvSpPr>
+          <p:cNvPr id="3" name="Text Placeholder 2"/>
+          <p:cNvSpPr>
+            <a:spLocks noGrp="1"/>
+          </p:cNvSpPr>
+          <p:nvPr>
+            <p:ph type="body" idx="1"/>
+          </p:nvPr>
+        </p:nvSpPr>
+        <p:spPr>
+          <a:xfrm>
+            <a:off x="1229244" y="3602038"/>
+            <a:ext cx="9733512" cy="1500187"/>
+          </a:xfrm>
+        </p:spPr>
+        <p:txBody>
+          <a:bodyPr/>
+          <a:lstStyle>
+            <a:lvl1pPr marL="0" indent="0" algn="ctr">
+              <a:buNone/>
+              <a:defRPr sz="2400">
+                <a:solidFill>
+                  <a:schemeClr val="tx1">
+                    <a:tint val="75000"/>
+                  </a:schemeClr>
+                </a:solidFill>
+              </a:defRPr>
+            </a:lvl1pPr>
+            <a:lvl2pPr marL="457200" indent="0">
+              <a:buNone/>
+              <a:defRPr sz="2000">
+                <a:solidFill>
+                  <a:schemeClr val="tx1">
+                    <a:tint val="75000"/>
+                  </a:schemeClr>
+                </a:solidFill>
+              </a:defRPr>
+            </a:lvl2pPr>
+            <a:lvl3pPr marL="914400" indent="0">
+              <a:buNone/>
+              <a:defRPr sz="1800">
+                <a:solidFill>
+                  <a:schemeClr val="tx1">
+                    <a:tint val="75000"/>
+                  </a:schemeClr>
+                </a:solidFill>
+              </a:defRPr>
+            </a:lvl3pPr>
+            <a:lvl4pPr marL="1371600" indent="0">
+              <a:buNone/>
+              <a:defRPr sz="1600">
+                <a:solidFill>
+                  <a:schemeClr val="tx1">
+                    <a:tint val="75000"/>
+                  </a:schemeClr>
+                </a:solidFill>
+              </a:defRPr>
+            </a:lvl4pPr>
+            <a:lvl5pPr marL="1828800" indent="0">
+              <a:buNone/>
+              <a:defRPr sz="1600">
+                <a:solidFill>
+                  <a:schemeClr val="tx1">
+                    <a:tint val="75000"/>
+                  </a:schemeClr>
+                </a:solidFill>
+              </a:defRPr>
+            </a:lvl5pPr>
+            <a:lvl6pPr marL="2286000" indent="0">
+              <a:buNone/>
+              <a:defRPr sz="1600">
+                <a:solidFill>
+                  <a:schemeClr val="tx1">
+                    <a:tint val="75000"/>
+                  </a:schemeClr>
+                </a:solidFill>
+              </a:defRPr>
+            </a:lvl6pPr>
+            <a:lvl7pPr marL="2743200" indent="0">
+              <a:buNone/>
+              <a:defRPr sz="1600">
+                <a:solidFill>
+                  <a:schemeClr val="tx1">
+                    <a:tint val="75000"/>
+                  </a:schemeClr>
+                </a:solidFill>
+              </a:defRPr>
+            </a:lvl7pPr>
+            <a:lvl8pPr marL="3200400" indent="0">
+              <a:buNone/>
+              <a:defRPr sz="1600">
+                <a:solidFill>
+                  <a:schemeClr val="tx1">
+                    <a:tint val="75000"/>
+                  </a:schemeClr>
+                </a:solidFill>
+              </a:defRPr>
+            </a:lvl8pPr>
+            <a:lvl9pPr marL="3657600" indent="0">
+              <a:buNone/>
+              <a:defRPr sz="1600">
+                <a:solidFill>
+                  <a:schemeClr val="tx1">
+                    <a:tint val="75000"/>
+                  </a:schemeClr>
+                </a:solidFill>
+              </a:defRPr>
+            </a:lvl9pPr>
+          </a:lstStyle>
+          <a:p>
+            <a:pPr lvl="0"/>
+            <a:r>
+              <a:rPr lang="en-US"/>
+              <a:t>Click to edit Master text styles</a:t>
+            </a:r>
+          </a:p>
+        </p:txBody>
+      </p:sp>
+      <p:sp>
+        <p:nvSpPr>
+          <p:cNvPr id="4" name="Date Placeholder 3"/>
+          <p:cNvSpPr>
+            <a:spLocks noGrp="1"/>
+          </p:cNvSpPr>
+          <p:nvPr>
+            <p:ph type="dt" sz="half" idx="10"/>
+          </p:nvPr>
+        </p:nvSpPr>
+        <p:spPr/>
+        <p:txBody>
+          <a:bodyPr/>
+          <a:lstStyle/>
+          <a:p>
+            <a:fld id="{9A0B2DA1-C548-40D1-94BA-5E1CB4266833}" type="datetimeFigureOut">
+              <a:rPr lang="en-US" smtClean="0"/>
+              <a:t>1/24/2021</a:t>
+            </a:fld>
+            <a:endParaRPr lang="en-US"/>
+          </a:p>
+        </p:txBody>
+      </p:sp>
+      <p:sp>
+        <p:nvSpPr>
+          <p:cNvPr id="5" name="Footer Placeholder 4"/>
+          <p:cNvSpPr>
+            <a:spLocks noGrp="1"/>
+          </p:cNvSpPr>
+          <p:nvPr>
+            <p:ph type="ftr" sz="quarter" idx="11"/>
+          </p:nvPr>
+        </p:nvSpPr>
+        <p:spPr/>
+        <p:txBody>
+          <a:bodyPr/>
+          <a:lstStyle/>
+          <a:p>
+            <a:endParaRPr lang="en-US"/>
+          </a:p>
+        </p:txBody>
+      </p:sp>
+      <p:sp>
+        <p:nvSpPr>
+          <p:cNvPr id="6" name="Slide Number Placeholder 5"/>
+          <p:cNvSpPr>
+            <a:spLocks noGrp="1"/>
+          </p:cNvSpPr>
+          <p:nvPr>
+            <p:ph type="sldNum" sz="quarter" idx="12"/>
+          </p:nvPr>
+        </p:nvSpPr>
+        <p:spPr/>
+        <p:txBody>
+          <a:bodyPr/>
+          <a:lstStyle/>
+          <a:p>
+            <a:fld id="{6470B193-B485-4595-942F-8EB178F0A2CF}" type="slidenum">
+              <a:rPr lang="en-US" smtClean="0"/>
+              <a:t>‹#›</a:t>
+            </a:fld>
+            <a:endParaRPr lang="en-US"/>
+          </a:p>
+        </p:txBody>
+      </p:sp>
+    </p:spTree>
+    <p:extLst>
+      <p:ext uri="{BB962C8B-B14F-4D97-AF65-F5344CB8AC3E}">
+        <p14:creationId xmlns:p14="http://schemas.microsoft.com/office/powerpoint/2010/main" val="2485838995"/>
+      </p:ext>
+    </p:extLst>
+  </p:cSld>
+  <p:clrMapOvr>
+    <a:masterClrMapping/>
+  </p:clrMapOvr>
+</p:sldLayout>
+</file>
+
+<file path=ppt/slideLayouts/slideLayout15.xml><?xml version="1.0" encoding="utf-8"?>
+<p:sldLayout xmlns:a="http://schemas.openxmlformats.org/drawingml/2006/main" xmlns:r="http://schemas.openxmlformats.org/officeDocument/2006/relationships" xmlns:p="http://schemas.openxmlformats.org/presentationml/2006/main" type="twoObj" preserve="1">
+  <p:cSld name="Two Content">
+    <p:spTree>
+      <p:nvGrpSpPr>
+        <p:cNvPr id="1" name=""/>
+        <p:cNvGrpSpPr/>
+        <p:nvPr/>
+      </p:nvGrpSpPr>
+      <p:grpSpPr>
+        <a:xfrm>
+          <a:off x="0" y="0"/>
+          <a:ext cx="0" cy="0"/>
+          <a:chOff x="0" y="0"/>
+          <a:chExt cx="0" cy="0"/>
+        </a:xfrm>
+      </p:grpSpPr>
+      <p:sp>
+        <p:nvSpPr>
+          <p:cNvPr id="2" name="Title 1"/>
+          <p:cNvSpPr>
+            <a:spLocks noGrp="1"/>
+          </p:cNvSpPr>
+          <p:nvPr>
+            <p:ph type="title"/>
+          </p:nvPr>
+        </p:nvSpPr>
+        <p:spPr>
+          <a:xfrm>
+            <a:off x="913795" y="609600"/>
+            <a:ext cx="10353761" cy="1326321"/>
+          </a:xfrm>
+        </p:spPr>
+        <p:txBody>
+          <a:bodyPr/>
+          <a:lstStyle/>
+          <a:p>
+            <a:r>
+              <a:rPr lang="en-US"/>
+              <a:t>Click to edit Master title style</a:t>
+            </a:r>
+            <a:endParaRPr lang="en-US" dirty="0"/>
+          </a:p>
+        </p:txBody>
+      </p:sp>
+      <p:sp>
+        <p:nvSpPr>
+          <p:cNvPr id="3" name="Content Placeholder 2"/>
+          <p:cNvSpPr>
+            <a:spLocks noGrp="1"/>
+          </p:cNvSpPr>
+          <p:nvPr>
+            <p:ph sz="half" idx="1"/>
+          </p:nvPr>
+        </p:nvSpPr>
+        <p:spPr>
+          <a:xfrm>
+            <a:off x="913795" y="2088319"/>
+            <a:ext cx="5106004" cy="3702881"/>
+          </a:xfrm>
+        </p:spPr>
+        <p:txBody>
+          <a:bodyPr/>
+          <a:lstStyle/>
+          <a:p>
+            <a:pPr lvl="0"/>
+            <a:r>
+              <a:rPr lang="en-US"/>
+              <a:t>Click to edit Master text styles</a:t>
+            </a:r>
+          </a:p>
+          <a:p>
+            <a:pPr lvl="1"/>
+            <a:r>
+              <a:rPr lang="en-US"/>
+              <a:t>Second level</a:t>
+            </a:r>
+          </a:p>
+          <a:p>
+            <a:pPr lvl="2"/>
+            <a:r>
+              <a:rPr lang="en-US"/>
+              <a:t>Third level</a:t>
+            </a:r>
+          </a:p>
+          <a:p>
+            <a:pPr lvl="3"/>
+            <a:r>
+              <a:rPr lang="en-US"/>
+              <a:t>Fourth level</a:t>
+            </a:r>
+          </a:p>
+          <a:p>
+            <a:pPr lvl="4"/>
+            <a:r>
+              <a:rPr lang="en-US"/>
+              <a:t>Fifth level</a:t>
+            </a:r>
+            <a:endParaRPr lang="en-US" dirty="0"/>
+          </a:p>
+        </p:txBody>
+      </p:sp>
+      <p:sp>
+        <p:nvSpPr>
+          <p:cNvPr id="4" name="Content Placeholder 3"/>
+          <p:cNvSpPr>
+            <a:spLocks noGrp="1"/>
+          </p:cNvSpPr>
+          <p:nvPr>
+            <p:ph sz="half" idx="2"/>
+          </p:nvPr>
+        </p:nvSpPr>
+        <p:spPr>
+          <a:xfrm>
+            <a:off x="6173403" y="2088319"/>
+            <a:ext cx="5094154" cy="3702881"/>
+          </a:xfrm>
+        </p:spPr>
+        <p:txBody>
+          <a:bodyPr/>
+          <a:lstStyle/>
+          <a:p>
+            <a:pPr lvl="0"/>
+            <a:r>
+              <a:rPr lang="en-US"/>
+              <a:t>Click to edit Master text styles</a:t>
+            </a:r>
+          </a:p>
+          <a:p>
+            <a:pPr lvl="1"/>
+            <a:r>
+              <a:rPr lang="en-US"/>
+              <a:t>Second level</a:t>
+            </a:r>
+          </a:p>
+          <a:p>
+            <a:pPr lvl="2"/>
+            <a:r>
+              <a:rPr lang="en-US"/>
+              <a:t>Third level</a:t>
+            </a:r>
+          </a:p>
+          <a:p>
+            <a:pPr lvl="3"/>
+            <a:r>
+              <a:rPr lang="en-US"/>
+              <a:t>Fourth level</a:t>
+            </a:r>
+          </a:p>
+          <a:p>
+            <a:pPr lvl="4"/>
+            <a:r>
+              <a:rPr lang="en-US"/>
+              <a:t>Fifth level</a:t>
+            </a:r>
+            <a:endParaRPr lang="en-US" dirty="0"/>
+          </a:p>
+        </p:txBody>
+      </p:sp>
+      <p:sp>
+        <p:nvSpPr>
+          <p:cNvPr id="5" name="Date Placeholder 4"/>
+          <p:cNvSpPr>
+            <a:spLocks noGrp="1"/>
+          </p:cNvSpPr>
+          <p:nvPr>
+            <p:ph type="dt" sz="half" idx="10"/>
+          </p:nvPr>
+        </p:nvSpPr>
+        <p:spPr/>
+        <p:txBody>
+          <a:bodyPr/>
+          <a:lstStyle/>
+          <a:p>
+            <a:fld id="{9A0B2DA1-C548-40D1-94BA-5E1CB4266833}" type="datetimeFigureOut">
+              <a:rPr lang="en-US" smtClean="0"/>
+              <a:t>1/24/2021</a:t>
+            </a:fld>
+            <a:endParaRPr lang="en-US"/>
+          </a:p>
+        </p:txBody>
+      </p:sp>
+      <p:sp>
+        <p:nvSpPr>
+          <p:cNvPr id="6" name="Footer Placeholder 5"/>
+          <p:cNvSpPr>
+            <a:spLocks noGrp="1"/>
+          </p:cNvSpPr>
+          <p:nvPr>
+            <p:ph type="ftr" sz="quarter" idx="11"/>
+          </p:nvPr>
+        </p:nvSpPr>
+        <p:spPr/>
+        <p:txBody>
+          <a:bodyPr/>
+          <a:lstStyle/>
+          <a:p>
+            <a:endParaRPr lang="en-US"/>
+          </a:p>
+        </p:txBody>
+      </p:sp>
+      <p:sp>
+        <p:nvSpPr>
+          <p:cNvPr id="7" name="Slide Number Placeholder 6"/>
+          <p:cNvSpPr>
+            <a:spLocks noGrp="1"/>
+          </p:cNvSpPr>
+          <p:nvPr>
+            <p:ph type="sldNum" sz="quarter" idx="12"/>
+          </p:nvPr>
+        </p:nvSpPr>
+        <p:spPr/>
+        <p:txBody>
+          <a:bodyPr/>
+          <a:lstStyle/>
+          <a:p>
+            <a:fld id="{6470B193-B485-4595-942F-8EB178F0A2CF}" type="slidenum">
+              <a:rPr lang="en-US" smtClean="0"/>
+              <a:t>‹#›</a:t>
+            </a:fld>
+            <a:endParaRPr lang="en-US"/>
+          </a:p>
+        </p:txBody>
+      </p:sp>
+    </p:spTree>
+    <p:extLst>
+      <p:ext uri="{BB962C8B-B14F-4D97-AF65-F5344CB8AC3E}">
+        <p14:creationId xmlns:p14="http://schemas.microsoft.com/office/powerpoint/2010/main" val="654501218"/>
+      </p:ext>
+    </p:extLst>
+  </p:cSld>
+  <p:clrMapOvr>
+    <a:masterClrMapping/>
+  </p:clrMapOvr>
+</p:sldLayout>
+</file>
+
+<file path=ppt/slideLayouts/slideLayout16.xml><?xml version="1.0" encoding="utf-8"?>
+<p:sldLayout xmlns:a="http://schemas.openxmlformats.org/drawingml/2006/main" xmlns:r="http://schemas.openxmlformats.org/officeDocument/2006/relationships" xmlns:p="http://schemas.openxmlformats.org/presentationml/2006/main" type="twoTxTwoObj" preserve="1">
+  <p:cSld name="Comparison">
+    <p:spTree>
+      <p:nvGrpSpPr>
+        <p:cNvPr id="1" name=""/>
+        <p:cNvGrpSpPr/>
+        <p:nvPr/>
+      </p:nvGrpSpPr>
+      <p:grpSpPr>
+        <a:xfrm>
+          <a:off x="0" y="0"/>
+          <a:ext cx="0" cy="0"/>
+          <a:chOff x="0" y="0"/>
+          <a:chExt cx="0" cy="0"/>
+        </a:xfrm>
+      </p:grpSpPr>
+      <p:sp>
+        <p:nvSpPr>
+          <p:cNvPr id="2" name="Title 1"/>
+          <p:cNvSpPr>
+            <a:spLocks noGrp="1"/>
+          </p:cNvSpPr>
+          <p:nvPr>
+            <p:ph type="title"/>
+          </p:nvPr>
+        </p:nvSpPr>
+        <p:spPr>
+          <a:xfrm>
+            <a:off x="913795" y="609600"/>
+            <a:ext cx="10353761" cy="1325563"/>
+          </a:xfrm>
+        </p:spPr>
+        <p:txBody>
+          <a:bodyPr/>
+          <a:lstStyle/>
+          <a:p>
+            <a:r>
+              <a:rPr lang="en-US"/>
+              <a:t>Click to edit Master title style</a:t>
+            </a:r>
+            <a:endParaRPr lang="en-US" dirty="0"/>
+          </a:p>
+        </p:txBody>
+      </p:sp>
+      <p:sp>
+        <p:nvSpPr>
+          <p:cNvPr id="3" name="Text Placeholder 2"/>
+          <p:cNvSpPr>
+            <a:spLocks noGrp="1"/>
+          </p:cNvSpPr>
+          <p:nvPr>
+            <p:ph type="body" idx="1"/>
+          </p:nvPr>
+        </p:nvSpPr>
+        <p:spPr>
+          <a:xfrm>
+            <a:off x="1141804" y="2088320"/>
+            <a:ext cx="4879199" cy="823912"/>
+          </a:xfrm>
+        </p:spPr>
+        <p:txBody>
+          <a:bodyPr anchor="b"/>
+          <a:lstStyle>
+            <a:lvl1pPr marL="0" indent="0">
+              <a:lnSpc>
+                <a:spcPct val="100000"/>
+              </a:lnSpc>
+              <a:buNone/>
+              <a:defRPr sz="2400" b="1"/>
+            </a:lvl1pPr>
+            <a:lvl2pPr marL="457200" indent="0">
+              <a:buNone/>
+              <a:defRPr sz="2000" b="1"/>
+            </a:lvl2pPr>
+            <a:lvl3pPr marL="914400" indent="0">
+              <a:buNone/>
+              <a:defRPr sz="1800" b="1"/>
+            </a:lvl3pPr>
+            <a:lvl4pPr marL="1371600" indent="0">
+              <a:buNone/>
+              <a:defRPr sz="1600" b="1"/>
+            </a:lvl4pPr>
+            <a:lvl5pPr marL="1828800" indent="0">
+              <a:buNone/>
+              <a:defRPr sz="1600" b="1"/>
+            </a:lvl5pPr>
+            <a:lvl6pPr marL="2286000" indent="0">
+              <a:buNone/>
+              <a:defRPr sz="1600" b="1"/>
+            </a:lvl6pPr>
+            <a:lvl7pPr marL="2743200" indent="0">
+              <a:buNone/>
+              <a:defRPr sz="1600" b="1"/>
+            </a:lvl7pPr>
+            <a:lvl8pPr marL="3200400" indent="0">
+              <a:buNone/>
+              <a:defRPr sz="1600" b="1"/>
+            </a:lvl8pPr>
+            <a:lvl9pPr marL="3657600" indent="0">
+              <a:buNone/>
+              <a:defRPr sz="1600" b="1"/>
+            </a:lvl9pPr>
+          </a:lstStyle>
+          <a:p>
+            <a:pPr lvl="0"/>
+            <a:r>
+              <a:rPr lang="en-US"/>
+              <a:t>Click to edit Master text styles</a:t>
+            </a:r>
+          </a:p>
+        </p:txBody>
+      </p:sp>
+      <p:sp>
+        <p:nvSpPr>
+          <p:cNvPr id="4" name="Content Placeholder 3"/>
+          <p:cNvSpPr>
+            <a:spLocks noGrp="1"/>
+          </p:cNvSpPr>
+          <p:nvPr>
+            <p:ph sz="half" idx="2"/>
+          </p:nvPr>
+        </p:nvSpPr>
+        <p:spPr>
+          <a:xfrm>
+            <a:off x="913795" y="2912232"/>
+            <a:ext cx="5107208" cy="2878968"/>
+          </a:xfrm>
+        </p:spPr>
+        <p:txBody>
+          <a:bodyPr/>
+          <a:lstStyle/>
+          <a:p>
+            <a:pPr lvl="0"/>
+            <a:r>
+              <a:rPr lang="en-US"/>
+              <a:t>Click to edit Master text styles</a:t>
+            </a:r>
+          </a:p>
+          <a:p>
+            <a:pPr lvl="1"/>
+            <a:r>
+              <a:rPr lang="en-US"/>
+              <a:t>Second level</a:t>
+            </a:r>
+          </a:p>
+          <a:p>
+            <a:pPr lvl="2"/>
+            <a:r>
+              <a:rPr lang="en-US"/>
+              <a:t>Third level</a:t>
+            </a:r>
+          </a:p>
+          <a:p>
+            <a:pPr lvl="3"/>
+            <a:r>
+              <a:rPr lang="en-US"/>
+              <a:t>Fourth level</a:t>
+            </a:r>
+          </a:p>
+          <a:p>
+            <a:pPr lvl="4"/>
+            <a:r>
+              <a:rPr lang="en-US"/>
+              <a:t>Fifth level</a:t>
+            </a:r>
+            <a:endParaRPr lang="en-US" dirty="0"/>
+          </a:p>
+        </p:txBody>
+      </p:sp>
+      <p:sp>
+        <p:nvSpPr>
+          <p:cNvPr id="5" name="Text Placeholder 4"/>
+          <p:cNvSpPr>
+            <a:spLocks noGrp="1"/>
+          </p:cNvSpPr>
+          <p:nvPr>
+            <p:ph type="body" sz="quarter" idx="3"/>
+          </p:nvPr>
+        </p:nvSpPr>
+        <p:spPr>
+          <a:xfrm>
+            <a:off x="6402003" y="2088320"/>
+            <a:ext cx="4865554" cy="823912"/>
+          </a:xfrm>
+        </p:spPr>
+        <p:txBody>
+          <a:bodyPr anchor="b"/>
+          <a:lstStyle>
+            <a:lvl1pPr marL="0" indent="0">
+              <a:lnSpc>
+                <a:spcPct val="100000"/>
+              </a:lnSpc>
+              <a:buNone/>
+              <a:defRPr sz="2400" b="1"/>
+            </a:lvl1pPr>
+            <a:lvl2pPr marL="457200" indent="0">
+              <a:buNone/>
+              <a:defRPr sz="2000" b="1"/>
+            </a:lvl2pPr>
+            <a:lvl3pPr marL="914400" indent="0">
+              <a:buNone/>
+              <a:defRPr sz="1800" b="1"/>
+            </a:lvl3pPr>
+            <a:lvl4pPr marL="1371600" indent="0">
+              <a:buNone/>
+              <a:defRPr sz="1600" b="1"/>
+            </a:lvl4pPr>
+            <a:lvl5pPr marL="1828800" indent="0">
+              <a:buNone/>
+              <a:defRPr sz="1600" b="1"/>
+            </a:lvl5pPr>
+            <a:lvl6pPr marL="2286000" indent="0">
+              <a:buNone/>
+              <a:defRPr sz="1600" b="1"/>
+            </a:lvl6pPr>
+            <a:lvl7pPr marL="2743200" indent="0">
+              <a:buNone/>
+              <a:defRPr sz="1600" b="1"/>
+            </a:lvl7pPr>
+            <a:lvl8pPr marL="3200400" indent="0">
+              <a:buNone/>
+              <a:defRPr sz="1600" b="1"/>
+            </a:lvl8pPr>
+            <a:lvl9pPr marL="3657600" indent="0">
+              <a:buNone/>
+              <a:defRPr sz="1600" b="1"/>
+            </a:lvl9pPr>
+          </a:lstStyle>
+          <a:p>
+            <a:pPr lvl="0"/>
+            <a:r>
+              <a:rPr lang="en-US"/>
+              <a:t>Click to edit Master text styles</a:t>
+            </a:r>
+          </a:p>
+        </p:txBody>
+      </p:sp>
+      <p:sp>
+        <p:nvSpPr>
+          <p:cNvPr id="6" name="Content Placeholder 5"/>
+          <p:cNvSpPr>
+            <a:spLocks noGrp="1"/>
+          </p:cNvSpPr>
+          <p:nvPr>
+            <p:ph sz="quarter" idx="4"/>
+          </p:nvPr>
+        </p:nvSpPr>
+        <p:spPr>
+          <a:xfrm>
+            <a:off x="6172200" y="2912232"/>
+            <a:ext cx="5095357" cy="2878968"/>
+          </a:xfrm>
+        </p:spPr>
+        <p:txBody>
+          <a:bodyPr/>
+          <a:lstStyle/>
+          <a:p>
+            <a:pPr lvl="0"/>
+            <a:r>
+              <a:rPr lang="en-US"/>
+              <a:t>Click to edit Master text styles</a:t>
+            </a:r>
+          </a:p>
+          <a:p>
+            <a:pPr lvl="1"/>
+            <a:r>
+              <a:rPr lang="en-US"/>
+              <a:t>Second level</a:t>
+            </a:r>
+          </a:p>
+          <a:p>
+            <a:pPr lvl="2"/>
+            <a:r>
+              <a:rPr lang="en-US"/>
+              <a:t>Third level</a:t>
+            </a:r>
+          </a:p>
+          <a:p>
+            <a:pPr lvl="3"/>
+            <a:r>
+              <a:rPr lang="en-US"/>
+              <a:t>Fourth level</a:t>
+            </a:r>
+          </a:p>
+          <a:p>
+            <a:pPr lvl="4"/>
+            <a:r>
+              <a:rPr lang="en-US"/>
+              <a:t>Fifth level</a:t>
+            </a:r>
+            <a:endParaRPr lang="en-US" dirty="0"/>
+          </a:p>
+        </p:txBody>
+      </p:sp>
+      <p:sp>
+        <p:nvSpPr>
+          <p:cNvPr id="7" name="Date Placeholder 6"/>
+          <p:cNvSpPr>
+            <a:spLocks noGrp="1"/>
+          </p:cNvSpPr>
+          <p:nvPr>
+            <p:ph type="dt" sz="half" idx="10"/>
+          </p:nvPr>
+        </p:nvSpPr>
+        <p:spPr/>
+        <p:txBody>
+          <a:bodyPr/>
+          <a:lstStyle/>
+          <a:p>
+            <a:fld id="{9A0B2DA1-C548-40D1-94BA-5E1CB4266833}" type="datetimeFigureOut">
+              <a:rPr lang="en-US" smtClean="0"/>
+              <a:t>1/24/2021</a:t>
+            </a:fld>
+            <a:endParaRPr lang="en-US"/>
+          </a:p>
+        </p:txBody>
+      </p:sp>
+      <p:sp>
+        <p:nvSpPr>
+          <p:cNvPr id="8" name="Footer Placeholder 7"/>
+          <p:cNvSpPr>
+            <a:spLocks noGrp="1"/>
+          </p:cNvSpPr>
+          <p:nvPr>
+            <p:ph type="ftr" sz="quarter" idx="11"/>
+          </p:nvPr>
+        </p:nvSpPr>
+        <p:spPr/>
+        <p:txBody>
+          <a:bodyPr/>
+          <a:lstStyle/>
+          <a:p>
+            <a:endParaRPr lang="en-US"/>
+          </a:p>
+        </p:txBody>
+      </p:sp>
+      <p:sp>
+        <p:nvSpPr>
+          <p:cNvPr id="9" name="Slide Number Placeholder 8"/>
+          <p:cNvSpPr>
+            <a:spLocks noGrp="1"/>
+          </p:cNvSpPr>
+          <p:nvPr>
+            <p:ph type="sldNum" sz="quarter" idx="12"/>
+          </p:nvPr>
+        </p:nvSpPr>
+        <p:spPr/>
+        <p:txBody>
+          <a:bodyPr/>
+          <a:lstStyle/>
+          <a:p>
+            <a:fld id="{6470B193-B485-4595-942F-8EB178F0A2CF}" type="slidenum">
+              <a:rPr lang="en-US" smtClean="0"/>
+              <a:t>‹#›</a:t>
+            </a:fld>
+            <a:endParaRPr lang="en-US"/>
+          </a:p>
+        </p:txBody>
+      </p:sp>
+    </p:spTree>
+    <p:extLst>
+      <p:ext uri="{BB962C8B-B14F-4D97-AF65-F5344CB8AC3E}">
+        <p14:creationId xmlns:p14="http://schemas.microsoft.com/office/powerpoint/2010/main" val="2475175846"/>
+      </p:ext>
+    </p:extLst>
+  </p:cSld>
+  <p:clrMapOvr>
+    <a:masterClrMapping/>
+  </p:clrMapOvr>
+</p:sldLayout>
+</file>
+
+<file path=ppt/slideLayouts/slideLayout17.xml><?xml version="1.0" encoding="utf-8"?>
+<p:sldLayout xmlns:a="http://schemas.openxmlformats.org/drawingml/2006/main" xmlns:r="http://schemas.openxmlformats.org/officeDocument/2006/relationships" xmlns:p="http://schemas.openxmlformats.org/presentationml/2006/main" type="titleOnly" preserve="1">
+  <p:cSld name="Title Only">
+    <p:spTree>
+      <p:nvGrpSpPr>
+        <p:cNvPr id="1" name=""/>
+        <p:cNvGrpSpPr/>
+        <p:nvPr/>
+      </p:nvGrpSpPr>
+      <p:grpSpPr>
+        <a:xfrm>
+          <a:off x="0" y="0"/>
+          <a:ext cx="0" cy="0"/>
+          <a:chOff x="0" y="0"/>
+          <a:chExt cx="0" cy="0"/>
+        </a:xfrm>
+      </p:grpSpPr>
+      <p:sp>
+        <p:nvSpPr>
+          <p:cNvPr id="2" name="Title 1"/>
+          <p:cNvSpPr>
+            <a:spLocks noGrp="1"/>
+          </p:cNvSpPr>
+          <p:nvPr>
+            <p:ph type="title"/>
+          </p:nvPr>
+        </p:nvSpPr>
+        <p:spPr/>
+        <p:txBody>
+          <a:bodyPr/>
+          <a:lstStyle/>
+          <a:p>
+            <a:r>
+              <a:rPr lang="en-US"/>
+              <a:t>Click to edit Master title style</a:t>
+            </a:r>
+            <a:endParaRPr lang="en-US" dirty="0"/>
+          </a:p>
+        </p:txBody>
+      </p:sp>
+      <p:sp>
+        <p:nvSpPr>
+          <p:cNvPr id="3" name="Date Placeholder 2"/>
+          <p:cNvSpPr>
+            <a:spLocks noGrp="1"/>
+          </p:cNvSpPr>
+          <p:nvPr>
+            <p:ph type="dt" sz="half" idx="10"/>
+          </p:nvPr>
+        </p:nvSpPr>
+        <p:spPr/>
+        <p:txBody>
+          <a:bodyPr/>
+          <a:lstStyle/>
+          <a:p>
+            <a:fld id="{9A0B2DA1-C548-40D1-94BA-5E1CB4266833}" type="datetimeFigureOut">
+              <a:rPr lang="en-US" smtClean="0"/>
+              <a:t>1/24/2021</a:t>
+            </a:fld>
+            <a:endParaRPr lang="en-US"/>
+          </a:p>
+        </p:txBody>
+      </p:sp>
+      <p:sp>
+        <p:nvSpPr>
+          <p:cNvPr id="4" name="Footer Placeholder 3"/>
+          <p:cNvSpPr>
+            <a:spLocks noGrp="1"/>
+          </p:cNvSpPr>
+          <p:nvPr>
+            <p:ph type="ftr" sz="quarter" idx="11"/>
+          </p:nvPr>
+        </p:nvSpPr>
+        <p:spPr/>
+        <p:txBody>
+          <a:bodyPr/>
+          <a:lstStyle/>
+          <a:p>
+            <a:endParaRPr lang="en-US"/>
+          </a:p>
+        </p:txBody>
+      </p:sp>
+      <p:sp>
+        <p:nvSpPr>
+          <p:cNvPr id="5" name="Slide Number Placeholder 4"/>
+          <p:cNvSpPr>
+            <a:spLocks noGrp="1"/>
+          </p:cNvSpPr>
+          <p:nvPr>
+            <p:ph type="sldNum" sz="quarter" idx="12"/>
+          </p:nvPr>
+        </p:nvSpPr>
+        <p:spPr/>
+        <p:txBody>
+          <a:bodyPr/>
+          <a:lstStyle/>
+          <a:p>
+            <a:fld id="{6470B193-B485-4595-942F-8EB178F0A2CF}" type="slidenum">
+              <a:rPr lang="en-US" smtClean="0"/>
+              <a:t>‹#›</a:t>
+            </a:fld>
+            <a:endParaRPr lang="en-US"/>
+          </a:p>
+        </p:txBody>
+      </p:sp>
+    </p:spTree>
+    <p:extLst>
+      <p:ext uri="{BB962C8B-B14F-4D97-AF65-F5344CB8AC3E}">
+        <p14:creationId xmlns:p14="http://schemas.microsoft.com/office/powerpoint/2010/main" val="1361528849"/>
+      </p:ext>
+    </p:extLst>
+  </p:cSld>
+  <p:clrMapOvr>
+    <a:masterClrMapping/>
+  </p:clrMapOvr>
+</p:sldLayout>
+</file>
+
+<file path=ppt/slideLayouts/slideLayout18.xml><?xml version="1.0" encoding="utf-8"?>
+<p:sldLayout xmlns:a="http://schemas.openxmlformats.org/drawingml/2006/main" xmlns:r="http://schemas.openxmlformats.org/officeDocument/2006/relationships" xmlns:p="http://schemas.openxmlformats.org/presentationml/2006/main" type="blank" preserve="1">
+  <p:cSld name="Blank">
+    <p:spTree>
+      <p:nvGrpSpPr>
+        <p:cNvPr id="1" name=""/>
+        <p:cNvGrpSpPr/>
+        <p:nvPr/>
+      </p:nvGrpSpPr>
+      <p:grpSpPr>
+        <a:xfrm>
+          <a:off x="0" y="0"/>
+          <a:ext cx="0" cy="0"/>
+          <a:chOff x="0" y="0"/>
+          <a:chExt cx="0" cy="0"/>
+        </a:xfrm>
+      </p:grpSpPr>
+      <p:sp>
+        <p:nvSpPr>
+          <p:cNvPr id="2" name="Date Placeholder 1"/>
+          <p:cNvSpPr>
+            <a:spLocks noGrp="1"/>
+          </p:cNvSpPr>
+          <p:nvPr>
+            <p:ph type="dt" sz="half" idx="10"/>
+          </p:nvPr>
+        </p:nvSpPr>
+        <p:spPr/>
+        <p:txBody>
+          <a:bodyPr/>
+          <a:lstStyle/>
+          <a:p>
+            <a:fld id="{9A0B2DA1-C548-40D1-94BA-5E1CB4266833}" type="datetimeFigureOut">
+              <a:rPr lang="en-US" smtClean="0"/>
+              <a:t>1/24/2021</a:t>
+            </a:fld>
+            <a:endParaRPr lang="en-US"/>
+          </a:p>
+        </p:txBody>
+      </p:sp>
+      <p:sp>
+        <p:nvSpPr>
+          <p:cNvPr id="3" name="Footer Placeholder 2"/>
+          <p:cNvSpPr>
+            <a:spLocks noGrp="1"/>
+          </p:cNvSpPr>
+          <p:nvPr>
+            <p:ph type="ftr" sz="quarter" idx="11"/>
+          </p:nvPr>
+        </p:nvSpPr>
+        <p:spPr/>
+        <p:txBody>
+          <a:bodyPr/>
+          <a:lstStyle/>
+          <a:p>
+            <a:endParaRPr lang="en-US"/>
+          </a:p>
+        </p:txBody>
+      </p:sp>
+      <p:sp>
+        <p:nvSpPr>
+          <p:cNvPr id="4" name="Slide Number Placeholder 3"/>
+          <p:cNvSpPr>
+            <a:spLocks noGrp="1"/>
+          </p:cNvSpPr>
+          <p:nvPr>
+            <p:ph type="sldNum" sz="quarter" idx="12"/>
+          </p:nvPr>
+        </p:nvSpPr>
+        <p:spPr/>
+        <p:txBody>
+          <a:bodyPr/>
+          <a:lstStyle/>
+          <a:p>
+            <a:fld id="{6470B193-B485-4595-942F-8EB178F0A2CF}" type="slidenum">
+              <a:rPr lang="en-US" smtClean="0"/>
+              <a:t>‹#›</a:t>
+            </a:fld>
+            <a:endParaRPr lang="en-US"/>
+          </a:p>
+        </p:txBody>
+      </p:sp>
+    </p:spTree>
+    <p:extLst>
+      <p:ext uri="{BB962C8B-B14F-4D97-AF65-F5344CB8AC3E}">
+        <p14:creationId xmlns:p14="http://schemas.microsoft.com/office/powerpoint/2010/main" val="3893360365"/>
+      </p:ext>
+    </p:extLst>
+  </p:cSld>
+  <p:clrMapOvr>
+    <a:masterClrMapping/>
+  </p:clrMapOvr>
+</p:sldLayout>
+</file>
+
+<file path=ppt/slideLayouts/slideLayout19.xml><?xml version="1.0" encoding="utf-8"?>
+<p:sldLayout xmlns:a="http://schemas.openxmlformats.org/drawingml/2006/main" xmlns:r="http://schemas.openxmlformats.org/officeDocument/2006/relationships" xmlns:p="http://schemas.openxmlformats.org/presentationml/2006/main" type="objTx" preserve="1">
+  <p:cSld name="Content with Caption">
+    <p:spTree>
+      <p:nvGrpSpPr>
+        <p:cNvPr id="1" name=""/>
+        <p:cNvGrpSpPr/>
+        <p:nvPr/>
+      </p:nvGrpSpPr>
+      <p:grpSpPr>
+        <a:xfrm>
+          <a:off x="0" y="0"/>
+          <a:ext cx="0" cy="0"/>
+          <a:chOff x="0" y="0"/>
+          <a:chExt cx="0" cy="0"/>
+        </a:xfrm>
+      </p:grpSpPr>
+      <p:sp>
+        <p:nvSpPr>
+          <p:cNvPr id="2" name="Title 1"/>
+          <p:cNvSpPr>
+            <a:spLocks noGrp="1"/>
+          </p:cNvSpPr>
+          <p:nvPr>
+            <p:ph type="title"/>
+          </p:nvPr>
+        </p:nvSpPr>
+        <p:spPr>
+          <a:xfrm>
+            <a:off x="917228" y="609600"/>
+            <a:ext cx="3932237" cy="2362200"/>
+          </a:xfrm>
+        </p:spPr>
+        <p:txBody>
+          <a:bodyPr anchor="b">
+            <a:normAutofit/>
+          </a:bodyPr>
+          <a:lstStyle>
+            <a:lvl1pPr>
+              <a:defRPr sz="2800"/>
+            </a:lvl1pPr>
+          </a:lstStyle>
+          <a:p>
+            <a:r>
+              <a:rPr lang="en-US"/>
+              <a:t>Click to edit Master title style</a:t>
+            </a:r>
+            <a:endParaRPr lang="en-US" dirty="0"/>
+          </a:p>
+        </p:txBody>
+      </p:sp>
+      <p:sp>
+        <p:nvSpPr>
+          <p:cNvPr id="3" name="Content Placeholder 2"/>
+          <p:cNvSpPr>
+            <a:spLocks noGrp="1"/>
+          </p:cNvSpPr>
+          <p:nvPr>
+            <p:ph idx="1"/>
+          </p:nvPr>
+        </p:nvSpPr>
+        <p:spPr>
+          <a:xfrm>
+            <a:off x="5078064" y="609600"/>
+            <a:ext cx="6189492" cy="5181600"/>
+          </a:xfrm>
+        </p:spPr>
+        <p:txBody>
+          <a:bodyPr anchor="ctr"/>
+          <a:lstStyle/>
+          <a:p>
+            <a:pPr lvl="0"/>
+            <a:r>
+              <a:rPr lang="en-US"/>
+              <a:t>Click to edit Master text styles</a:t>
+            </a:r>
+          </a:p>
+          <a:p>
+            <a:pPr lvl="1"/>
+            <a:r>
+              <a:rPr lang="en-US"/>
+              <a:t>Second level</a:t>
+            </a:r>
+          </a:p>
+          <a:p>
+            <a:pPr lvl="2"/>
+            <a:r>
+              <a:rPr lang="en-US"/>
+              <a:t>Third level</a:t>
+            </a:r>
+          </a:p>
+          <a:p>
+            <a:pPr lvl="3"/>
+            <a:r>
+              <a:rPr lang="en-US"/>
+              <a:t>Fourth level</a:t>
+            </a:r>
+          </a:p>
+          <a:p>
+            <a:pPr lvl="4"/>
+            <a:r>
+              <a:rPr lang="en-US"/>
+              <a:t>Fifth level</a:t>
+            </a:r>
+            <a:endParaRPr lang="en-US" dirty="0"/>
+          </a:p>
+        </p:txBody>
+      </p:sp>
+      <p:sp>
+        <p:nvSpPr>
+          <p:cNvPr id="4" name="Text Placeholder 3"/>
+          <p:cNvSpPr>
+            <a:spLocks noGrp="1"/>
+          </p:cNvSpPr>
+          <p:nvPr>
+            <p:ph type="body" sz="half" idx="2"/>
+          </p:nvPr>
+        </p:nvSpPr>
+        <p:spPr>
+          <a:xfrm>
+            <a:off x="917228" y="2971800"/>
+            <a:ext cx="3932237" cy="2819399"/>
+          </a:xfrm>
+        </p:spPr>
+        <p:txBody>
+          <a:bodyPr/>
+          <a:lstStyle>
+            <a:lvl1pPr marL="0" indent="0" algn="ctr">
+              <a:buNone/>
+              <a:defRPr sz="1600"/>
+            </a:lvl1pPr>
+            <a:lvl2pPr marL="457200" indent="0">
+              <a:buNone/>
+              <a:defRPr sz="1400"/>
+            </a:lvl2pPr>
+            <a:lvl3pPr marL="914400" indent="0">
+              <a:buNone/>
+              <a:defRPr sz="1200"/>
+            </a:lvl3pPr>
+            <a:lvl4pPr marL="1371600" indent="0">
+              <a:buNone/>
+              <a:defRPr sz="1000"/>
+            </a:lvl4pPr>
+            <a:lvl5pPr marL="1828800" indent="0">
+              <a:buNone/>
+              <a:defRPr sz="1000"/>
+            </a:lvl5pPr>
+            <a:lvl6pPr marL="2286000" indent="0">
+              <a:buNone/>
+              <a:defRPr sz="1000"/>
+            </a:lvl6pPr>
+            <a:lvl7pPr marL="2743200" indent="0">
+              <a:buNone/>
+              <a:defRPr sz="1000"/>
+            </a:lvl7pPr>
+            <a:lvl8pPr marL="3200400" indent="0">
+              <a:buNone/>
+              <a:defRPr sz="1000"/>
+            </a:lvl8pPr>
+            <a:lvl9pPr marL="3657600" indent="0">
+              <a:buNone/>
+              <a:defRPr sz="1000"/>
+            </a:lvl9pPr>
+          </a:lstStyle>
+          <a:p>
+            <a:pPr lvl="0"/>
+            <a:r>
+              <a:rPr lang="en-US"/>
+              <a:t>Click to edit Master text styles</a:t>
+            </a:r>
+          </a:p>
+        </p:txBody>
+      </p:sp>
+      <p:sp>
+        <p:nvSpPr>
+          <p:cNvPr id="5" name="Date Placeholder 4"/>
+          <p:cNvSpPr>
+            <a:spLocks noGrp="1"/>
+          </p:cNvSpPr>
+          <p:nvPr>
+            <p:ph type="dt" sz="half" idx="10"/>
+          </p:nvPr>
+        </p:nvSpPr>
+        <p:spPr/>
+        <p:txBody>
+          <a:bodyPr/>
+          <a:lstStyle/>
+          <a:p>
+            <a:fld id="{9A0B2DA1-C548-40D1-94BA-5E1CB4266833}" type="datetimeFigureOut">
+              <a:rPr lang="en-US" smtClean="0"/>
+              <a:t>1/24/2021</a:t>
+            </a:fld>
+            <a:endParaRPr lang="en-US"/>
+          </a:p>
+        </p:txBody>
+      </p:sp>
+      <p:sp>
+        <p:nvSpPr>
+          <p:cNvPr id="6" name="Footer Placeholder 5"/>
+          <p:cNvSpPr>
+            <a:spLocks noGrp="1"/>
+          </p:cNvSpPr>
+          <p:nvPr>
+            <p:ph type="ftr" sz="quarter" idx="11"/>
+          </p:nvPr>
+        </p:nvSpPr>
+        <p:spPr/>
+        <p:txBody>
+          <a:bodyPr/>
+          <a:lstStyle/>
+          <a:p>
+            <a:endParaRPr lang="en-US"/>
+          </a:p>
+        </p:txBody>
+      </p:sp>
+      <p:sp>
+        <p:nvSpPr>
+          <p:cNvPr id="7" name="Slide Number Placeholder 6"/>
+          <p:cNvSpPr>
+            <a:spLocks noGrp="1"/>
+          </p:cNvSpPr>
+          <p:nvPr>
+            <p:ph type="sldNum" sz="quarter" idx="12"/>
+          </p:nvPr>
+        </p:nvSpPr>
+        <p:spPr/>
+        <p:txBody>
+          <a:bodyPr/>
+          <a:lstStyle/>
+          <a:p>
+            <a:fld id="{6470B193-B485-4595-942F-8EB178F0A2CF}" type="slidenum">
+              <a:rPr lang="en-US" smtClean="0"/>
+              <a:t>‹#›</a:t>
+            </a:fld>
+            <a:endParaRPr lang="en-US"/>
+          </a:p>
+        </p:txBody>
+      </p:sp>
+    </p:spTree>
+    <p:extLst>
+      <p:ext uri="{BB962C8B-B14F-4D97-AF65-F5344CB8AC3E}">
+        <p14:creationId xmlns:p14="http://schemas.microsoft.com/office/powerpoint/2010/main" val="3901879134"/>
       </p:ext>
     </p:extLst>
   </p:cSld>
@@ -864,7 +2552,7 @@
           <a:p>
             <a:fld id="{53F1C5C1-91BB-4D0D-95FD-19F0E5A4700D}" type="datetimeFigureOut">
               <a:rPr lang="en-US" smtClean="0"/>
-              <a:t>10/29/2018</a:t>
+              <a:t>1/24/2021</a:t>
             </a:fld>
             <a:endParaRPr lang="en-US"/>
           </a:p>
@@ -928,6 +2616,3197 @@
     <p:extLst>
       <p:ext uri="{BB962C8B-B14F-4D97-AF65-F5344CB8AC3E}">
         <p14:creationId xmlns:p14="http://schemas.microsoft.com/office/powerpoint/2010/main" val="3140076766"/>
+      </p:ext>
+    </p:extLst>
+  </p:cSld>
+  <p:clrMapOvr>
+    <a:masterClrMapping/>
+  </p:clrMapOvr>
+</p:sldLayout>
+</file>
+
+<file path=ppt/slideLayouts/slideLayout20.xml><?xml version="1.0" encoding="utf-8"?>
+<p:sldLayout xmlns:a="http://schemas.openxmlformats.org/drawingml/2006/main" xmlns:r="http://schemas.openxmlformats.org/officeDocument/2006/relationships" xmlns:p="http://schemas.openxmlformats.org/presentationml/2006/main" type="picTx" preserve="1">
+  <p:cSld name="Picture with Caption">
+    <p:spTree>
+      <p:nvGrpSpPr>
+        <p:cNvPr id="1" name=""/>
+        <p:cNvGrpSpPr/>
+        <p:nvPr/>
+      </p:nvGrpSpPr>
+      <p:grpSpPr>
+        <a:xfrm>
+          <a:off x="0" y="0"/>
+          <a:ext cx="0" cy="0"/>
+          <a:chOff x="0" y="0"/>
+          <a:chExt cx="0" cy="0"/>
+        </a:xfrm>
+      </p:grpSpPr>
+      <p:sp>
+        <p:nvSpPr>
+          <p:cNvPr id="2" name="Title 1"/>
+          <p:cNvSpPr>
+            <a:spLocks noGrp="1"/>
+          </p:cNvSpPr>
+          <p:nvPr>
+            <p:ph type="title"/>
+          </p:nvPr>
+        </p:nvSpPr>
+        <p:spPr>
+          <a:xfrm>
+            <a:off x="917227" y="609600"/>
+            <a:ext cx="5929773" cy="2362200"/>
+          </a:xfrm>
+        </p:spPr>
+        <p:txBody>
+          <a:bodyPr anchor="b">
+            <a:normAutofit/>
+          </a:bodyPr>
+          <a:lstStyle>
+            <a:lvl1pPr>
+              <a:defRPr sz="3200"/>
+            </a:lvl1pPr>
+          </a:lstStyle>
+          <a:p>
+            <a:r>
+              <a:rPr lang="en-US"/>
+              <a:t>Click to edit Master title style</a:t>
+            </a:r>
+            <a:endParaRPr lang="en-US" dirty="0"/>
+          </a:p>
+        </p:txBody>
+      </p:sp>
+      <p:sp>
+        <p:nvSpPr>
+          <p:cNvPr id="3" name="Picture Placeholder 2"/>
+          <p:cNvSpPr>
+            <a:spLocks noGrp="1" noChangeAspect="1"/>
+          </p:cNvSpPr>
+          <p:nvPr>
+            <p:ph type="pic" idx="1"/>
+          </p:nvPr>
+        </p:nvSpPr>
+        <p:spPr>
+          <a:xfrm>
+            <a:off x="7424804" y="758881"/>
+            <a:ext cx="3255356" cy="4883038"/>
+          </a:xfrm>
+          <a:noFill/>
+          <a:ln w="190500" cap="sq">
+            <a:solidFill>
+              <a:srgbClr val="FFFFFF"/>
+            </a:solidFill>
+            <a:miter lim="800000"/>
+          </a:ln>
+          <a:effectLst>
+            <a:outerShdw blurRad="55000" dist="18000" dir="5400000" algn="tl" rotWithShape="0">
+              <a:srgbClr val="000000">
+                <a:alpha val="40000"/>
+              </a:srgbClr>
+            </a:outerShdw>
+          </a:effectLst>
+          <a:scene3d>
+            <a:camera prst="orthographicFront"/>
+            <a:lightRig rig="twoPt" dir="t">
+              <a:rot lat="0" lon="0" rev="7200000"/>
+            </a:lightRig>
+          </a:scene3d>
+          <a:sp3d>
+            <a:bevelT w="25400" h="19050"/>
+            <a:contourClr>
+              <a:srgbClr val="FFFFFF"/>
+            </a:contourClr>
+          </a:sp3d>
+        </p:spPr>
+        <p:txBody>
+          <a:bodyPr anchor="t"/>
+          <a:lstStyle>
+            <a:lvl1pPr marL="0" indent="0" algn="ctr">
+              <a:buNone/>
+              <a:defRPr sz="3200"/>
+            </a:lvl1pPr>
+            <a:lvl2pPr marL="457200" indent="0">
+              <a:buNone/>
+              <a:defRPr sz="2800"/>
+            </a:lvl2pPr>
+            <a:lvl3pPr marL="914400" indent="0">
+              <a:buNone/>
+              <a:defRPr sz="2400"/>
+            </a:lvl3pPr>
+            <a:lvl4pPr marL="1371600" indent="0">
+              <a:buNone/>
+              <a:defRPr sz="2000"/>
+            </a:lvl4pPr>
+            <a:lvl5pPr marL="1828800" indent="0">
+              <a:buNone/>
+              <a:defRPr sz="2000"/>
+            </a:lvl5pPr>
+            <a:lvl6pPr marL="2286000" indent="0">
+              <a:buNone/>
+              <a:defRPr sz="2000"/>
+            </a:lvl6pPr>
+            <a:lvl7pPr marL="2743200" indent="0">
+              <a:buNone/>
+              <a:defRPr sz="2000"/>
+            </a:lvl7pPr>
+            <a:lvl8pPr marL="3200400" indent="0">
+              <a:buNone/>
+              <a:defRPr sz="2000"/>
+            </a:lvl8pPr>
+            <a:lvl9pPr marL="3657600" indent="0">
+              <a:buNone/>
+              <a:defRPr sz="2000"/>
+            </a:lvl9pPr>
+          </a:lstStyle>
+          <a:p>
+            <a:r>
+              <a:rPr lang="en-US"/>
+              <a:t>Click icon to add picture</a:t>
+            </a:r>
+            <a:endParaRPr lang="en-US" dirty="0"/>
+          </a:p>
+        </p:txBody>
+      </p:sp>
+      <p:sp>
+        <p:nvSpPr>
+          <p:cNvPr id="4" name="Text Placeholder 3"/>
+          <p:cNvSpPr>
+            <a:spLocks noGrp="1"/>
+          </p:cNvSpPr>
+          <p:nvPr>
+            <p:ph type="body" sz="half" idx="2"/>
+          </p:nvPr>
+        </p:nvSpPr>
+        <p:spPr>
+          <a:xfrm>
+            <a:off x="913794" y="2971800"/>
+            <a:ext cx="5934950" cy="2819400"/>
+          </a:xfrm>
+        </p:spPr>
+        <p:txBody>
+          <a:bodyPr>
+            <a:normAutofit/>
+          </a:bodyPr>
+          <a:lstStyle>
+            <a:lvl1pPr marL="0" indent="0" algn="ctr">
+              <a:buNone/>
+              <a:defRPr sz="1800"/>
+            </a:lvl1pPr>
+            <a:lvl2pPr marL="457200" indent="0">
+              <a:buNone/>
+              <a:defRPr sz="1400"/>
+            </a:lvl2pPr>
+            <a:lvl3pPr marL="914400" indent="0">
+              <a:buNone/>
+              <a:defRPr sz="1200"/>
+            </a:lvl3pPr>
+            <a:lvl4pPr marL="1371600" indent="0">
+              <a:buNone/>
+              <a:defRPr sz="1000"/>
+            </a:lvl4pPr>
+            <a:lvl5pPr marL="1828800" indent="0">
+              <a:buNone/>
+              <a:defRPr sz="1000"/>
+            </a:lvl5pPr>
+            <a:lvl6pPr marL="2286000" indent="0">
+              <a:buNone/>
+              <a:defRPr sz="1000"/>
+            </a:lvl6pPr>
+            <a:lvl7pPr marL="2743200" indent="0">
+              <a:buNone/>
+              <a:defRPr sz="1000"/>
+            </a:lvl7pPr>
+            <a:lvl8pPr marL="3200400" indent="0">
+              <a:buNone/>
+              <a:defRPr sz="1000"/>
+            </a:lvl8pPr>
+            <a:lvl9pPr marL="3657600" indent="0">
+              <a:buNone/>
+              <a:defRPr sz="1000"/>
+            </a:lvl9pPr>
+          </a:lstStyle>
+          <a:p>
+            <a:pPr lvl="0"/>
+            <a:r>
+              <a:rPr lang="en-US"/>
+              <a:t>Click to edit Master text styles</a:t>
+            </a:r>
+          </a:p>
+        </p:txBody>
+      </p:sp>
+      <p:sp>
+        <p:nvSpPr>
+          <p:cNvPr id="5" name="Date Placeholder 4"/>
+          <p:cNvSpPr>
+            <a:spLocks noGrp="1"/>
+          </p:cNvSpPr>
+          <p:nvPr>
+            <p:ph type="dt" sz="half" idx="10"/>
+          </p:nvPr>
+        </p:nvSpPr>
+        <p:spPr/>
+        <p:txBody>
+          <a:bodyPr/>
+          <a:lstStyle/>
+          <a:p>
+            <a:fld id="{9A0B2DA1-C548-40D1-94BA-5E1CB4266833}" type="datetimeFigureOut">
+              <a:rPr lang="en-US" smtClean="0"/>
+              <a:t>1/24/2021</a:t>
+            </a:fld>
+            <a:endParaRPr lang="en-US"/>
+          </a:p>
+        </p:txBody>
+      </p:sp>
+      <p:sp>
+        <p:nvSpPr>
+          <p:cNvPr id="6" name="Footer Placeholder 5"/>
+          <p:cNvSpPr>
+            <a:spLocks noGrp="1"/>
+          </p:cNvSpPr>
+          <p:nvPr>
+            <p:ph type="ftr" sz="quarter" idx="11"/>
+          </p:nvPr>
+        </p:nvSpPr>
+        <p:spPr/>
+        <p:txBody>
+          <a:bodyPr/>
+          <a:lstStyle/>
+          <a:p>
+            <a:endParaRPr lang="en-US"/>
+          </a:p>
+        </p:txBody>
+      </p:sp>
+      <p:sp>
+        <p:nvSpPr>
+          <p:cNvPr id="7" name="Slide Number Placeholder 6"/>
+          <p:cNvSpPr>
+            <a:spLocks noGrp="1"/>
+          </p:cNvSpPr>
+          <p:nvPr>
+            <p:ph type="sldNum" sz="quarter" idx="12"/>
+          </p:nvPr>
+        </p:nvSpPr>
+        <p:spPr/>
+        <p:txBody>
+          <a:bodyPr/>
+          <a:lstStyle/>
+          <a:p>
+            <a:fld id="{6470B193-B485-4595-942F-8EB178F0A2CF}" type="slidenum">
+              <a:rPr lang="en-US" smtClean="0"/>
+              <a:t>‹#›</a:t>
+            </a:fld>
+            <a:endParaRPr lang="en-US"/>
+          </a:p>
+        </p:txBody>
+      </p:sp>
+    </p:spTree>
+    <p:extLst>
+      <p:ext uri="{BB962C8B-B14F-4D97-AF65-F5344CB8AC3E}">
+        <p14:creationId xmlns:p14="http://schemas.microsoft.com/office/powerpoint/2010/main" val="2037603953"/>
+      </p:ext>
+    </p:extLst>
+  </p:cSld>
+  <p:clrMapOvr>
+    <a:masterClrMapping/>
+  </p:clrMapOvr>
+</p:sldLayout>
+</file>
+
+<file path=ppt/slideLayouts/slideLayout21.xml><?xml version="1.0" encoding="utf-8"?>
+<p:sldLayout xmlns:a="http://schemas.openxmlformats.org/drawingml/2006/main" xmlns:r="http://schemas.openxmlformats.org/officeDocument/2006/relationships" xmlns:p="http://schemas.openxmlformats.org/presentationml/2006/main" preserve="1">
+  <p:cSld name="Panoramic Picture with Caption">
+    <p:spTree>
+      <p:nvGrpSpPr>
+        <p:cNvPr id="1" name=""/>
+        <p:cNvGrpSpPr/>
+        <p:nvPr/>
+      </p:nvGrpSpPr>
+      <p:grpSpPr>
+        <a:xfrm>
+          <a:off x="0" y="0"/>
+          <a:ext cx="0" cy="0"/>
+          <a:chOff x="0" y="0"/>
+          <a:chExt cx="0" cy="0"/>
+        </a:xfrm>
+      </p:grpSpPr>
+      <p:sp>
+        <p:nvSpPr>
+          <p:cNvPr id="2" name="Title 1"/>
+          <p:cNvSpPr>
+            <a:spLocks noGrp="1"/>
+          </p:cNvSpPr>
+          <p:nvPr>
+            <p:ph type="title"/>
+          </p:nvPr>
+        </p:nvSpPr>
+        <p:spPr>
+          <a:xfrm>
+            <a:off x="913806" y="4289372"/>
+            <a:ext cx="10367564" cy="819355"/>
+          </a:xfrm>
+        </p:spPr>
+        <p:txBody>
+          <a:bodyPr anchor="b">
+            <a:normAutofit/>
+          </a:bodyPr>
+          <a:lstStyle>
+            <a:lvl1pPr>
+              <a:defRPr sz="2800"/>
+            </a:lvl1pPr>
+          </a:lstStyle>
+          <a:p>
+            <a:r>
+              <a:rPr lang="en-US"/>
+              <a:t>Click to edit Master title style</a:t>
+            </a:r>
+            <a:endParaRPr lang="en-US" dirty="0"/>
+          </a:p>
+        </p:txBody>
+      </p:sp>
+      <p:sp>
+        <p:nvSpPr>
+          <p:cNvPr id="3" name="Picture Placeholder 2"/>
+          <p:cNvSpPr>
+            <a:spLocks noGrp="1" noChangeAspect="1"/>
+          </p:cNvSpPr>
+          <p:nvPr>
+            <p:ph type="pic" idx="1"/>
+          </p:nvPr>
+        </p:nvSpPr>
+        <p:spPr>
+          <a:xfrm>
+            <a:off x="913806" y="621321"/>
+            <a:ext cx="10367564" cy="3379735"/>
+          </a:xfrm>
+          <a:noFill/>
+          <a:ln w="190500" cap="sq">
+            <a:solidFill>
+              <a:srgbClr val="FFFFFF"/>
+            </a:solidFill>
+            <a:miter lim="800000"/>
+          </a:ln>
+          <a:effectLst>
+            <a:outerShdw blurRad="55000" dist="18000" dir="5400000" algn="tl" rotWithShape="0">
+              <a:srgbClr val="000000">
+                <a:alpha val="40000"/>
+              </a:srgbClr>
+            </a:outerShdw>
+          </a:effectLst>
+          <a:scene3d>
+            <a:camera prst="orthographicFront"/>
+            <a:lightRig rig="twoPt" dir="t">
+              <a:rot lat="0" lon="0" rev="7200000"/>
+            </a:lightRig>
+          </a:scene3d>
+          <a:sp3d>
+            <a:bevelT w="25400" h="19050"/>
+            <a:contourClr>
+              <a:srgbClr val="FFFFFF"/>
+            </a:contourClr>
+          </a:sp3d>
+        </p:spPr>
+        <p:txBody>
+          <a:bodyPr anchor="t"/>
+          <a:lstStyle>
+            <a:lvl1pPr marL="0" indent="0" algn="ctr">
+              <a:buNone/>
+              <a:defRPr sz="3200"/>
+            </a:lvl1pPr>
+            <a:lvl2pPr marL="457200" indent="0">
+              <a:buNone/>
+              <a:defRPr sz="2800"/>
+            </a:lvl2pPr>
+            <a:lvl3pPr marL="914400" indent="0">
+              <a:buNone/>
+              <a:defRPr sz="2400"/>
+            </a:lvl3pPr>
+            <a:lvl4pPr marL="1371600" indent="0">
+              <a:buNone/>
+              <a:defRPr sz="2000"/>
+            </a:lvl4pPr>
+            <a:lvl5pPr marL="1828800" indent="0">
+              <a:buNone/>
+              <a:defRPr sz="2000"/>
+            </a:lvl5pPr>
+            <a:lvl6pPr marL="2286000" indent="0">
+              <a:buNone/>
+              <a:defRPr sz="2000"/>
+            </a:lvl6pPr>
+            <a:lvl7pPr marL="2743200" indent="0">
+              <a:buNone/>
+              <a:defRPr sz="2000"/>
+            </a:lvl7pPr>
+            <a:lvl8pPr marL="3200400" indent="0">
+              <a:buNone/>
+              <a:defRPr sz="2000"/>
+            </a:lvl8pPr>
+            <a:lvl9pPr marL="3657600" indent="0">
+              <a:buNone/>
+              <a:defRPr sz="2000"/>
+            </a:lvl9pPr>
+          </a:lstStyle>
+          <a:p>
+            <a:r>
+              <a:rPr lang="en-US"/>
+              <a:t>Click icon to add picture</a:t>
+            </a:r>
+            <a:endParaRPr lang="en-US" dirty="0"/>
+          </a:p>
+        </p:txBody>
+      </p:sp>
+      <p:sp>
+        <p:nvSpPr>
+          <p:cNvPr id="4" name="Text Placeholder 3"/>
+          <p:cNvSpPr>
+            <a:spLocks noGrp="1"/>
+          </p:cNvSpPr>
+          <p:nvPr>
+            <p:ph type="body" sz="half" idx="2"/>
+          </p:nvPr>
+        </p:nvSpPr>
+        <p:spPr>
+          <a:xfrm>
+            <a:off x="913795" y="5108728"/>
+            <a:ext cx="10365998" cy="682472"/>
+          </a:xfrm>
+        </p:spPr>
+        <p:txBody>
+          <a:bodyPr>
+            <a:normAutofit/>
+          </a:bodyPr>
+          <a:lstStyle>
+            <a:lvl1pPr marL="0" indent="0" algn="ctr">
+              <a:buNone/>
+              <a:defRPr sz="1800"/>
+            </a:lvl1pPr>
+            <a:lvl2pPr marL="457200" indent="0">
+              <a:buNone/>
+              <a:defRPr sz="1400"/>
+            </a:lvl2pPr>
+            <a:lvl3pPr marL="914400" indent="0">
+              <a:buNone/>
+              <a:defRPr sz="1200"/>
+            </a:lvl3pPr>
+            <a:lvl4pPr marL="1371600" indent="0">
+              <a:buNone/>
+              <a:defRPr sz="1000"/>
+            </a:lvl4pPr>
+            <a:lvl5pPr marL="1828800" indent="0">
+              <a:buNone/>
+              <a:defRPr sz="1000"/>
+            </a:lvl5pPr>
+            <a:lvl6pPr marL="2286000" indent="0">
+              <a:buNone/>
+              <a:defRPr sz="1000"/>
+            </a:lvl6pPr>
+            <a:lvl7pPr marL="2743200" indent="0">
+              <a:buNone/>
+              <a:defRPr sz="1000"/>
+            </a:lvl7pPr>
+            <a:lvl8pPr marL="3200400" indent="0">
+              <a:buNone/>
+              <a:defRPr sz="1000"/>
+            </a:lvl8pPr>
+            <a:lvl9pPr marL="3657600" indent="0">
+              <a:buNone/>
+              <a:defRPr sz="1000"/>
+            </a:lvl9pPr>
+          </a:lstStyle>
+          <a:p>
+            <a:pPr lvl="0"/>
+            <a:r>
+              <a:rPr lang="en-US"/>
+              <a:t>Click to edit Master text styles</a:t>
+            </a:r>
+          </a:p>
+        </p:txBody>
+      </p:sp>
+      <p:sp>
+        <p:nvSpPr>
+          <p:cNvPr id="5" name="Date Placeholder 4"/>
+          <p:cNvSpPr>
+            <a:spLocks noGrp="1"/>
+          </p:cNvSpPr>
+          <p:nvPr>
+            <p:ph type="dt" sz="half" idx="10"/>
+          </p:nvPr>
+        </p:nvSpPr>
+        <p:spPr/>
+        <p:txBody>
+          <a:bodyPr/>
+          <a:lstStyle/>
+          <a:p>
+            <a:fld id="{9A0B2DA1-C548-40D1-94BA-5E1CB4266833}" type="datetimeFigureOut">
+              <a:rPr lang="en-US" smtClean="0"/>
+              <a:t>1/24/2021</a:t>
+            </a:fld>
+            <a:endParaRPr lang="en-US"/>
+          </a:p>
+        </p:txBody>
+      </p:sp>
+      <p:sp>
+        <p:nvSpPr>
+          <p:cNvPr id="6" name="Footer Placeholder 5"/>
+          <p:cNvSpPr>
+            <a:spLocks noGrp="1"/>
+          </p:cNvSpPr>
+          <p:nvPr>
+            <p:ph type="ftr" sz="quarter" idx="11"/>
+          </p:nvPr>
+        </p:nvSpPr>
+        <p:spPr/>
+        <p:txBody>
+          <a:bodyPr/>
+          <a:lstStyle/>
+          <a:p>
+            <a:endParaRPr lang="en-US"/>
+          </a:p>
+        </p:txBody>
+      </p:sp>
+      <p:sp>
+        <p:nvSpPr>
+          <p:cNvPr id="7" name="Slide Number Placeholder 6"/>
+          <p:cNvSpPr>
+            <a:spLocks noGrp="1"/>
+          </p:cNvSpPr>
+          <p:nvPr>
+            <p:ph type="sldNum" sz="quarter" idx="12"/>
+          </p:nvPr>
+        </p:nvSpPr>
+        <p:spPr/>
+        <p:txBody>
+          <a:bodyPr/>
+          <a:lstStyle/>
+          <a:p>
+            <a:fld id="{6470B193-B485-4595-942F-8EB178F0A2CF}" type="slidenum">
+              <a:rPr lang="en-US" smtClean="0"/>
+              <a:t>‹#›</a:t>
+            </a:fld>
+            <a:endParaRPr lang="en-US"/>
+          </a:p>
+        </p:txBody>
+      </p:sp>
+    </p:spTree>
+    <p:extLst>
+      <p:ext uri="{BB962C8B-B14F-4D97-AF65-F5344CB8AC3E}">
+        <p14:creationId xmlns:p14="http://schemas.microsoft.com/office/powerpoint/2010/main" val="2448207815"/>
+      </p:ext>
+    </p:extLst>
+  </p:cSld>
+  <p:clrMapOvr>
+    <a:masterClrMapping/>
+  </p:clrMapOvr>
+</p:sldLayout>
+</file>
+
+<file path=ppt/slideLayouts/slideLayout22.xml><?xml version="1.0" encoding="utf-8"?>
+<p:sldLayout xmlns:a="http://schemas.openxmlformats.org/drawingml/2006/main" xmlns:r="http://schemas.openxmlformats.org/officeDocument/2006/relationships" xmlns:p="http://schemas.openxmlformats.org/presentationml/2006/main" preserve="1">
+  <p:cSld name="Title and Caption">
+    <p:spTree>
+      <p:nvGrpSpPr>
+        <p:cNvPr id="1" name=""/>
+        <p:cNvGrpSpPr/>
+        <p:nvPr/>
+      </p:nvGrpSpPr>
+      <p:grpSpPr>
+        <a:xfrm>
+          <a:off x="0" y="0"/>
+          <a:ext cx="0" cy="0"/>
+          <a:chOff x="0" y="0"/>
+          <a:chExt cx="0" cy="0"/>
+        </a:xfrm>
+      </p:grpSpPr>
+      <p:sp>
+        <p:nvSpPr>
+          <p:cNvPr id="2" name="Title 1"/>
+          <p:cNvSpPr>
+            <a:spLocks noGrp="1"/>
+          </p:cNvSpPr>
+          <p:nvPr>
+            <p:ph type="title"/>
+          </p:nvPr>
+        </p:nvSpPr>
+        <p:spPr>
+          <a:xfrm>
+            <a:off x="913795" y="609600"/>
+            <a:ext cx="10353762" cy="3424859"/>
+          </a:xfrm>
+        </p:spPr>
+        <p:txBody>
+          <a:bodyPr anchor="ctr"/>
+          <a:lstStyle>
+            <a:lvl1pPr>
+              <a:defRPr sz="3200"/>
+            </a:lvl1pPr>
+          </a:lstStyle>
+          <a:p>
+            <a:r>
+              <a:rPr lang="en-US"/>
+              <a:t>Click to edit Master title style</a:t>
+            </a:r>
+            <a:endParaRPr lang="en-US" dirty="0"/>
+          </a:p>
+        </p:txBody>
+      </p:sp>
+      <p:sp>
+        <p:nvSpPr>
+          <p:cNvPr id="4" name="Text Placeholder 3"/>
+          <p:cNvSpPr>
+            <a:spLocks noGrp="1"/>
+          </p:cNvSpPr>
+          <p:nvPr>
+            <p:ph type="body" sz="half" idx="2"/>
+          </p:nvPr>
+        </p:nvSpPr>
+        <p:spPr>
+          <a:xfrm>
+            <a:off x="913795" y="4204820"/>
+            <a:ext cx="10353761" cy="1592186"/>
+          </a:xfrm>
+        </p:spPr>
+        <p:txBody>
+          <a:bodyPr anchor="ctr"/>
+          <a:lstStyle>
+            <a:lvl1pPr marL="0" indent="0" algn="ctr">
+              <a:buNone/>
+              <a:defRPr sz="1600"/>
+            </a:lvl1pPr>
+            <a:lvl2pPr marL="457200" indent="0">
+              <a:buNone/>
+              <a:defRPr sz="1400"/>
+            </a:lvl2pPr>
+            <a:lvl3pPr marL="914400" indent="0">
+              <a:buNone/>
+              <a:defRPr sz="1200"/>
+            </a:lvl3pPr>
+            <a:lvl4pPr marL="1371600" indent="0">
+              <a:buNone/>
+              <a:defRPr sz="1000"/>
+            </a:lvl4pPr>
+            <a:lvl5pPr marL="1828800" indent="0">
+              <a:buNone/>
+              <a:defRPr sz="1000"/>
+            </a:lvl5pPr>
+            <a:lvl6pPr marL="2286000" indent="0">
+              <a:buNone/>
+              <a:defRPr sz="1000"/>
+            </a:lvl6pPr>
+            <a:lvl7pPr marL="2743200" indent="0">
+              <a:buNone/>
+              <a:defRPr sz="1000"/>
+            </a:lvl7pPr>
+            <a:lvl8pPr marL="3200400" indent="0">
+              <a:buNone/>
+              <a:defRPr sz="1000"/>
+            </a:lvl8pPr>
+            <a:lvl9pPr marL="3657600" indent="0">
+              <a:buNone/>
+              <a:defRPr sz="1000"/>
+            </a:lvl9pPr>
+          </a:lstStyle>
+          <a:p>
+            <a:pPr lvl="0"/>
+            <a:r>
+              <a:rPr lang="en-US"/>
+              <a:t>Click to edit Master text styles</a:t>
+            </a:r>
+          </a:p>
+        </p:txBody>
+      </p:sp>
+      <p:sp>
+        <p:nvSpPr>
+          <p:cNvPr id="5" name="Date Placeholder 4"/>
+          <p:cNvSpPr>
+            <a:spLocks noGrp="1"/>
+          </p:cNvSpPr>
+          <p:nvPr>
+            <p:ph type="dt" sz="half" idx="10"/>
+          </p:nvPr>
+        </p:nvSpPr>
+        <p:spPr/>
+        <p:txBody>
+          <a:bodyPr/>
+          <a:lstStyle/>
+          <a:p>
+            <a:fld id="{9A0B2DA1-C548-40D1-94BA-5E1CB4266833}" type="datetimeFigureOut">
+              <a:rPr lang="en-US" smtClean="0"/>
+              <a:t>1/24/2021</a:t>
+            </a:fld>
+            <a:endParaRPr lang="en-US"/>
+          </a:p>
+        </p:txBody>
+      </p:sp>
+      <p:sp>
+        <p:nvSpPr>
+          <p:cNvPr id="6" name="Footer Placeholder 5"/>
+          <p:cNvSpPr>
+            <a:spLocks noGrp="1"/>
+          </p:cNvSpPr>
+          <p:nvPr>
+            <p:ph type="ftr" sz="quarter" idx="11"/>
+          </p:nvPr>
+        </p:nvSpPr>
+        <p:spPr/>
+        <p:txBody>
+          <a:bodyPr/>
+          <a:lstStyle/>
+          <a:p>
+            <a:endParaRPr lang="en-US"/>
+          </a:p>
+        </p:txBody>
+      </p:sp>
+      <p:sp>
+        <p:nvSpPr>
+          <p:cNvPr id="7" name="Slide Number Placeholder 6"/>
+          <p:cNvSpPr>
+            <a:spLocks noGrp="1"/>
+          </p:cNvSpPr>
+          <p:nvPr>
+            <p:ph type="sldNum" sz="quarter" idx="12"/>
+          </p:nvPr>
+        </p:nvSpPr>
+        <p:spPr/>
+        <p:txBody>
+          <a:bodyPr/>
+          <a:lstStyle/>
+          <a:p>
+            <a:fld id="{6470B193-B485-4595-942F-8EB178F0A2CF}" type="slidenum">
+              <a:rPr lang="en-US" smtClean="0"/>
+              <a:t>‹#›</a:t>
+            </a:fld>
+            <a:endParaRPr lang="en-US"/>
+          </a:p>
+        </p:txBody>
+      </p:sp>
+    </p:spTree>
+    <p:extLst>
+      <p:ext uri="{BB962C8B-B14F-4D97-AF65-F5344CB8AC3E}">
+        <p14:creationId xmlns:p14="http://schemas.microsoft.com/office/powerpoint/2010/main" val="766202553"/>
+      </p:ext>
+    </p:extLst>
+  </p:cSld>
+  <p:clrMapOvr>
+    <a:masterClrMapping/>
+  </p:clrMapOvr>
+</p:sldLayout>
+</file>
+
+<file path=ppt/slideLayouts/slideLayout23.xml><?xml version="1.0" encoding="utf-8"?>
+<p:sldLayout xmlns:a="http://schemas.openxmlformats.org/drawingml/2006/main" xmlns:r="http://schemas.openxmlformats.org/officeDocument/2006/relationships" xmlns:p="http://schemas.openxmlformats.org/presentationml/2006/main" preserve="1">
+  <p:cSld name="Quote with Caption">
+    <p:spTree>
+      <p:nvGrpSpPr>
+        <p:cNvPr id="1" name=""/>
+        <p:cNvGrpSpPr/>
+        <p:nvPr/>
+      </p:nvGrpSpPr>
+      <p:grpSpPr>
+        <a:xfrm>
+          <a:off x="0" y="0"/>
+          <a:ext cx="0" cy="0"/>
+          <a:chOff x="0" y="0"/>
+          <a:chExt cx="0" cy="0"/>
+        </a:xfrm>
+      </p:grpSpPr>
+      <p:sp>
+        <p:nvSpPr>
+          <p:cNvPr id="2" name="Title 1"/>
+          <p:cNvSpPr>
+            <a:spLocks noGrp="1"/>
+          </p:cNvSpPr>
+          <p:nvPr>
+            <p:ph type="title"/>
+          </p:nvPr>
+        </p:nvSpPr>
+        <p:spPr>
+          <a:xfrm>
+            <a:off x="1446212" y="609600"/>
+            <a:ext cx="9302752" cy="2992904"/>
+          </a:xfrm>
+        </p:spPr>
+        <p:txBody>
+          <a:bodyPr anchor="ctr"/>
+          <a:lstStyle>
+            <a:lvl1pPr>
+              <a:defRPr sz="3200"/>
+            </a:lvl1pPr>
+          </a:lstStyle>
+          <a:p>
+            <a:r>
+              <a:rPr lang="en-US"/>
+              <a:t>Click to edit Master title style</a:t>
+            </a:r>
+            <a:endParaRPr lang="en-US" dirty="0"/>
+          </a:p>
+        </p:txBody>
+      </p:sp>
+      <p:sp>
+        <p:nvSpPr>
+          <p:cNvPr id="12" name="Text Placeholder 3"/>
+          <p:cNvSpPr>
+            <a:spLocks noGrp="1"/>
+          </p:cNvSpPr>
+          <p:nvPr>
+            <p:ph type="body" sz="half" idx="13"/>
+          </p:nvPr>
+        </p:nvSpPr>
+        <p:spPr>
+          <a:xfrm>
+            <a:off x="1720644" y="3610032"/>
+            <a:ext cx="8752299" cy="426812"/>
+          </a:xfrm>
+        </p:spPr>
+        <p:txBody>
+          <a:bodyPr anchor="t">
+            <a:normAutofit/>
+          </a:bodyPr>
+          <a:lstStyle>
+            <a:lvl1pPr marL="0" indent="0" algn="r">
+              <a:buNone/>
+              <a:defRPr sz="1400"/>
+            </a:lvl1pPr>
+            <a:lvl2pPr marL="457200" indent="0">
+              <a:buNone/>
+              <a:defRPr sz="1400"/>
+            </a:lvl2pPr>
+            <a:lvl3pPr marL="914400" indent="0">
+              <a:buNone/>
+              <a:defRPr sz="1200"/>
+            </a:lvl3pPr>
+            <a:lvl4pPr marL="1371600" indent="0">
+              <a:buNone/>
+              <a:defRPr sz="1000"/>
+            </a:lvl4pPr>
+            <a:lvl5pPr marL="1828800" indent="0">
+              <a:buNone/>
+              <a:defRPr sz="1000"/>
+            </a:lvl5pPr>
+            <a:lvl6pPr marL="2286000" indent="0">
+              <a:buNone/>
+              <a:defRPr sz="1000"/>
+            </a:lvl6pPr>
+            <a:lvl7pPr marL="2743200" indent="0">
+              <a:buNone/>
+              <a:defRPr sz="1000"/>
+            </a:lvl7pPr>
+            <a:lvl8pPr marL="3200400" indent="0">
+              <a:buNone/>
+              <a:defRPr sz="1000"/>
+            </a:lvl8pPr>
+            <a:lvl9pPr marL="3657600" indent="0">
+              <a:buNone/>
+              <a:defRPr sz="1000"/>
+            </a:lvl9pPr>
+          </a:lstStyle>
+          <a:p>
+            <a:pPr lvl="0"/>
+            <a:r>
+              <a:rPr lang="en-US"/>
+              <a:t>Click to edit Master text styles</a:t>
+            </a:r>
+          </a:p>
+        </p:txBody>
+      </p:sp>
+      <p:sp>
+        <p:nvSpPr>
+          <p:cNvPr id="4" name="Text Placeholder 3"/>
+          <p:cNvSpPr>
+            <a:spLocks noGrp="1"/>
+          </p:cNvSpPr>
+          <p:nvPr>
+            <p:ph type="body" sz="half" idx="2"/>
+          </p:nvPr>
+        </p:nvSpPr>
+        <p:spPr>
+          <a:xfrm>
+            <a:off x="913794" y="4204821"/>
+            <a:ext cx="10353762" cy="1586380"/>
+          </a:xfrm>
+        </p:spPr>
+        <p:txBody>
+          <a:bodyPr anchor="ctr">
+            <a:normAutofit/>
+          </a:bodyPr>
+          <a:lstStyle>
+            <a:lvl1pPr marL="0" indent="0" algn="ctr">
+              <a:buNone/>
+              <a:defRPr sz="1600"/>
+            </a:lvl1pPr>
+            <a:lvl2pPr marL="457200" indent="0">
+              <a:buNone/>
+              <a:defRPr sz="1400"/>
+            </a:lvl2pPr>
+            <a:lvl3pPr marL="914400" indent="0">
+              <a:buNone/>
+              <a:defRPr sz="1200"/>
+            </a:lvl3pPr>
+            <a:lvl4pPr marL="1371600" indent="0">
+              <a:buNone/>
+              <a:defRPr sz="1000"/>
+            </a:lvl4pPr>
+            <a:lvl5pPr marL="1828800" indent="0">
+              <a:buNone/>
+              <a:defRPr sz="1000"/>
+            </a:lvl5pPr>
+            <a:lvl6pPr marL="2286000" indent="0">
+              <a:buNone/>
+              <a:defRPr sz="1000"/>
+            </a:lvl6pPr>
+            <a:lvl7pPr marL="2743200" indent="0">
+              <a:buNone/>
+              <a:defRPr sz="1000"/>
+            </a:lvl7pPr>
+            <a:lvl8pPr marL="3200400" indent="0">
+              <a:buNone/>
+              <a:defRPr sz="1000"/>
+            </a:lvl8pPr>
+            <a:lvl9pPr marL="3657600" indent="0">
+              <a:buNone/>
+              <a:defRPr sz="1000"/>
+            </a:lvl9pPr>
+          </a:lstStyle>
+          <a:p>
+            <a:pPr lvl="0"/>
+            <a:r>
+              <a:rPr lang="en-US"/>
+              <a:t>Click to edit Master text styles</a:t>
+            </a:r>
+          </a:p>
+        </p:txBody>
+      </p:sp>
+      <p:sp>
+        <p:nvSpPr>
+          <p:cNvPr id="5" name="Date Placeholder 4"/>
+          <p:cNvSpPr>
+            <a:spLocks noGrp="1"/>
+          </p:cNvSpPr>
+          <p:nvPr>
+            <p:ph type="dt" sz="half" idx="10"/>
+          </p:nvPr>
+        </p:nvSpPr>
+        <p:spPr/>
+        <p:txBody>
+          <a:bodyPr/>
+          <a:lstStyle/>
+          <a:p>
+            <a:fld id="{9A0B2DA1-C548-40D1-94BA-5E1CB4266833}" type="datetimeFigureOut">
+              <a:rPr lang="en-US" smtClean="0"/>
+              <a:t>1/24/2021</a:t>
+            </a:fld>
+            <a:endParaRPr lang="en-US"/>
+          </a:p>
+        </p:txBody>
+      </p:sp>
+      <p:sp>
+        <p:nvSpPr>
+          <p:cNvPr id="6" name="Footer Placeholder 5"/>
+          <p:cNvSpPr>
+            <a:spLocks noGrp="1"/>
+          </p:cNvSpPr>
+          <p:nvPr>
+            <p:ph type="ftr" sz="quarter" idx="11"/>
+          </p:nvPr>
+        </p:nvSpPr>
+        <p:spPr/>
+        <p:txBody>
+          <a:bodyPr/>
+          <a:lstStyle/>
+          <a:p>
+            <a:endParaRPr lang="en-US"/>
+          </a:p>
+        </p:txBody>
+      </p:sp>
+      <p:sp>
+        <p:nvSpPr>
+          <p:cNvPr id="7" name="Slide Number Placeholder 6"/>
+          <p:cNvSpPr>
+            <a:spLocks noGrp="1"/>
+          </p:cNvSpPr>
+          <p:nvPr>
+            <p:ph type="sldNum" sz="quarter" idx="12"/>
+          </p:nvPr>
+        </p:nvSpPr>
+        <p:spPr/>
+        <p:txBody>
+          <a:bodyPr/>
+          <a:lstStyle/>
+          <a:p>
+            <a:fld id="{6470B193-B485-4595-942F-8EB178F0A2CF}" type="slidenum">
+              <a:rPr lang="en-US" smtClean="0"/>
+              <a:t>‹#›</a:t>
+            </a:fld>
+            <a:endParaRPr lang="en-US"/>
+          </a:p>
+        </p:txBody>
+      </p:sp>
+      <p:sp>
+        <p:nvSpPr>
+          <p:cNvPr id="11" name="TextBox 10"/>
+          <p:cNvSpPr txBox="1"/>
+          <p:nvPr/>
+        </p:nvSpPr>
+        <p:spPr>
+          <a:xfrm>
+            <a:off x="836612" y="735241"/>
+            <a:ext cx="609600" cy="584776"/>
+          </a:xfrm>
+          <a:prstGeom prst="rect">
+            <a:avLst/>
+          </a:prstGeom>
+        </p:spPr>
+        <p:txBody>
+          <a:bodyPr vert="horz" lIns="91440" tIns="45720" rIns="91440" bIns="45720" rtlCol="0" anchor="ctr">
+            <a:noAutofit/>
+          </a:bodyPr>
+          <a:lstStyle>
+            <a:lvl1pPr>
+              <a:spcBef>
+                <a:spcPct val="0"/>
+              </a:spcBef>
+              <a:buNone/>
+              <a:defRPr sz="3200" b="0" cap="all">
+                <a:ln w="3175" cmpd="sng">
+                  <a:noFill/>
+                </a:ln>
+                <a:effectLst>
+                  <a:glow rad="38100">
+                    <a:schemeClr val="bg1">
+                      <a:lumMod val="65000"/>
+                      <a:lumOff val="35000"/>
+                      <a:alpha val="40000"/>
+                    </a:schemeClr>
+                  </a:glow>
+                  <a:outerShdw blurRad="28575" dist="38100" dir="14040000" algn="tl" rotWithShape="0">
+                    <a:srgbClr val="000000">
+                      <a:alpha val="25000"/>
+                    </a:srgbClr>
+                  </a:outerShdw>
+                </a:effectLst>
+              </a:defRPr>
+            </a:lvl1pPr>
+            <a:lvl2pPr>
+              <a:defRPr>
+                <a:solidFill>
+                  <a:schemeClr val="tx2"/>
+                </a:solidFill>
+              </a:defRPr>
+            </a:lvl2pPr>
+            <a:lvl3pPr>
+              <a:defRPr>
+                <a:solidFill>
+                  <a:schemeClr val="tx2"/>
+                </a:solidFill>
+              </a:defRPr>
+            </a:lvl3pPr>
+            <a:lvl4pPr>
+              <a:defRPr>
+                <a:solidFill>
+                  <a:schemeClr val="tx2"/>
+                </a:solidFill>
+              </a:defRPr>
+            </a:lvl4pPr>
+            <a:lvl5pPr>
+              <a:defRPr>
+                <a:solidFill>
+                  <a:schemeClr val="tx2"/>
+                </a:solidFill>
+              </a:defRPr>
+            </a:lvl5pPr>
+            <a:lvl6pPr>
+              <a:defRPr>
+                <a:solidFill>
+                  <a:schemeClr val="tx2"/>
+                </a:solidFill>
+              </a:defRPr>
+            </a:lvl6pPr>
+            <a:lvl7pPr>
+              <a:defRPr>
+                <a:solidFill>
+                  <a:schemeClr val="tx2"/>
+                </a:solidFill>
+              </a:defRPr>
+            </a:lvl7pPr>
+            <a:lvl8pPr>
+              <a:defRPr>
+                <a:solidFill>
+                  <a:schemeClr val="tx2"/>
+                </a:solidFill>
+              </a:defRPr>
+            </a:lvl8pPr>
+            <a:lvl9pPr>
+              <a:defRPr>
+                <a:solidFill>
+                  <a:schemeClr val="tx2"/>
+                </a:solidFill>
+              </a:defRPr>
+            </a:lvl9pPr>
+          </a:lstStyle>
+          <a:p>
+            <a:pPr lvl="0"/>
+            <a:r>
+              <a:rPr lang="en-US" sz="8000" dirty="0">
+                <a:solidFill>
+                  <a:schemeClr val="tx1"/>
+                </a:solidFill>
+                <a:effectLst/>
+              </a:rPr>
+              <a:t>“</a:t>
+            </a:r>
+          </a:p>
+        </p:txBody>
+      </p:sp>
+      <p:sp>
+        <p:nvSpPr>
+          <p:cNvPr id="13" name="TextBox 12"/>
+          <p:cNvSpPr txBox="1"/>
+          <p:nvPr/>
+        </p:nvSpPr>
+        <p:spPr>
+          <a:xfrm>
+            <a:off x="10657956" y="2972093"/>
+            <a:ext cx="609600" cy="584776"/>
+          </a:xfrm>
+          <a:prstGeom prst="rect">
+            <a:avLst/>
+          </a:prstGeom>
+        </p:spPr>
+        <p:txBody>
+          <a:bodyPr vert="horz" lIns="91440" tIns="45720" rIns="91440" bIns="45720" rtlCol="0" anchor="ctr">
+            <a:noAutofit/>
+          </a:bodyPr>
+          <a:lstStyle>
+            <a:lvl1pPr>
+              <a:spcBef>
+                <a:spcPct val="0"/>
+              </a:spcBef>
+              <a:buNone/>
+              <a:defRPr sz="3200" b="0" cap="all">
+                <a:ln w="3175" cmpd="sng">
+                  <a:noFill/>
+                </a:ln>
+                <a:effectLst>
+                  <a:glow rad="38100">
+                    <a:schemeClr val="bg1">
+                      <a:lumMod val="65000"/>
+                      <a:lumOff val="35000"/>
+                      <a:alpha val="40000"/>
+                    </a:schemeClr>
+                  </a:glow>
+                  <a:outerShdw blurRad="28575" dist="38100" dir="14040000" algn="tl" rotWithShape="0">
+                    <a:srgbClr val="000000">
+                      <a:alpha val="25000"/>
+                    </a:srgbClr>
+                  </a:outerShdw>
+                </a:effectLst>
+              </a:defRPr>
+            </a:lvl1pPr>
+            <a:lvl2pPr>
+              <a:defRPr>
+                <a:solidFill>
+                  <a:schemeClr val="tx2"/>
+                </a:solidFill>
+              </a:defRPr>
+            </a:lvl2pPr>
+            <a:lvl3pPr>
+              <a:defRPr>
+                <a:solidFill>
+                  <a:schemeClr val="tx2"/>
+                </a:solidFill>
+              </a:defRPr>
+            </a:lvl3pPr>
+            <a:lvl4pPr>
+              <a:defRPr>
+                <a:solidFill>
+                  <a:schemeClr val="tx2"/>
+                </a:solidFill>
+              </a:defRPr>
+            </a:lvl4pPr>
+            <a:lvl5pPr>
+              <a:defRPr>
+                <a:solidFill>
+                  <a:schemeClr val="tx2"/>
+                </a:solidFill>
+              </a:defRPr>
+            </a:lvl5pPr>
+            <a:lvl6pPr>
+              <a:defRPr>
+                <a:solidFill>
+                  <a:schemeClr val="tx2"/>
+                </a:solidFill>
+              </a:defRPr>
+            </a:lvl6pPr>
+            <a:lvl7pPr>
+              <a:defRPr>
+                <a:solidFill>
+                  <a:schemeClr val="tx2"/>
+                </a:solidFill>
+              </a:defRPr>
+            </a:lvl7pPr>
+            <a:lvl8pPr>
+              <a:defRPr>
+                <a:solidFill>
+                  <a:schemeClr val="tx2"/>
+                </a:solidFill>
+              </a:defRPr>
+            </a:lvl8pPr>
+            <a:lvl9pPr>
+              <a:defRPr>
+                <a:solidFill>
+                  <a:schemeClr val="tx2"/>
+                </a:solidFill>
+              </a:defRPr>
+            </a:lvl9pPr>
+          </a:lstStyle>
+          <a:p>
+            <a:pPr lvl="0" algn="r"/>
+            <a:r>
+              <a:rPr lang="en-US" sz="8000" dirty="0">
+                <a:solidFill>
+                  <a:schemeClr val="tx1"/>
+                </a:solidFill>
+                <a:effectLst/>
+              </a:rPr>
+              <a:t>”</a:t>
+            </a:r>
+          </a:p>
+        </p:txBody>
+      </p:sp>
+    </p:spTree>
+    <p:extLst>
+      <p:ext uri="{BB962C8B-B14F-4D97-AF65-F5344CB8AC3E}">
+        <p14:creationId xmlns:p14="http://schemas.microsoft.com/office/powerpoint/2010/main" val="1884726483"/>
+      </p:ext>
+    </p:extLst>
+  </p:cSld>
+  <p:clrMapOvr>
+    <a:masterClrMapping/>
+  </p:clrMapOvr>
+</p:sldLayout>
+</file>
+
+<file path=ppt/slideLayouts/slideLayout24.xml><?xml version="1.0" encoding="utf-8"?>
+<p:sldLayout xmlns:a="http://schemas.openxmlformats.org/drawingml/2006/main" xmlns:r="http://schemas.openxmlformats.org/officeDocument/2006/relationships" xmlns:p="http://schemas.openxmlformats.org/presentationml/2006/main" preserve="1">
+  <p:cSld name="Name Card">
+    <p:spTree>
+      <p:nvGrpSpPr>
+        <p:cNvPr id="1" name=""/>
+        <p:cNvGrpSpPr/>
+        <p:nvPr/>
+      </p:nvGrpSpPr>
+      <p:grpSpPr>
+        <a:xfrm>
+          <a:off x="0" y="0"/>
+          <a:ext cx="0" cy="0"/>
+          <a:chOff x="0" y="0"/>
+          <a:chExt cx="0" cy="0"/>
+        </a:xfrm>
+      </p:grpSpPr>
+      <p:sp>
+        <p:nvSpPr>
+          <p:cNvPr id="2" name="Title 1"/>
+          <p:cNvSpPr>
+            <a:spLocks noGrp="1"/>
+          </p:cNvSpPr>
+          <p:nvPr>
+            <p:ph type="title"/>
+          </p:nvPr>
+        </p:nvSpPr>
+        <p:spPr>
+          <a:xfrm>
+            <a:off x="913806" y="2126942"/>
+            <a:ext cx="10355327" cy="2511835"/>
+          </a:xfrm>
+        </p:spPr>
+        <p:txBody>
+          <a:bodyPr anchor="b"/>
+          <a:lstStyle>
+            <a:lvl1pPr>
+              <a:defRPr sz="3200"/>
+            </a:lvl1pPr>
+          </a:lstStyle>
+          <a:p>
+            <a:r>
+              <a:rPr lang="en-US"/>
+              <a:t>Click to edit Master title style</a:t>
+            </a:r>
+            <a:endParaRPr lang="en-US" dirty="0"/>
+          </a:p>
+        </p:txBody>
+      </p:sp>
+      <p:sp>
+        <p:nvSpPr>
+          <p:cNvPr id="4" name="Text Placeholder 3"/>
+          <p:cNvSpPr>
+            <a:spLocks noGrp="1"/>
+          </p:cNvSpPr>
+          <p:nvPr>
+            <p:ph type="body" sz="half" idx="2"/>
+          </p:nvPr>
+        </p:nvSpPr>
+        <p:spPr>
+          <a:xfrm>
+            <a:off x="913794" y="4650556"/>
+            <a:ext cx="10353763" cy="1140644"/>
+          </a:xfrm>
+        </p:spPr>
+        <p:txBody>
+          <a:bodyPr anchor="t"/>
+          <a:lstStyle>
+            <a:lvl1pPr marL="0" indent="0" algn="ctr">
+              <a:buNone/>
+              <a:defRPr sz="1600"/>
+            </a:lvl1pPr>
+            <a:lvl2pPr marL="457200" indent="0">
+              <a:buNone/>
+              <a:defRPr sz="1400"/>
+            </a:lvl2pPr>
+            <a:lvl3pPr marL="914400" indent="0">
+              <a:buNone/>
+              <a:defRPr sz="1200"/>
+            </a:lvl3pPr>
+            <a:lvl4pPr marL="1371600" indent="0">
+              <a:buNone/>
+              <a:defRPr sz="1000"/>
+            </a:lvl4pPr>
+            <a:lvl5pPr marL="1828800" indent="0">
+              <a:buNone/>
+              <a:defRPr sz="1000"/>
+            </a:lvl5pPr>
+            <a:lvl6pPr marL="2286000" indent="0">
+              <a:buNone/>
+              <a:defRPr sz="1000"/>
+            </a:lvl6pPr>
+            <a:lvl7pPr marL="2743200" indent="0">
+              <a:buNone/>
+              <a:defRPr sz="1000"/>
+            </a:lvl7pPr>
+            <a:lvl8pPr marL="3200400" indent="0">
+              <a:buNone/>
+              <a:defRPr sz="1000"/>
+            </a:lvl8pPr>
+            <a:lvl9pPr marL="3657600" indent="0">
+              <a:buNone/>
+              <a:defRPr sz="1000"/>
+            </a:lvl9pPr>
+          </a:lstStyle>
+          <a:p>
+            <a:pPr lvl="0"/>
+            <a:r>
+              <a:rPr lang="en-US"/>
+              <a:t>Click to edit Master text styles</a:t>
+            </a:r>
+          </a:p>
+        </p:txBody>
+      </p:sp>
+      <p:sp>
+        <p:nvSpPr>
+          <p:cNvPr id="5" name="Date Placeholder 4"/>
+          <p:cNvSpPr>
+            <a:spLocks noGrp="1"/>
+          </p:cNvSpPr>
+          <p:nvPr>
+            <p:ph type="dt" sz="half" idx="10"/>
+          </p:nvPr>
+        </p:nvSpPr>
+        <p:spPr/>
+        <p:txBody>
+          <a:bodyPr/>
+          <a:lstStyle/>
+          <a:p>
+            <a:fld id="{9A0B2DA1-C548-40D1-94BA-5E1CB4266833}" type="datetimeFigureOut">
+              <a:rPr lang="en-US" smtClean="0"/>
+              <a:t>1/24/2021</a:t>
+            </a:fld>
+            <a:endParaRPr lang="en-US"/>
+          </a:p>
+        </p:txBody>
+      </p:sp>
+      <p:sp>
+        <p:nvSpPr>
+          <p:cNvPr id="6" name="Footer Placeholder 5"/>
+          <p:cNvSpPr>
+            <a:spLocks noGrp="1"/>
+          </p:cNvSpPr>
+          <p:nvPr>
+            <p:ph type="ftr" sz="quarter" idx="11"/>
+          </p:nvPr>
+        </p:nvSpPr>
+        <p:spPr/>
+        <p:txBody>
+          <a:bodyPr/>
+          <a:lstStyle/>
+          <a:p>
+            <a:endParaRPr lang="en-US"/>
+          </a:p>
+        </p:txBody>
+      </p:sp>
+      <p:sp>
+        <p:nvSpPr>
+          <p:cNvPr id="7" name="Slide Number Placeholder 6"/>
+          <p:cNvSpPr>
+            <a:spLocks noGrp="1"/>
+          </p:cNvSpPr>
+          <p:nvPr>
+            <p:ph type="sldNum" sz="quarter" idx="12"/>
+          </p:nvPr>
+        </p:nvSpPr>
+        <p:spPr/>
+        <p:txBody>
+          <a:bodyPr/>
+          <a:lstStyle/>
+          <a:p>
+            <a:fld id="{6470B193-B485-4595-942F-8EB178F0A2CF}" type="slidenum">
+              <a:rPr lang="en-US" smtClean="0"/>
+              <a:t>‹#›</a:t>
+            </a:fld>
+            <a:endParaRPr lang="en-US"/>
+          </a:p>
+        </p:txBody>
+      </p:sp>
+    </p:spTree>
+    <p:extLst>
+      <p:ext uri="{BB962C8B-B14F-4D97-AF65-F5344CB8AC3E}">
+        <p14:creationId xmlns:p14="http://schemas.microsoft.com/office/powerpoint/2010/main" val="193824429"/>
+      </p:ext>
+    </p:extLst>
+  </p:cSld>
+  <p:clrMapOvr>
+    <a:masterClrMapping/>
+  </p:clrMapOvr>
+</p:sldLayout>
+</file>
+
+<file path=ppt/slideLayouts/slideLayout25.xml><?xml version="1.0" encoding="utf-8"?>
+<p:sldLayout xmlns:a="http://schemas.openxmlformats.org/drawingml/2006/main" xmlns:r="http://schemas.openxmlformats.org/officeDocument/2006/relationships" xmlns:p="http://schemas.openxmlformats.org/presentationml/2006/main" preserve="1">
+  <p:cSld name="3 Column">
+    <p:spTree>
+      <p:nvGrpSpPr>
+        <p:cNvPr id="1" name=""/>
+        <p:cNvGrpSpPr/>
+        <p:nvPr/>
+      </p:nvGrpSpPr>
+      <p:grpSpPr>
+        <a:xfrm>
+          <a:off x="0" y="0"/>
+          <a:ext cx="0" cy="0"/>
+          <a:chOff x="0" y="0"/>
+          <a:chExt cx="0" cy="0"/>
+        </a:xfrm>
+      </p:grpSpPr>
+      <p:sp>
+        <p:nvSpPr>
+          <p:cNvPr id="15" name="Title 1"/>
+          <p:cNvSpPr>
+            <a:spLocks noGrp="1"/>
+          </p:cNvSpPr>
+          <p:nvPr>
+            <p:ph type="title"/>
+          </p:nvPr>
+        </p:nvSpPr>
+        <p:spPr>
+          <a:xfrm>
+            <a:off x="913794" y="609600"/>
+            <a:ext cx="10353762" cy="1325563"/>
+          </a:xfrm>
+        </p:spPr>
+        <p:txBody>
+          <a:bodyPr/>
+          <a:lstStyle/>
+          <a:p>
+            <a:r>
+              <a:rPr lang="en-US"/>
+              <a:t>Click to edit Master title style</a:t>
+            </a:r>
+            <a:endParaRPr lang="en-US" dirty="0"/>
+          </a:p>
+        </p:txBody>
+      </p:sp>
+      <p:sp>
+        <p:nvSpPr>
+          <p:cNvPr id="7" name="Text Placeholder 2"/>
+          <p:cNvSpPr>
+            <a:spLocks noGrp="1"/>
+          </p:cNvSpPr>
+          <p:nvPr>
+            <p:ph type="body" idx="1"/>
+          </p:nvPr>
+        </p:nvSpPr>
+        <p:spPr>
+          <a:xfrm>
+            <a:off x="913794" y="2088319"/>
+            <a:ext cx="3298956" cy="823305"/>
+          </a:xfrm>
+        </p:spPr>
+        <p:txBody>
+          <a:bodyPr anchor="b">
+            <a:noAutofit/>
+          </a:bodyPr>
+          <a:lstStyle>
+            <a:lvl1pPr marL="0" indent="0" algn="ctr">
+              <a:lnSpc>
+                <a:spcPct val="100000"/>
+              </a:lnSpc>
+              <a:buNone/>
+              <a:defRPr sz="2400" b="0">
+                <a:solidFill>
+                  <a:schemeClr val="tx1"/>
+                </a:solidFill>
+              </a:defRPr>
+            </a:lvl1pPr>
+            <a:lvl2pPr marL="457200" indent="0">
+              <a:buNone/>
+              <a:defRPr sz="2000" b="1"/>
+            </a:lvl2pPr>
+            <a:lvl3pPr marL="914400" indent="0">
+              <a:buNone/>
+              <a:defRPr sz="1800" b="1"/>
+            </a:lvl3pPr>
+            <a:lvl4pPr marL="1371600" indent="0">
+              <a:buNone/>
+              <a:defRPr sz="1600" b="1"/>
+            </a:lvl4pPr>
+            <a:lvl5pPr marL="1828800" indent="0">
+              <a:buNone/>
+              <a:defRPr sz="1600" b="1"/>
+            </a:lvl5pPr>
+            <a:lvl6pPr marL="2286000" indent="0">
+              <a:buNone/>
+              <a:defRPr sz="1600" b="1"/>
+            </a:lvl6pPr>
+            <a:lvl7pPr marL="2743200" indent="0">
+              <a:buNone/>
+              <a:defRPr sz="1600" b="1"/>
+            </a:lvl7pPr>
+            <a:lvl8pPr marL="3200400" indent="0">
+              <a:buNone/>
+              <a:defRPr sz="1600" b="1"/>
+            </a:lvl8pPr>
+            <a:lvl9pPr marL="3657600" indent="0">
+              <a:buNone/>
+              <a:defRPr sz="1600" b="1"/>
+            </a:lvl9pPr>
+          </a:lstStyle>
+          <a:p>
+            <a:pPr lvl="0"/>
+            <a:r>
+              <a:rPr lang="en-US"/>
+              <a:t>Click to edit Master text styles</a:t>
+            </a:r>
+          </a:p>
+        </p:txBody>
+      </p:sp>
+      <p:sp>
+        <p:nvSpPr>
+          <p:cNvPr id="8" name="Text Placeholder 3"/>
+          <p:cNvSpPr>
+            <a:spLocks noGrp="1"/>
+          </p:cNvSpPr>
+          <p:nvPr>
+            <p:ph type="body" sz="half" idx="15"/>
+          </p:nvPr>
+        </p:nvSpPr>
+        <p:spPr>
+          <a:xfrm>
+            <a:off x="913794" y="2911624"/>
+            <a:ext cx="3298956" cy="2879576"/>
+          </a:xfrm>
+        </p:spPr>
+        <p:txBody>
+          <a:bodyPr anchor="t">
+            <a:normAutofit/>
+          </a:bodyPr>
+          <a:lstStyle>
+            <a:lvl1pPr marL="0" indent="0" algn="ctr">
+              <a:buNone/>
+              <a:defRPr sz="1400"/>
+            </a:lvl1pPr>
+            <a:lvl2pPr marL="457200" indent="0">
+              <a:buNone/>
+              <a:defRPr sz="1200"/>
+            </a:lvl2pPr>
+            <a:lvl3pPr marL="914400" indent="0">
+              <a:buNone/>
+              <a:defRPr sz="1000"/>
+            </a:lvl3pPr>
+            <a:lvl4pPr marL="1371600" indent="0">
+              <a:buNone/>
+              <a:defRPr sz="900"/>
+            </a:lvl4pPr>
+            <a:lvl5pPr marL="1828800" indent="0">
+              <a:buNone/>
+              <a:defRPr sz="900"/>
+            </a:lvl5pPr>
+            <a:lvl6pPr marL="2286000" indent="0">
+              <a:buNone/>
+              <a:defRPr sz="900"/>
+            </a:lvl6pPr>
+            <a:lvl7pPr marL="2743200" indent="0">
+              <a:buNone/>
+              <a:defRPr sz="900"/>
+            </a:lvl7pPr>
+            <a:lvl8pPr marL="3200400" indent="0">
+              <a:buNone/>
+              <a:defRPr sz="900"/>
+            </a:lvl8pPr>
+            <a:lvl9pPr marL="3657600" indent="0">
+              <a:buNone/>
+              <a:defRPr sz="900"/>
+            </a:lvl9pPr>
+          </a:lstStyle>
+          <a:p>
+            <a:pPr lvl="0"/>
+            <a:r>
+              <a:rPr lang="en-US"/>
+              <a:t>Click to edit Master text styles</a:t>
+            </a:r>
+          </a:p>
+        </p:txBody>
+      </p:sp>
+      <p:sp>
+        <p:nvSpPr>
+          <p:cNvPr id="9" name="Text Placeholder 4"/>
+          <p:cNvSpPr>
+            <a:spLocks noGrp="1"/>
+          </p:cNvSpPr>
+          <p:nvPr>
+            <p:ph type="body" sz="quarter" idx="3"/>
+          </p:nvPr>
+        </p:nvSpPr>
+        <p:spPr>
+          <a:xfrm>
+            <a:off x="4444878" y="2088320"/>
+            <a:ext cx="3298558" cy="823304"/>
+          </a:xfrm>
+        </p:spPr>
+        <p:txBody>
+          <a:bodyPr anchor="b">
+            <a:noAutofit/>
+          </a:bodyPr>
+          <a:lstStyle>
+            <a:lvl1pPr marL="0" indent="0" algn="ctr">
+              <a:lnSpc>
+                <a:spcPct val="100000"/>
+              </a:lnSpc>
+              <a:buNone/>
+              <a:defRPr sz="2400" b="0">
+                <a:solidFill>
+                  <a:schemeClr val="tx1"/>
+                </a:solidFill>
+              </a:defRPr>
+            </a:lvl1pPr>
+            <a:lvl2pPr marL="457200" indent="0">
+              <a:buNone/>
+              <a:defRPr sz="2000" b="1"/>
+            </a:lvl2pPr>
+            <a:lvl3pPr marL="914400" indent="0">
+              <a:buNone/>
+              <a:defRPr sz="1800" b="1"/>
+            </a:lvl3pPr>
+            <a:lvl4pPr marL="1371600" indent="0">
+              <a:buNone/>
+              <a:defRPr sz="1600" b="1"/>
+            </a:lvl4pPr>
+            <a:lvl5pPr marL="1828800" indent="0">
+              <a:buNone/>
+              <a:defRPr sz="1600" b="1"/>
+            </a:lvl5pPr>
+            <a:lvl6pPr marL="2286000" indent="0">
+              <a:buNone/>
+              <a:defRPr sz="1600" b="1"/>
+            </a:lvl6pPr>
+            <a:lvl7pPr marL="2743200" indent="0">
+              <a:buNone/>
+              <a:defRPr sz="1600" b="1"/>
+            </a:lvl7pPr>
+            <a:lvl8pPr marL="3200400" indent="0">
+              <a:buNone/>
+              <a:defRPr sz="1600" b="1"/>
+            </a:lvl8pPr>
+            <a:lvl9pPr marL="3657600" indent="0">
+              <a:buNone/>
+              <a:defRPr sz="1600" b="1"/>
+            </a:lvl9pPr>
+          </a:lstStyle>
+          <a:p>
+            <a:pPr lvl="0"/>
+            <a:r>
+              <a:rPr lang="en-US"/>
+              <a:t>Click to edit Master text styles</a:t>
+            </a:r>
+          </a:p>
+        </p:txBody>
+      </p:sp>
+      <p:sp>
+        <p:nvSpPr>
+          <p:cNvPr id="10" name="Text Placeholder 3"/>
+          <p:cNvSpPr>
+            <a:spLocks noGrp="1"/>
+          </p:cNvSpPr>
+          <p:nvPr>
+            <p:ph type="body" sz="half" idx="16"/>
+          </p:nvPr>
+        </p:nvSpPr>
+        <p:spPr>
+          <a:xfrm>
+            <a:off x="4444878" y="2911624"/>
+            <a:ext cx="3299821" cy="2879576"/>
+          </a:xfrm>
+        </p:spPr>
+        <p:txBody>
+          <a:bodyPr anchor="t">
+            <a:normAutofit/>
+          </a:bodyPr>
+          <a:lstStyle>
+            <a:lvl1pPr marL="0" indent="0" algn="ctr">
+              <a:buNone/>
+              <a:defRPr sz="1400"/>
+            </a:lvl1pPr>
+            <a:lvl2pPr marL="457200" indent="0">
+              <a:buNone/>
+              <a:defRPr sz="1200"/>
+            </a:lvl2pPr>
+            <a:lvl3pPr marL="914400" indent="0">
+              <a:buNone/>
+              <a:defRPr sz="1000"/>
+            </a:lvl3pPr>
+            <a:lvl4pPr marL="1371600" indent="0">
+              <a:buNone/>
+              <a:defRPr sz="900"/>
+            </a:lvl4pPr>
+            <a:lvl5pPr marL="1828800" indent="0">
+              <a:buNone/>
+              <a:defRPr sz="900"/>
+            </a:lvl5pPr>
+            <a:lvl6pPr marL="2286000" indent="0">
+              <a:buNone/>
+              <a:defRPr sz="900"/>
+            </a:lvl6pPr>
+            <a:lvl7pPr marL="2743200" indent="0">
+              <a:buNone/>
+              <a:defRPr sz="900"/>
+            </a:lvl7pPr>
+            <a:lvl8pPr marL="3200400" indent="0">
+              <a:buNone/>
+              <a:defRPr sz="900"/>
+            </a:lvl8pPr>
+            <a:lvl9pPr marL="3657600" indent="0">
+              <a:buNone/>
+              <a:defRPr sz="900"/>
+            </a:lvl9pPr>
+          </a:lstStyle>
+          <a:p>
+            <a:pPr lvl="0"/>
+            <a:r>
+              <a:rPr lang="en-US"/>
+              <a:t>Click to edit Master text styles</a:t>
+            </a:r>
+          </a:p>
+        </p:txBody>
+      </p:sp>
+      <p:sp>
+        <p:nvSpPr>
+          <p:cNvPr id="11" name="Text Placeholder 4"/>
+          <p:cNvSpPr>
+            <a:spLocks noGrp="1"/>
+          </p:cNvSpPr>
+          <p:nvPr>
+            <p:ph type="body" sz="quarter" idx="13"/>
+          </p:nvPr>
+        </p:nvSpPr>
+        <p:spPr>
+          <a:xfrm>
+            <a:off x="7973298" y="2088320"/>
+            <a:ext cx="3291211" cy="823304"/>
+          </a:xfrm>
+        </p:spPr>
+        <p:txBody>
+          <a:bodyPr anchor="b">
+            <a:noAutofit/>
+          </a:bodyPr>
+          <a:lstStyle>
+            <a:lvl1pPr marL="0" indent="0" algn="ctr">
+              <a:lnSpc>
+                <a:spcPct val="100000"/>
+              </a:lnSpc>
+              <a:buNone/>
+              <a:defRPr sz="2400" b="0">
+                <a:solidFill>
+                  <a:schemeClr val="tx1"/>
+                </a:solidFill>
+              </a:defRPr>
+            </a:lvl1pPr>
+            <a:lvl2pPr marL="457200" indent="0">
+              <a:buNone/>
+              <a:defRPr sz="2000" b="1"/>
+            </a:lvl2pPr>
+            <a:lvl3pPr marL="914400" indent="0">
+              <a:buNone/>
+              <a:defRPr sz="1800" b="1"/>
+            </a:lvl3pPr>
+            <a:lvl4pPr marL="1371600" indent="0">
+              <a:buNone/>
+              <a:defRPr sz="1600" b="1"/>
+            </a:lvl4pPr>
+            <a:lvl5pPr marL="1828800" indent="0">
+              <a:buNone/>
+              <a:defRPr sz="1600" b="1"/>
+            </a:lvl5pPr>
+            <a:lvl6pPr marL="2286000" indent="0">
+              <a:buNone/>
+              <a:defRPr sz="1600" b="1"/>
+            </a:lvl6pPr>
+            <a:lvl7pPr marL="2743200" indent="0">
+              <a:buNone/>
+              <a:defRPr sz="1600" b="1"/>
+            </a:lvl7pPr>
+            <a:lvl8pPr marL="3200400" indent="0">
+              <a:buNone/>
+              <a:defRPr sz="1600" b="1"/>
+            </a:lvl8pPr>
+            <a:lvl9pPr marL="3657600" indent="0">
+              <a:buNone/>
+              <a:defRPr sz="1600" b="1"/>
+            </a:lvl9pPr>
+          </a:lstStyle>
+          <a:p>
+            <a:pPr lvl="0"/>
+            <a:r>
+              <a:rPr lang="en-US"/>
+              <a:t>Click to edit Master text styles</a:t>
+            </a:r>
+          </a:p>
+        </p:txBody>
+      </p:sp>
+      <p:sp>
+        <p:nvSpPr>
+          <p:cNvPr id="12" name="Text Placeholder 3"/>
+          <p:cNvSpPr>
+            <a:spLocks noGrp="1"/>
+          </p:cNvSpPr>
+          <p:nvPr>
+            <p:ph type="body" sz="half" idx="17"/>
+          </p:nvPr>
+        </p:nvSpPr>
+        <p:spPr>
+          <a:xfrm>
+            <a:off x="7976346" y="2911624"/>
+            <a:ext cx="3291211" cy="2879576"/>
+          </a:xfrm>
+        </p:spPr>
+        <p:txBody>
+          <a:bodyPr anchor="t">
+            <a:normAutofit/>
+          </a:bodyPr>
+          <a:lstStyle>
+            <a:lvl1pPr marL="0" indent="0" algn="ctr">
+              <a:buNone/>
+              <a:defRPr sz="1400"/>
+            </a:lvl1pPr>
+            <a:lvl2pPr marL="457200" indent="0">
+              <a:buNone/>
+              <a:defRPr sz="1200"/>
+            </a:lvl2pPr>
+            <a:lvl3pPr marL="914400" indent="0">
+              <a:buNone/>
+              <a:defRPr sz="1000"/>
+            </a:lvl3pPr>
+            <a:lvl4pPr marL="1371600" indent="0">
+              <a:buNone/>
+              <a:defRPr sz="900"/>
+            </a:lvl4pPr>
+            <a:lvl5pPr marL="1828800" indent="0">
+              <a:buNone/>
+              <a:defRPr sz="900"/>
+            </a:lvl5pPr>
+            <a:lvl6pPr marL="2286000" indent="0">
+              <a:buNone/>
+              <a:defRPr sz="900"/>
+            </a:lvl6pPr>
+            <a:lvl7pPr marL="2743200" indent="0">
+              <a:buNone/>
+              <a:defRPr sz="900"/>
+            </a:lvl7pPr>
+            <a:lvl8pPr marL="3200400" indent="0">
+              <a:buNone/>
+              <a:defRPr sz="900"/>
+            </a:lvl8pPr>
+            <a:lvl9pPr marL="3657600" indent="0">
+              <a:buNone/>
+              <a:defRPr sz="900"/>
+            </a:lvl9pPr>
+          </a:lstStyle>
+          <a:p>
+            <a:pPr lvl="0"/>
+            <a:r>
+              <a:rPr lang="en-US"/>
+              <a:t>Click to edit Master text styles</a:t>
+            </a:r>
+          </a:p>
+        </p:txBody>
+      </p:sp>
+      <p:sp>
+        <p:nvSpPr>
+          <p:cNvPr id="3" name="Date Placeholder 2"/>
+          <p:cNvSpPr>
+            <a:spLocks noGrp="1"/>
+          </p:cNvSpPr>
+          <p:nvPr>
+            <p:ph type="dt" sz="half" idx="10"/>
+          </p:nvPr>
+        </p:nvSpPr>
+        <p:spPr/>
+        <p:txBody>
+          <a:bodyPr/>
+          <a:lstStyle/>
+          <a:p>
+            <a:fld id="{9A0B2DA1-C548-40D1-94BA-5E1CB4266833}" type="datetimeFigureOut">
+              <a:rPr lang="en-US" smtClean="0"/>
+              <a:t>1/24/2021</a:t>
+            </a:fld>
+            <a:endParaRPr lang="en-US"/>
+          </a:p>
+        </p:txBody>
+      </p:sp>
+      <p:sp>
+        <p:nvSpPr>
+          <p:cNvPr id="4" name="Footer Placeholder 3"/>
+          <p:cNvSpPr>
+            <a:spLocks noGrp="1"/>
+          </p:cNvSpPr>
+          <p:nvPr>
+            <p:ph type="ftr" sz="quarter" idx="11"/>
+          </p:nvPr>
+        </p:nvSpPr>
+        <p:spPr/>
+        <p:txBody>
+          <a:bodyPr/>
+          <a:lstStyle/>
+          <a:p>
+            <a:endParaRPr lang="en-US"/>
+          </a:p>
+        </p:txBody>
+      </p:sp>
+      <p:sp>
+        <p:nvSpPr>
+          <p:cNvPr id="5" name="Slide Number Placeholder 4"/>
+          <p:cNvSpPr>
+            <a:spLocks noGrp="1"/>
+          </p:cNvSpPr>
+          <p:nvPr>
+            <p:ph type="sldNum" sz="quarter" idx="12"/>
+          </p:nvPr>
+        </p:nvSpPr>
+        <p:spPr/>
+        <p:txBody>
+          <a:bodyPr/>
+          <a:lstStyle/>
+          <a:p>
+            <a:fld id="{6470B193-B485-4595-942F-8EB178F0A2CF}" type="slidenum">
+              <a:rPr lang="en-US" smtClean="0"/>
+              <a:t>‹#›</a:t>
+            </a:fld>
+            <a:endParaRPr lang="en-US"/>
+          </a:p>
+        </p:txBody>
+      </p:sp>
+    </p:spTree>
+    <p:extLst>
+      <p:ext uri="{BB962C8B-B14F-4D97-AF65-F5344CB8AC3E}">
+        <p14:creationId xmlns:p14="http://schemas.microsoft.com/office/powerpoint/2010/main" val="4097295266"/>
+      </p:ext>
+    </p:extLst>
+  </p:cSld>
+  <p:clrMapOvr>
+    <a:masterClrMapping/>
+  </p:clrMapOvr>
+</p:sldLayout>
+</file>
+
+<file path=ppt/slideLayouts/slideLayout26.xml><?xml version="1.0" encoding="utf-8"?>
+<p:sldLayout xmlns:a="http://schemas.openxmlformats.org/drawingml/2006/main" xmlns:r="http://schemas.openxmlformats.org/officeDocument/2006/relationships" xmlns:p="http://schemas.openxmlformats.org/presentationml/2006/main" preserve="1">
+  <p:cSld name="3 Picture Column">
+    <p:spTree>
+      <p:nvGrpSpPr>
+        <p:cNvPr id="1" name=""/>
+        <p:cNvGrpSpPr/>
+        <p:nvPr/>
+      </p:nvGrpSpPr>
+      <p:grpSpPr>
+        <a:xfrm>
+          <a:off x="0" y="0"/>
+          <a:ext cx="0" cy="0"/>
+          <a:chOff x="0" y="0"/>
+          <a:chExt cx="0" cy="0"/>
+        </a:xfrm>
+      </p:grpSpPr>
+      <p:sp>
+        <p:nvSpPr>
+          <p:cNvPr id="30" name="Title 1"/>
+          <p:cNvSpPr>
+            <a:spLocks noGrp="1"/>
+          </p:cNvSpPr>
+          <p:nvPr>
+            <p:ph type="title"/>
+          </p:nvPr>
+        </p:nvSpPr>
+        <p:spPr>
+          <a:xfrm>
+            <a:off x="913795" y="609600"/>
+            <a:ext cx="10353762" cy="1325563"/>
+          </a:xfrm>
+        </p:spPr>
+        <p:txBody>
+          <a:bodyPr/>
+          <a:lstStyle/>
+          <a:p>
+            <a:r>
+              <a:rPr lang="en-US"/>
+              <a:t>Click to edit Master title style</a:t>
+            </a:r>
+            <a:endParaRPr lang="en-US" dirty="0"/>
+          </a:p>
+        </p:txBody>
+      </p:sp>
+      <p:sp>
+        <p:nvSpPr>
+          <p:cNvPr id="19" name="Text Placeholder 2"/>
+          <p:cNvSpPr>
+            <a:spLocks noGrp="1"/>
+          </p:cNvSpPr>
+          <p:nvPr>
+            <p:ph type="body" idx="1"/>
+          </p:nvPr>
+        </p:nvSpPr>
+        <p:spPr>
+          <a:xfrm>
+            <a:off x="913795" y="4195899"/>
+            <a:ext cx="3298955" cy="576262"/>
+          </a:xfrm>
+        </p:spPr>
+        <p:txBody>
+          <a:bodyPr anchor="b">
+            <a:noAutofit/>
+          </a:bodyPr>
+          <a:lstStyle>
+            <a:lvl1pPr marL="0" indent="0" algn="ctr">
+              <a:lnSpc>
+                <a:spcPct val="100000"/>
+              </a:lnSpc>
+              <a:buNone/>
+              <a:defRPr sz="2000" b="0">
+                <a:solidFill>
+                  <a:schemeClr val="tx1"/>
+                </a:solidFill>
+              </a:defRPr>
+            </a:lvl1pPr>
+            <a:lvl2pPr marL="457200" indent="0">
+              <a:buNone/>
+              <a:defRPr sz="2000" b="1"/>
+            </a:lvl2pPr>
+            <a:lvl3pPr marL="914400" indent="0">
+              <a:buNone/>
+              <a:defRPr sz="1800" b="1"/>
+            </a:lvl3pPr>
+            <a:lvl4pPr marL="1371600" indent="0">
+              <a:buNone/>
+              <a:defRPr sz="1600" b="1"/>
+            </a:lvl4pPr>
+            <a:lvl5pPr marL="1828800" indent="0">
+              <a:buNone/>
+              <a:defRPr sz="1600" b="1"/>
+            </a:lvl5pPr>
+            <a:lvl6pPr marL="2286000" indent="0">
+              <a:buNone/>
+              <a:defRPr sz="1600" b="1"/>
+            </a:lvl6pPr>
+            <a:lvl7pPr marL="2743200" indent="0">
+              <a:buNone/>
+              <a:defRPr sz="1600" b="1"/>
+            </a:lvl7pPr>
+            <a:lvl8pPr marL="3200400" indent="0">
+              <a:buNone/>
+              <a:defRPr sz="1600" b="1"/>
+            </a:lvl8pPr>
+            <a:lvl9pPr marL="3657600" indent="0">
+              <a:buNone/>
+              <a:defRPr sz="1600" b="1"/>
+            </a:lvl9pPr>
+          </a:lstStyle>
+          <a:p>
+            <a:pPr lvl="0"/>
+            <a:r>
+              <a:rPr lang="en-US"/>
+              <a:t>Click to edit Master text styles</a:t>
+            </a:r>
+          </a:p>
+        </p:txBody>
+      </p:sp>
+      <p:sp>
+        <p:nvSpPr>
+          <p:cNvPr id="20" name="Picture Placeholder 2"/>
+          <p:cNvSpPr>
+            <a:spLocks noGrp="1" noChangeAspect="1"/>
+          </p:cNvSpPr>
+          <p:nvPr>
+            <p:ph type="pic" idx="15"/>
+          </p:nvPr>
+        </p:nvSpPr>
+        <p:spPr>
+          <a:xfrm>
+            <a:off x="1092020" y="2298987"/>
+            <a:ext cx="2940050" cy="1524000"/>
+          </a:xfrm>
+          <a:prstGeom prst="roundRect">
+            <a:avLst>
+              <a:gd name="adj" fmla="val 0"/>
+            </a:avLst>
+          </a:prstGeom>
+          <a:noFill/>
+          <a:ln w="146050" cap="sq">
+            <a:solidFill>
+              <a:srgbClr val="FFFFFF"/>
+            </a:solidFill>
+            <a:miter lim="800000"/>
+          </a:ln>
+          <a:effectLst>
+            <a:outerShdw blurRad="55000" dist="18000" dir="5400000" algn="tl" rotWithShape="0">
+              <a:srgbClr val="000000">
+                <a:alpha val="40000"/>
+              </a:srgbClr>
+            </a:outerShdw>
+          </a:effectLst>
+          <a:scene3d>
+            <a:camera prst="orthographicFront"/>
+            <a:lightRig rig="twoPt" dir="t">
+              <a:rot lat="0" lon="0" rev="7200000"/>
+            </a:lightRig>
+          </a:scene3d>
+          <a:sp3d>
+            <a:bevelT w="25400" h="19050"/>
+            <a:contourClr>
+              <a:srgbClr val="FFFFFF"/>
+            </a:contourClr>
+          </a:sp3d>
+        </p:spPr>
+        <p:txBody>
+          <a:bodyPr anchor="t">
+            <a:normAutofit/>
+          </a:bodyPr>
+          <a:lstStyle>
+            <a:lvl1pPr marL="0" indent="0" algn="ctr">
+              <a:buNone/>
+              <a:defRPr sz="1600"/>
+            </a:lvl1pPr>
+            <a:lvl2pPr marL="457200" indent="0">
+              <a:buNone/>
+              <a:defRPr sz="1600"/>
+            </a:lvl2pPr>
+            <a:lvl3pPr marL="914400" indent="0">
+              <a:buNone/>
+              <a:defRPr sz="1600"/>
+            </a:lvl3pPr>
+            <a:lvl4pPr marL="1371600" indent="0">
+              <a:buNone/>
+              <a:defRPr sz="1600"/>
+            </a:lvl4pPr>
+            <a:lvl5pPr marL="1828800" indent="0">
+              <a:buNone/>
+              <a:defRPr sz="1600"/>
+            </a:lvl5pPr>
+            <a:lvl6pPr marL="2286000" indent="0">
+              <a:buNone/>
+              <a:defRPr sz="1600"/>
+            </a:lvl6pPr>
+            <a:lvl7pPr marL="2743200" indent="0">
+              <a:buNone/>
+              <a:defRPr sz="1600"/>
+            </a:lvl7pPr>
+            <a:lvl8pPr marL="3200400" indent="0">
+              <a:buNone/>
+              <a:defRPr sz="1600"/>
+            </a:lvl8pPr>
+            <a:lvl9pPr marL="3657600" indent="0">
+              <a:buNone/>
+              <a:defRPr sz="1600"/>
+            </a:lvl9pPr>
+          </a:lstStyle>
+          <a:p>
+            <a:r>
+              <a:rPr lang="en-US"/>
+              <a:t>Click icon to add picture</a:t>
+            </a:r>
+            <a:endParaRPr lang="en-US" dirty="0"/>
+          </a:p>
+        </p:txBody>
+      </p:sp>
+      <p:sp>
+        <p:nvSpPr>
+          <p:cNvPr id="21" name="Text Placeholder 3"/>
+          <p:cNvSpPr>
+            <a:spLocks noGrp="1"/>
+          </p:cNvSpPr>
+          <p:nvPr>
+            <p:ph type="body" sz="half" idx="18"/>
+          </p:nvPr>
+        </p:nvSpPr>
+        <p:spPr>
+          <a:xfrm>
+            <a:off x="913795" y="4772161"/>
+            <a:ext cx="3298955" cy="1019038"/>
+          </a:xfrm>
+        </p:spPr>
+        <p:txBody>
+          <a:bodyPr anchor="t">
+            <a:normAutofit/>
+          </a:bodyPr>
+          <a:lstStyle>
+            <a:lvl1pPr marL="0" indent="0" algn="ctr">
+              <a:buNone/>
+              <a:defRPr sz="1400"/>
+            </a:lvl1pPr>
+            <a:lvl2pPr marL="457200" indent="0">
+              <a:buNone/>
+              <a:defRPr sz="1200"/>
+            </a:lvl2pPr>
+            <a:lvl3pPr marL="914400" indent="0">
+              <a:buNone/>
+              <a:defRPr sz="1000"/>
+            </a:lvl3pPr>
+            <a:lvl4pPr marL="1371600" indent="0">
+              <a:buNone/>
+              <a:defRPr sz="900"/>
+            </a:lvl4pPr>
+            <a:lvl5pPr marL="1828800" indent="0">
+              <a:buNone/>
+              <a:defRPr sz="900"/>
+            </a:lvl5pPr>
+            <a:lvl6pPr marL="2286000" indent="0">
+              <a:buNone/>
+              <a:defRPr sz="900"/>
+            </a:lvl6pPr>
+            <a:lvl7pPr marL="2743200" indent="0">
+              <a:buNone/>
+              <a:defRPr sz="900"/>
+            </a:lvl7pPr>
+            <a:lvl8pPr marL="3200400" indent="0">
+              <a:buNone/>
+              <a:defRPr sz="900"/>
+            </a:lvl8pPr>
+            <a:lvl9pPr marL="3657600" indent="0">
+              <a:buNone/>
+              <a:defRPr sz="900"/>
+            </a:lvl9pPr>
+          </a:lstStyle>
+          <a:p>
+            <a:pPr lvl="0"/>
+            <a:r>
+              <a:rPr lang="en-US"/>
+              <a:t>Click to edit Master text styles</a:t>
+            </a:r>
+          </a:p>
+        </p:txBody>
+      </p:sp>
+      <p:sp>
+        <p:nvSpPr>
+          <p:cNvPr id="22" name="Text Placeholder 4"/>
+          <p:cNvSpPr>
+            <a:spLocks noGrp="1"/>
+          </p:cNvSpPr>
+          <p:nvPr>
+            <p:ph type="body" sz="quarter" idx="3"/>
+          </p:nvPr>
+        </p:nvSpPr>
+        <p:spPr>
+          <a:xfrm>
+            <a:off x="4442701" y="4195899"/>
+            <a:ext cx="3298983" cy="576262"/>
+          </a:xfrm>
+        </p:spPr>
+        <p:txBody>
+          <a:bodyPr anchor="b">
+            <a:noAutofit/>
+          </a:bodyPr>
+          <a:lstStyle>
+            <a:lvl1pPr marL="0" indent="0" algn="ctr">
+              <a:lnSpc>
+                <a:spcPct val="100000"/>
+              </a:lnSpc>
+              <a:buNone/>
+              <a:defRPr sz="2000" b="0">
+                <a:solidFill>
+                  <a:schemeClr val="tx1"/>
+                </a:solidFill>
+              </a:defRPr>
+            </a:lvl1pPr>
+            <a:lvl2pPr marL="457200" indent="0">
+              <a:buNone/>
+              <a:defRPr sz="2000" b="1"/>
+            </a:lvl2pPr>
+            <a:lvl3pPr marL="914400" indent="0">
+              <a:buNone/>
+              <a:defRPr sz="1800" b="1"/>
+            </a:lvl3pPr>
+            <a:lvl4pPr marL="1371600" indent="0">
+              <a:buNone/>
+              <a:defRPr sz="1600" b="1"/>
+            </a:lvl4pPr>
+            <a:lvl5pPr marL="1828800" indent="0">
+              <a:buNone/>
+              <a:defRPr sz="1600" b="1"/>
+            </a:lvl5pPr>
+            <a:lvl6pPr marL="2286000" indent="0">
+              <a:buNone/>
+              <a:defRPr sz="1600" b="1"/>
+            </a:lvl6pPr>
+            <a:lvl7pPr marL="2743200" indent="0">
+              <a:buNone/>
+              <a:defRPr sz="1600" b="1"/>
+            </a:lvl7pPr>
+            <a:lvl8pPr marL="3200400" indent="0">
+              <a:buNone/>
+              <a:defRPr sz="1600" b="1"/>
+            </a:lvl8pPr>
+            <a:lvl9pPr marL="3657600" indent="0">
+              <a:buNone/>
+              <a:defRPr sz="1600" b="1"/>
+            </a:lvl9pPr>
+          </a:lstStyle>
+          <a:p>
+            <a:pPr lvl="0"/>
+            <a:r>
+              <a:rPr lang="en-US"/>
+              <a:t>Click to edit Master text styles</a:t>
+            </a:r>
+          </a:p>
+        </p:txBody>
+      </p:sp>
+      <p:sp>
+        <p:nvSpPr>
+          <p:cNvPr id="23" name="Picture Placeholder 2"/>
+          <p:cNvSpPr>
+            <a:spLocks noGrp="1" noChangeAspect="1"/>
+          </p:cNvSpPr>
+          <p:nvPr>
+            <p:ph type="pic" idx="21"/>
+          </p:nvPr>
+        </p:nvSpPr>
+        <p:spPr>
+          <a:xfrm>
+            <a:off x="4568996" y="2298987"/>
+            <a:ext cx="2930525" cy="1524000"/>
+          </a:xfrm>
+          <a:prstGeom prst="roundRect">
+            <a:avLst>
+              <a:gd name="adj" fmla="val 0"/>
+            </a:avLst>
+          </a:prstGeom>
+          <a:noFill/>
+          <a:ln w="146050" cap="sq">
+            <a:solidFill>
+              <a:srgbClr val="FFFFFF"/>
+            </a:solidFill>
+            <a:miter lim="800000"/>
+          </a:ln>
+          <a:effectLst>
+            <a:outerShdw blurRad="55000" dist="18000" dir="5400000" algn="tl" rotWithShape="0">
+              <a:srgbClr val="000000">
+                <a:alpha val="40000"/>
+              </a:srgbClr>
+            </a:outerShdw>
+          </a:effectLst>
+          <a:scene3d>
+            <a:camera prst="orthographicFront"/>
+            <a:lightRig rig="twoPt" dir="t">
+              <a:rot lat="0" lon="0" rev="7200000"/>
+            </a:lightRig>
+          </a:scene3d>
+          <a:sp3d>
+            <a:bevelT w="25400" h="19050"/>
+            <a:contourClr>
+              <a:srgbClr val="FFFFFF"/>
+            </a:contourClr>
+          </a:sp3d>
+        </p:spPr>
+        <p:txBody>
+          <a:bodyPr anchor="t">
+            <a:normAutofit/>
+          </a:bodyPr>
+          <a:lstStyle>
+            <a:lvl1pPr marL="0" indent="0" algn="ctr">
+              <a:buNone/>
+              <a:defRPr sz="1600"/>
+            </a:lvl1pPr>
+            <a:lvl2pPr marL="457200" indent="0">
+              <a:buNone/>
+              <a:defRPr sz="1600"/>
+            </a:lvl2pPr>
+            <a:lvl3pPr marL="914400" indent="0">
+              <a:buNone/>
+              <a:defRPr sz="1600"/>
+            </a:lvl3pPr>
+            <a:lvl4pPr marL="1371600" indent="0">
+              <a:buNone/>
+              <a:defRPr sz="1600"/>
+            </a:lvl4pPr>
+            <a:lvl5pPr marL="1828800" indent="0">
+              <a:buNone/>
+              <a:defRPr sz="1600"/>
+            </a:lvl5pPr>
+            <a:lvl6pPr marL="2286000" indent="0">
+              <a:buNone/>
+              <a:defRPr sz="1600"/>
+            </a:lvl6pPr>
+            <a:lvl7pPr marL="2743200" indent="0">
+              <a:buNone/>
+              <a:defRPr sz="1600"/>
+            </a:lvl7pPr>
+            <a:lvl8pPr marL="3200400" indent="0">
+              <a:buNone/>
+              <a:defRPr sz="1600"/>
+            </a:lvl8pPr>
+            <a:lvl9pPr marL="3657600" indent="0">
+              <a:buNone/>
+              <a:defRPr sz="1600"/>
+            </a:lvl9pPr>
+          </a:lstStyle>
+          <a:p>
+            <a:r>
+              <a:rPr lang="en-US"/>
+              <a:t>Click icon to add picture</a:t>
+            </a:r>
+            <a:endParaRPr lang="en-US" dirty="0"/>
+          </a:p>
+        </p:txBody>
+      </p:sp>
+      <p:sp>
+        <p:nvSpPr>
+          <p:cNvPr id="24" name="Text Placeholder 3"/>
+          <p:cNvSpPr>
+            <a:spLocks noGrp="1"/>
+          </p:cNvSpPr>
+          <p:nvPr>
+            <p:ph type="body" sz="half" idx="19"/>
+          </p:nvPr>
+        </p:nvSpPr>
+        <p:spPr>
+          <a:xfrm>
+            <a:off x="4441348" y="4772160"/>
+            <a:ext cx="3300336" cy="1019038"/>
+          </a:xfrm>
+        </p:spPr>
+        <p:txBody>
+          <a:bodyPr anchor="t">
+            <a:normAutofit/>
+          </a:bodyPr>
+          <a:lstStyle>
+            <a:lvl1pPr marL="0" indent="0" algn="ctr">
+              <a:buNone/>
+              <a:defRPr sz="1400"/>
+            </a:lvl1pPr>
+            <a:lvl2pPr marL="457200" indent="0">
+              <a:buNone/>
+              <a:defRPr sz="1200"/>
+            </a:lvl2pPr>
+            <a:lvl3pPr marL="914400" indent="0">
+              <a:buNone/>
+              <a:defRPr sz="1000"/>
+            </a:lvl3pPr>
+            <a:lvl4pPr marL="1371600" indent="0">
+              <a:buNone/>
+              <a:defRPr sz="900"/>
+            </a:lvl4pPr>
+            <a:lvl5pPr marL="1828800" indent="0">
+              <a:buNone/>
+              <a:defRPr sz="900"/>
+            </a:lvl5pPr>
+            <a:lvl6pPr marL="2286000" indent="0">
+              <a:buNone/>
+              <a:defRPr sz="900"/>
+            </a:lvl6pPr>
+            <a:lvl7pPr marL="2743200" indent="0">
+              <a:buNone/>
+              <a:defRPr sz="900"/>
+            </a:lvl7pPr>
+            <a:lvl8pPr marL="3200400" indent="0">
+              <a:buNone/>
+              <a:defRPr sz="900"/>
+            </a:lvl8pPr>
+            <a:lvl9pPr marL="3657600" indent="0">
+              <a:buNone/>
+              <a:defRPr sz="900"/>
+            </a:lvl9pPr>
+          </a:lstStyle>
+          <a:p>
+            <a:pPr lvl="0"/>
+            <a:r>
+              <a:rPr lang="en-US"/>
+              <a:t>Click to edit Master text styles</a:t>
+            </a:r>
+          </a:p>
+        </p:txBody>
+      </p:sp>
+      <p:sp>
+        <p:nvSpPr>
+          <p:cNvPr id="25" name="Text Placeholder 4"/>
+          <p:cNvSpPr>
+            <a:spLocks noGrp="1"/>
+          </p:cNvSpPr>
+          <p:nvPr>
+            <p:ph type="body" sz="quarter" idx="13"/>
+          </p:nvPr>
+        </p:nvSpPr>
+        <p:spPr>
+          <a:xfrm>
+            <a:off x="7973423" y="4195899"/>
+            <a:ext cx="3289900" cy="576262"/>
+          </a:xfrm>
+        </p:spPr>
+        <p:txBody>
+          <a:bodyPr anchor="b">
+            <a:noAutofit/>
+          </a:bodyPr>
+          <a:lstStyle>
+            <a:lvl1pPr marL="0" indent="0" algn="ctr">
+              <a:lnSpc>
+                <a:spcPct val="100000"/>
+              </a:lnSpc>
+              <a:buNone/>
+              <a:defRPr sz="2000" b="0">
+                <a:solidFill>
+                  <a:schemeClr val="tx1"/>
+                </a:solidFill>
+              </a:defRPr>
+            </a:lvl1pPr>
+            <a:lvl2pPr marL="457200" indent="0">
+              <a:buNone/>
+              <a:defRPr sz="2000" b="1"/>
+            </a:lvl2pPr>
+            <a:lvl3pPr marL="914400" indent="0">
+              <a:buNone/>
+              <a:defRPr sz="1800" b="1"/>
+            </a:lvl3pPr>
+            <a:lvl4pPr marL="1371600" indent="0">
+              <a:buNone/>
+              <a:defRPr sz="1600" b="1"/>
+            </a:lvl4pPr>
+            <a:lvl5pPr marL="1828800" indent="0">
+              <a:buNone/>
+              <a:defRPr sz="1600" b="1"/>
+            </a:lvl5pPr>
+            <a:lvl6pPr marL="2286000" indent="0">
+              <a:buNone/>
+              <a:defRPr sz="1600" b="1"/>
+            </a:lvl6pPr>
+            <a:lvl7pPr marL="2743200" indent="0">
+              <a:buNone/>
+              <a:defRPr sz="1600" b="1"/>
+            </a:lvl7pPr>
+            <a:lvl8pPr marL="3200400" indent="0">
+              <a:buNone/>
+              <a:defRPr sz="1600" b="1"/>
+            </a:lvl8pPr>
+            <a:lvl9pPr marL="3657600" indent="0">
+              <a:buNone/>
+              <a:defRPr sz="1600" b="1"/>
+            </a:lvl9pPr>
+          </a:lstStyle>
+          <a:p>
+            <a:pPr lvl="0"/>
+            <a:r>
+              <a:rPr lang="en-US"/>
+              <a:t>Click to edit Master text styles</a:t>
+            </a:r>
+          </a:p>
+        </p:txBody>
+      </p:sp>
+      <p:sp>
+        <p:nvSpPr>
+          <p:cNvPr id="26" name="Picture Placeholder 2"/>
+          <p:cNvSpPr>
+            <a:spLocks noGrp="1" noChangeAspect="1"/>
+          </p:cNvSpPr>
+          <p:nvPr>
+            <p:ph type="pic" idx="22"/>
+          </p:nvPr>
+        </p:nvSpPr>
+        <p:spPr>
+          <a:xfrm>
+            <a:off x="8152803" y="2298987"/>
+            <a:ext cx="2932113" cy="1524000"/>
+          </a:xfrm>
+          <a:prstGeom prst="roundRect">
+            <a:avLst>
+              <a:gd name="adj" fmla="val 0"/>
+            </a:avLst>
+          </a:prstGeom>
+          <a:noFill/>
+          <a:ln w="146050" cap="sq">
+            <a:solidFill>
+              <a:srgbClr val="FFFFFF"/>
+            </a:solidFill>
+            <a:miter lim="800000"/>
+          </a:ln>
+          <a:effectLst>
+            <a:outerShdw blurRad="55000" dist="18000" dir="5400000" algn="tl" rotWithShape="0">
+              <a:srgbClr val="000000">
+                <a:alpha val="40000"/>
+              </a:srgbClr>
+            </a:outerShdw>
+          </a:effectLst>
+          <a:scene3d>
+            <a:camera prst="orthographicFront"/>
+            <a:lightRig rig="twoPt" dir="t">
+              <a:rot lat="0" lon="0" rev="7200000"/>
+            </a:lightRig>
+          </a:scene3d>
+          <a:sp3d>
+            <a:bevelT w="25400" h="19050"/>
+            <a:contourClr>
+              <a:srgbClr val="FFFFFF"/>
+            </a:contourClr>
+          </a:sp3d>
+        </p:spPr>
+        <p:txBody>
+          <a:bodyPr anchor="t">
+            <a:normAutofit/>
+          </a:bodyPr>
+          <a:lstStyle>
+            <a:lvl1pPr marL="0" indent="0" algn="ctr">
+              <a:buNone/>
+              <a:defRPr sz="1600"/>
+            </a:lvl1pPr>
+            <a:lvl2pPr marL="457200" indent="0">
+              <a:buNone/>
+              <a:defRPr sz="1600"/>
+            </a:lvl2pPr>
+            <a:lvl3pPr marL="914400" indent="0">
+              <a:buNone/>
+              <a:defRPr sz="1600"/>
+            </a:lvl3pPr>
+            <a:lvl4pPr marL="1371600" indent="0">
+              <a:buNone/>
+              <a:defRPr sz="1600"/>
+            </a:lvl4pPr>
+            <a:lvl5pPr marL="1828800" indent="0">
+              <a:buNone/>
+              <a:defRPr sz="1600"/>
+            </a:lvl5pPr>
+            <a:lvl6pPr marL="2286000" indent="0">
+              <a:buNone/>
+              <a:defRPr sz="1600"/>
+            </a:lvl6pPr>
+            <a:lvl7pPr marL="2743200" indent="0">
+              <a:buNone/>
+              <a:defRPr sz="1600"/>
+            </a:lvl7pPr>
+            <a:lvl8pPr marL="3200400" indent="0">
+              <a:buNone/>
+              <a:defRPr sz="1600"/>
+            </a:lvl8pPr>
+            <a:lvl9pPr marL="3657600" indent="0">
+              <a:buNone/>
+              <a:defRPr sz="1600"/>
+            </a:lvl9pPr>
+          </a:lstStyle>
+          <a:p>
+            <a:r>
+              <a:rPr lang="en-US"/>
+              <a:t>Click icon to add picture</a:t>
+            </a:r>
+            <a:endParaRPr lang="en-US" dirty="0"/>
+          </a:p>
+        </p:txBody>
+      </p:sp>
+      <p:sp>
+        <p:nvSpPr>
+          <p:cNvPr id="27" name="Text Placeholder 3"/>
+          <p:cNvSpPr>
+            <a:spLocks noGrp="1"/>
+          </p:cNvSpPr>
+          <p:nvPr>
+            <p:ph type="body" sz="half" idx="20"/>
+          </p:nvPr>
+        </p:nvSpPr>
+        <p:spPr>
+          <a:xfrm>
+            <a:off x="7973298" y="4772161"/>
+            <a:ext cx="3294258" cy="1019037"/>
+          </a:xfrm>
+        </p:spPr>
+        <p:txBody>
+          <a:bodyPr anchor="t">
+            <a:normAutofit/>
+          </a:bodyPr>
+          <a:lstStyle>
+            <a:lvl1pPr marL="0" indent="0" algn="ctr">
+              <a:buNone/>
+              <a:defRPr sz="1400"/>
+            </a:lvl1pPr>
+            <a:lvl2pPr marL="457200" indent="0">
+              <a:buNone/>
+              <a:defRPr sz="1200"/>
+            </a:lvl2pPr>
+            <a:lvl3pPr marL="914400" indent="0">
+              <a:buNone/>
+              <a:defRPr sz="1000"/>
+            </a:lvl3pPr>
+            <a:lvl4pPr marL="1371600" indent="0">
+              <a:buNone/>
+              <a:defRPr sz="900"/>
+            </a:lvl4pPr>
+            <a:lvl5pPr marL="1828800" indent="0">
+              <a:buNone/>
+              <a:defRPr sz="900"/>
+            </a:lvl5pPr>
+            <a:lvl6pPr marL="2286000" indent="0">
+              <a:buNone/>
+              <a:defRPr sz="900"/>
+            </a:lvl6pPr>
+            <a:lvl7pPr marL="2743200" indent="0">
+              <a:buNone/>
+              <a:defRPr sz="900"/>
+            </a:lvl7pPr>
+            <a:lvl8pPr marL="3200400" indent="0">
+              <a:buNone/>
+              <a:defRPr sz="900"/>
+            </a:lvl8pPr>
+            <a:lvl9pPr marL="3657600" indent="0">
+              <a:buNone/>
+              <a:defRPr sz="900"/>
+            </a:lvl9pPr>
+          </a:lstStyle>
+          <a:p>
+            <a:pPr lvl="0"/>
+            <a:r>
+              <a:rPr lang="en-US"/>
+              <a:t>Click to edit Master text styles</a:t>
+            </a:r>
+          </a:p>
+        </p:txBody>
+      </p:sp>
+      <p:sp>
+        <p:nvSpPr>
+          <p:cNvPr id="3" name="Date Placeholder 2"/>
+          <p:cNvSpPr>
+            <a:spLocks noGrp="1"/>
+          </p:cNvSpPr>
+          <p:nvPr>
+            <p:ph type="dt" sz="half" idx="10"/>
+          </p:nvPr>
+        </p:nvSpPr>
+        <p:spPr/>
+        <p:txBody>
+          <a:bodyPr/>
+          <a:lstStyle/>
+          <a:p>
+            <a:fld id="{9A0B2DA1-C548-40D1-94BA-5E1CB4266833}" type="datetimeFigureOut">
+              <a:rPr lang="en-US" smtClean="0"/>
+              <a:t>1/24/2021</a:t>
+            </a:fld>
+            <a:endParaRPr lang="en-US"/>
+          </a:p>
+        </p:txBody>
+      </p:sp>
+      <p:sp>
+        <p:nvSpPr>
+          <p:cNvPr id="4" name="Footer Placeholder 3"/>
+          <p:cNvSpPr>
+            <a:spLocks noGrp="1"/>
+          </p:cNvSpPr>
+          <p:nvPr>
+            <p:ph type="ftr" sz="quarter" idx="11"/>
+          </p:nvPr>
+        </p:nvSpPr>
+        <p:spPr/>
+        <p:txBody>
+          <a:bodyPr/>
+          <a:lstStyle/>
+          <a:p>
+            <a:endParaRPr lang="en-US"/>
+          </a:p>
+        </p:txBody>
+      </p:sp>
+      <p:sp>
+        <p:nvSpPr>
+          <p:cNvPr id="5" name="Slide Number Placeholder 4"/>
+          <p:cNvSpPr>
+            <a:spLocks noGrp="1"/>
+          </p:cNvSpPr>
+          <p:nvPr>
+            <p:ph type="sldNum" sz="quarter" idx="12"/>
+          </p:nvPr>
+        </p:nvSpPr>
+        <p:spPr/>
+        <p:txBody>
+          <a:bodyPr/>
+          <a:lstStyle/>
+          <a:p>
+            <a:fld id="{6470B193-B485-4595-942F-8EB178F0A2CF}" type="slidenum">
+              <a:rPr lang="en-US" smtClean="0"/>
+              <a:t>‹#›</a:t>
+            </a:fld>
+            <a:endParaRPr lang="en-US"/>
+          </a:p>
+        </p:txBody>
+      </p:sp>
+    </p:spTree>
+    <p:extLst>
+      <p:ext uri="{BB962C8B-B14F-4D97-AF65-F5344CB8AC3E}">
+        <p14:creationId xmlns:p14="http://schemas.microsoft.com/office/powerpoint/2010/main" val="1227621236"/>
+      </p:ext>
+    </p:extLst>
+  </p:cSld>
+  <p:clrMapOvr>
+    <a:masterClrMapping/>
+  </p:clrMapOvr>
+</p:sldLayout>
+</file>
+
+<file path=ppt/slideLayouts/slideLayout27.xml><?xml version="1.0" encoding="utf-8"?>
+<p:sldLayout xmlns:a="http://schemas.openxmlformats.org/drawingml/2006/main" xmlns:r="http://schemas.openxmlformats.org/officeDocument/2006/relationships" xmlns:p="http://schemas.openxmlformats.org/presentationml/2006/main" type="vertTx" preserve="1">
+  <p:cSld name="Title and Vertical Text">
+    <p:spTree>
+      <p:nvGrpSpPr>
+        <p:cNvPr id="1" name=""/>
+        <p:cNvGrpSpPr/>
+        <p:nvPr/>
+      </p:nvGrpSpPr>
+      <p:grpSpPr>
+        <a:xfrm>
+          <a:off x="0" y="0"/>
+          <a:ext cx="0" cy="0"/>
+          <a:chOff x="0" y="0"/>
+          <a:chExt cx="0" cy="0"/>
+        </a:xfrm>
+      </p:grpSpPr>
+      <p:sp>
+        <p:nvSpPr>
+          <p:cNvPr id="2" name="Title 1"/>
+          <p:cNvSpPr>
+            <a:spLocks noGrp="1"/>
+          </p:cNvSpPr>
+          <p:nvPr>
+            <p:ph type="title"/>
+          </p:nvPr>
+        </p:nvSpPr>
+        <p:spPr/>
+        <p:txBody>
+          <a:bodyPr/>
+          <a:lstStyle/>
+          <a:p>
+            <a:r>
+              <a:rPr lang="en-US"/>
+              <a:t>Click to edit Master title style</a:t>
+            </a:r>
+            <a:endParaRPr lang="en-US" dirty="0"/>
+          </a:p>
+        </p:txBody>
+      </p:sp>
+      <p:sp>
+        <p:nvSpPr>
+          <p:cNvPr id="3" name="Vertical Text Placeholder 2"/>
+          <p:cNvSpPr>
+            <a:spLocks noGrp="1"/>
+          </p:cNvSpPr>
+          <p:nvPr>
+            <p:ph type="body" orient="vert" idx="1"/>
+          </p:nvPr>
+        </p:nvSpPr>
+        <p:spPr/>
+        <p:txBody>
+          <a:bodyPr vert="eaVert"/>
+          <a:lstStyle/>
+          <a:p>
+            <a:pPr lvl="0"/>
+            <a:r>
+              <a:rPr lang="en-US"/>
+              <a:t>Click to edit Master text styles</a:t>
+            </a:r>
+          </a:p>
+          <a:p>
+            <a:pPr lvl="1"/>
+            <a:r>
+              <a:rPr lang="en-US"/>
+              <a:t>Second level</a:t>
+            </a:r>
+          </a:p>
+          <a:p>
+            <a:pPr lvl="2"/>
+            <a:r>
+              <a:rPr lang="en-US"/>
+              <a:t>Third level</a:t>
+            </a:r>
+          </a:p>
+          <a:p>
+            <a:pPr lvl="3"/>
+            <a:r>
+              <a:rPr lang="en-US"/>
+              <a:t>Fourth level</a:t>
+            </a:r>
+          </a:p>
+          <a:p>
+            <a:pPr lvl="4"/>
+            <a:r>
+              <a:rPr lang="en-US"/>
+              <a:t>Fifth level</a:t>
+            </a:r>
+            <a:endParaRPr lang="en-US" dirty="0"/>
+          </a:p>
+        </p:txBody>
+      </p:sp>
+      <p:sp>
+        <p:nvSpPr>
+          <p:cNvPr id="4" name="Date Placeholder 3"/>
+          <p:cNvSpPr>
+            <a:spLocks noGrp="1"/>
+          </p:cNvSpPr>
+          <p:nvPr>
+            <p:ph type="dt" sz="half" idx="10"/>
+          </p:nvPr>
+        </p:nvSpPr>
+        <p:spPr/>
+        <p:txBody>
+          <a:bodyPr/>
+          <a:lstStyle/>
+          <a:p>
+            <a:fld id="{9A0B2DA1-C548-40D1-94BA-5E1CB4266833}" type="datetimeFigureOut">
+              <a:rPr lang="en-US" smtClean="0"/>
+              <a:t>1/24/2021</a:t>
+            </a:fld>
+            <a:endParaRPr lang="en-US"/>
+          </a:p>
+        </p:txBody>
+      </p:sp>
+      <p:sp>
+        <p:nvSpPr>
+          <p:cNvPr id="5" name="Footer Placeholder 4"/>
+          <p:cNvSpPr>
+            <a:spLocks noGrp="1"/>
+          </p:cNvSpPr>
+          <p:nvPr>
+            <p:ph type="ftr" sz="quarter" idx="11"/>
+          </p:nvPr>
+        </p:nvSpPr>
+        <p:spPr/>
+        <p:txBody>
+          <a:bodyPr/>
+          <a:lstStyle/>
+          <a:p>
+            <a:endParaRPr lang="en-US"/>
+          </a:p>
+        </p:txBody>
+      </p:sp>
+      <p:sp>
+        <p:nvSpPr>
+          <p:cNvPr id="6" name="Slide Number Placeholder 5"/>
+          <p:cNvSpPr>
+            <a:spLocks noGrp="1"/>
+          </p:cNvSpPr>
+          <p:nvPr>
+            <p:ph type="sldNum" sz="quarter" idx="12"/>
+          </p:nvPr>
+        </p:nvSpPr>
+        <p:spPr/>
+        <p:txBody>
+          <a:bodyPr/>
+          <a:lstStyle/>
+          <a:p>
+            <a:fld id="{6470B193-B485-4595-942F-8EB178F0A2CF}" type="slidenum">
+              <a:rPr lang="en-US" smtClean="0"/>
+              <a:t>‹#›</a:t>
+            </a:fld>
+            <a:endParaRPr lang="en-US"/>
+          </a:p>
+        </p:txBody>
+      </p:sp>
+    </p:spTree>
+    <p:extLst>
+      <p:ext uri="{BB962C8B-B14F-4D97-AF65-F5344CB8AC3E}">
+        <p14:creationId xmlns:p14="http://schemas.microsoft.com/office/powerpoint/2010/main" val="1990425541"/>
+      </p:ext>
+    </p:extLst>
+  </p:cSld>
+  <p:clrMapOvr>
+    <a:masterClrMapping/>
+  </p:clrMapOvr>
+</p:sldLayout>
+</file>
+
+<file path=ppt/slideLayouts/slideLayout28.xml><?xml version="1.0" encoding="utf-8"?>
+<p:sldLayout xmlns:a="http://schemas.openxmlformats.org/drawingml/2006/main" xmlns:r="http://schemas.openxmlformats.org/officeDocument/2006/relationships" xmlns:p="http://schemas.openxmlformats.org/presentationml/2006/main" type="vertTitleAndTx" preserve="1">
+  <p:cSld name="Vertical Title and Text">
+    <p:spTree>
+      <p:nvGrpSpPr>
+        <p:cNvPr id="1" name=""/>
+        <p:cNvGrpSpPr/>
+        <p:nvPr/>
+      </p:nvGrpSpPr>
+      <p:grpSpPr>
+        <a:xfrm>
+          <a:off x="0" y="0"/>
+          <a:ext cx="0" cy="0"/>
+          <a:chOff x="0" y="0"/>
+          <a:chExt cx="0" cy="0"/>
+        </a:xfrm>
+      </p:grpSpPr>
+      <p:sp>
+        <p:nvSpPr>
+          <p:cNvPr id="2" name="Vertical Title 1"/>
+          <p:cNvSpPr>
+            <a:spLocks noGrp="1"/>
+          </p:cNvSpPr>
+          <p:nvPr>
+            <p:ph type="title" orient="vert"/>
+          </p:nvPr>
+        </p:nvSpPr>
+        <p:spPr>
+          <a:xfrm>
+            <a:off x="8724900" y="609599"/>
+            <a:ext cx="2542657" cy="5181601"/>
+          </a:xfrm>
+        </p:spPr>
+        <p:txBody>
+          <a:bodyPr vert="eaVert"/>
+          <a:lstStyle>
+            <a:lvl1pPr algn="l">
+              <a:defRPr/>
+            </a:lvl1pPr>
+          </a:lstStyle>
+          <a:p>
+            <a:r>
+              <a:rPr lang="en-US"/>
+              <a:t>Click to edit Master title style</a:t>
+            </a:r>
+            <a:endParaRPr lang="en-US" dirty="0"/>
+          </a:p>
+        </p:txBody>
+      </p:sp>
+      <p:sp>
+        <p:nvSpPr>
+          <p:cNvPr id="3" name="Vertical Text Placeholder 2"/>
+          <p:cNvSpPr>
+            <a:spLocks noGrp="1"/>
+          </p:cNvSpPr>
+          <p:nvPr>
+            <p:ph type="body" orient="vert" idx="1"/>
+          </p:nvPr>
+        </p:nvSpPr>
+        <p:spPr>
+          <a:xfrm>
+            <a:off x="913794" y="609599"/>
+            <a:ext cx="7658705" cy="5181601"/>
+          </a:xfrm>
+        </p:spPr>
+        <p:txBody>
+          <a:bodyPr vert="eaVert"/>
+          <a:lstStyle/>
+          <a:p>
+            <a:pPr lvl="0"/>
+            <a:r>
+              <a:rPr lang="en-US"/>
+              <a:t>Click to edit Master text styles</a:t>
+            </a:r>
+          </a:p>
+          <a:p>
+            <a:pPr lvl="1"/>
+            <a:r>
+              <a:rPr lang="en-US"/>
+              <a:t>Second level</a:t>
+            </a:r>
+          </a:p>
+          <a:p>
+            <a:pPr lvl="2"/>
+            <a:r>
+              <a:rPr lang="en-US"/>
+              <a:t>Third level</a:t>
+            </a:r>
+          </a:p>
+          <a:p>
+            <a:pPr lvl="3"/>
+            <a:r>
+              <a:rPr lang="en-US"/>
+              <a:t>Fourth level</a:t>
+            </a:r>
+          </a:p>
+          <a:p>
+            <a:pPr lvl="4"/>
+            <a:r>
+              <a:rPr lang="en-US"/>
+              <a:t>Fifth level</a:t>
+            </a:r>
+            <a:endParaRPr lang="en-US" dirty="0"/>
+          </a:p>
+        </p:txBody>
+      </p:sp>
+      <p:sp>
+        <p:nvSpPr>
+          <p:cNvPr id="4" name="Date Placeholder 3"/>
+          <p:cNvSpPr>
+            <a:spLocks noGrp="1"/>
+          </p:cNvSpPr>
+          <p:nvPr>
+            <p:ph type="dt" sz="half" idx="10"/>
+          </p:nvPr>
+        </p:nvSpPr>
+        <p:spPr/>
+        <p:txBody>
+          <a:bodyPr/>
+          <a:lstStyle/>
+          <a:p>
+            <a:fld id="{9A0B2DA1-C548-40D1-94BA-5E1CB4266833}" type="datetimeFigureOut">
+              <a:rPr lang="en-US" smtClean="0"/>
+              <a:t>1/24/2021</a:t>
+            </a:fld>
+            <a:endParaRPr lang="en-US"/>
+          </a:p>
+        </p:txBody>
+      </p:sp>
+      <p:sp>
+        <p:nvSpPr>
+          <p:cNvPr id="5" name="Footer Placeholder 4"/>
+          <p:cNvSpPr>
+            <a:spLocks noGrp="1"/>
+          </p:cNvSpPr>
+          <p:nvPr>
+            <p:ph type="ftr" sz="quarter" idx="11"/>
+          </p:nvPr>
+        </p:nvSpPr>
+        <p:spPr/>
+        <p:txBody>
+          <a:bodyPr/>
+          <a:lstStyle/>
+          <a:p>
+            <a:endParaRPr lang="en-US"/>
+          </a:p>
+        </p:txBody>
+      </p:sp>
+      <p:sp>
+        <p:nvSpPr>
+          <p:cNvPr id="6" name="Slide Number Placeholder 5"/>
+          <p:cNvSpPr>
+            <a:spLocks noGrp="1"/>
+          </p:cNvSpPr>
+          <p:nvPr>
+            <p:ph type="sldNum" sz="quarter" idx="12"/>
+          </p:nvPr>
+        </p:nvSpPr>
+        <p:spPr/>
+        <p:txBody>
+          <a:bodyPr/>
+          <a:lstStyle/>
+          <a:p>
+            <a:fld id="{6470B193-B485-4595-942F-8EB178F0A2CF}" type="slidenum">
+              <a:rPr lang="en-US" smtClean="0"/>
+              <a:t>‹#›</a:t>
+            </a:fld>
+            <a:endParaRPr lang="en-US"/>
+          </a:p>
+        </p:txBody>
+      </p:sp>
+    </p:spTree>
+    <p:extLst>
+      <p:ext uri="{BB962C8B-B14F-4D97-AF65-F5344CB8AC3E}">
+        <p14:creationId xmlns:p14="http://schemas.microsoft.com/office/powerpoint/2010/main" val="4109730377"/>
       </p:ext>
     </p:extLst>
   </p:cSld>
@@ -1139,7 +6018,7 @@
           <a:p>
             <a:fld id="{53F1C5C1-91BB-4D0D-95FD-19F0E5A4700D}" type="datetimeFigureOut">
               <a:rPr lang="en-US" smtClean="0"/>
-              <a:t>10/29/2018</a:t>
+              <a:t>1/24/2021</a:t>
             </a:fld>
             <a:endParaRPr lang="en-US"/>
           </a:p>
@@ -1404,7 +6283,7 @@
           <a:p>
             <a:fld id="{53F1C5C1-91BB-4D0D-95FD-19F0E5A4700D}" type="datetimeFigureOut">
               <a:rPr lang="en-US" smtClean="0"/>
-              <a:t>10/29/2018</a:t>
+              <a:t>1/24/2021</a:t>
             </a:fld>
             <a:endParaRPr lang="en-US"/>
           </a:p>
@@ -1816,7 +6695,7 @@
           <a:p>
             <a:fld id="{53F1C5C1-91BB-4D0D-95FD-19F0E5A4700D}" type="datetimeFigureOut">
               <a:rPr lang="en-US" smtClean="0"/>
-              <a:t>10/29/2018</a:t>
+              <a:t>1/24/2021</a:t>
             </a:fld>
             <a:endParaRPr lang="en-US"/>
           </a:p>
@@ -1957,7 +6836,7 @@
           <a:p>
             <a:fld id="{53F1C5C1-91BB-4D0D-95FD-19F0E5A4700D}" type="datetimeFigureOut">
               <a:rPr lang="en-US" smtClean="0"/>
-              <a:t>10/29/2018</a:t>
+              <a:t>1/24/2021</a:t>
             </a:fld>
             <a:endParaRPr lang="en-US"/>
           </a:p>
@@ -2070,7 +6949,7 @@
           <a:p>
             <a:fld id="{53F1C5C1-91BB-4D0D-95FD-19F0E5A4700D}" type="datetimeFigureOut">
               <a:rPr lang="en-US" smtClean="0"/>
-              <a:t>10/29/2018</a:t>
+              <a:t>1/24/2021</a:t>
             </a:fld>
             <a:endParaRPr lang="en-US"/>
           </a:p>
@@ -2381,7 +7260,7 @@
           <a:p>
             <a:fld id="{53F1C5C1-91BB-4D0D-95FD-19F0E5A4700D}" type="datetimeFigureOut">
               <a:rPr lang="en-US" smtClean="0"/>
-              <a:t>10/29/2018</a:t>
+              <a:t>1/24/2021</a:t>
             </a:fld>
             <a:endParaRPr lang="en-US"/>
           </a:p>
@@ -2669,7 +7548,7 @@
           <a:p>
             <a:fld id="{53F1C5C1-91BB-4D0D-95FD-19F0E5A4700D}" type="datetimeFigureOut">
               <a:rPr lang="en-US" smtClean="0"/>
-              <a:t>10/29/2018</a:t>
+              <a:t>1/24/2021</a:t>
             </a:fld>
             <a:endParaRPr lang="en-US"/>
           </a:p>
@@ -2910,7 +7789,7 @@
           <a:p>
             <a:fld id="{53F1C5C1-91BB-4D0D-95FD-19F0E5A4700D}" type="datetimeFigureOut">
               <a:rPr lang="en-US" smtClean="0"/>
-              <a:t>10/29/2018</a:t>
+              <a:t>1/24/2021</a:t>
             </a:fld>
             <a:endParaRPr lang="en-US"/>
           </a:p>
@@ -3205,6 +8084,622 @@
           <a:solidFill>
             <a:schemeClr val="tx1"/>
           </a:solidFill>
+          <a:latin typeface="+mn-lt"/>
+          <a:ea typeface="+mn-ea"/>
+          <a:cs typeface="+mn-cs"/>
+        </a:defRPr>
+      </a:lvl9pPr>
+    </p:bodyStyle>
+    <p:otherStyle>
+      <a:defPPr>
+        <a:defRPr lang="en-US"/>
+      </a:defPPr>
+      <a:lvl1pPr marL="0" algn="l" defTabSz="914400" rtl="0" eaLnBrk="1" latinLnBrk="0" hangingPunct="1">
+        <a:defRPr sz="1800" kern="1200">
+          <a:solidFill>
+            <a:schemeClr val="tx1"/>
+          </a:solidFill>
+          <a:latin typeface="+mn-lt"/>
+          <a:ea typeface="+mn-ea"/>
+          <a:cs typeface="+mn-cs"/>
+        </a:defRPr>
+      </a:lvl1pPr>
+      <a:lvl2pPr marL="457200" algn="l" defTabSz="914400" rtl="0" eaLnBrk="1" latinLnBrk="0" hangingPunct="1">
+        <a:defRPr sz="1800" kern="1200">
+          <a:solidFill>
+            <a:schemeClr val="tx1"/>
+          </a:solidFill>
+          <a:latin typeface="+mn-lt"/>
+          <a:ea typeface="+mn-ea"/>
+          <a:cs typeface="+mn-cs"/>
+        </a:defRPr>
+      </a:lvl2pPr>
+      <a:lvl3pPr marL="914400" algn="l" defTabSz="914400" rtl="0" eaLnBrk="1" latinLnBrk="0" hangingPunct="1">
+        <a:defRPr sz="1800" kern="1200">
+          <a:solidFill>
+            <a:schemeClr val="tx1"/>
+          </a:solidFill>
+          <a:latin typeface="+mn-lt"/>
+          <a:ea typeface="+mn-ea"/>
+          <a:cs typeface="+mn-cs"/>
+        </a:defRPr>
+      </a:lvl3pPr>
+      <a:lvl4pPr marL="1371600" algn="l" defTabSz="914400" rtl="0" eaLnBrk="1" latinLnBrk="0" hangingPunct="1">
+        <a:defRPr sz="1800" kern="1200">
+          <a:solidFill>
+            <a:schemeClr val="tx1"/>
+          </a:solidFill>
+          <a:latin typeface="+mn-lt"/>
+          <a:ea typeface="+mn-ea"/>
+          <a:cs typeface="+mn-cs"/>
+        </a:defRPr>
+      </a:lvl4pPr>
+      <a:lvl5pPr marL="1828800" algn="l" defTabSz="914400" rtl="0" eaLnBrk="1" latinLnBrk="0" hangingPunct="1">
+        <a:defRPr sz="1800" kern="1200">
+          <a:solidFill>
+            <a:schemeClr val="tx1"/>
+          </a:solidFill>
+          <a:latin typeface="+mn-lt"/>
+          <a:ea typeface="+mn-ea"/>
+          <a:cs typeface="+mn-cs"/>
+        </a:defRPr>
+      </a:lvl5pPr>
+      <a:lvl6pPr marL="2286000" algn="l" defTabSz="914400" rtl="0" eaLnBrk="1" latinLnBrk="0" hangingPunct="1">
+        <a:defRPr sz="1800" kern="1200">
+          <a:solidFill>
+            <a:schemeClr val="tx1"/>
+          </a:solidFill>
+          <a:latin typeface="+mn-lt"/>
+          <a:ea typeface="+mn-ea"/>
+          <a:cs typeface="+mn-cs"/>
+        </a:defRPr>
+      </a:lvl6pPr>
+      <a:lvl7pPr marL="2743200" algn="l" defTabSz="914400" rtl="0" eaLnBrk="1" latinLnBrk="0" hangingPunct="1">
+        <a:defRPr sz="1800" kern="1200">
+          <a:solidFill>
+            <a:schemeClr val="tx1"/>
+          </a:solidFill>
+          <a:latin typeface="+mn-lt"/>
+          <a:ea typeface="+mn-ea"/>
+          <a:cs typeface="+mn-cs"/>
+        </a:defRPr>
+      </a:lvl7pPr>
+      <a:lvl8pPr marL="3200400" algn="l" defTabSz="914400" rtl="0" eaLnBrk="1" latinLnBrk="0" hangingPunct="1">
+        <a:defRPr sz="1800" kern="1200">
+          <a:solidFill>
+            <a:schemeClr val="tx1"/>
+          </a:solidFill>
+          <a:latin typeface="+mn-lt"/>
+          <a:ea typeface="+mn-ea"/>
+          <a:cs typeface="+mn-cs"/>
+        </a:defRPr>
+      </a:lvl8pPr>
+      <a:lvl9pPr marL="3657600" algn="l" defTabSz="914400" rtl="0" eaLnBrk="1" latinLnBrk="0" hangingPunct="1">
+        <a:defRPr sz="1800" kern="1200">
+          <a:solidFill>
+            <a:schemeClr val="tx1"/>
+          </a:solidFill>
+          <a:latin typeface="+mn-lt"/>
+          <a:ea typeface="+mn-ea"/>
+          <a:cs typeface="+mn-cs"/>
+        </a:defRPr>
+      </a:lvl9pPr>
+    </p:otherStyle>
+  </p:txStyles>
+</p:sldMaster>
+</file>
+
+<file path=ppt/slideMasters/slideMaster2.xml><?xml version="1.0" encoding="utf-8"?>
+<p:sldMaster xmlns:a="http://schemas.openxmlformats.org/drawingml/2006/main" xmlns:r="http://schemas.openxmlformats.org/officeDocument/2006/relationships" xmlns:p="http://schemas.openxmlformats.org/presentationml/2006/main">
+  <p:cSld>
+    <p:bg>
+      <p:bgRef idx="1003">
+        <a:schemeClr val="bg2"/>
+      </p:bgRef>
+    </p:bg>
+    <p:spTree>
+      <p:nvGrpSpPr>
+        <p:cNvPr id="1" name=""/>
+        <p:cNvGrpSpPr/>
+        <p:nvPr/>
+      </p:nvGrpSpPr>
+      <p:grpSpPr>
+        <a:xfrm>
+          <a:off x="0" y="0"/>
+          <a:ext cx="0" cy="0"/>
+          <a:chOff x="0" y="0"/>
+          <a:chExt cx="0" cy="0"/>
+        </a:xfrm>
+      </p:grpSpPr>
+      <p:sp>
+        <p:nvSpPr>
+          <p:cNvPr id="2" name="Title Placeholder 1"/>
+          <p:cNvSpPr>
+            <a:spLocks noGrp="1"/>
+          </p:cNvSpPr>
+          <p:nvPr>
+            <p:ph type="title"/>
+          </p:nvPr>
+        </p:nvSpPr>
+        <p:spPr>
+          <a:xfrm>
+            <a:off x="913795" y="609600"/>
+            <a:ext cx="10353761" cy="1326321"/>
+          </a:xfrm>
+          <a:prstGeom prst="rect">
+            <a:avLst/>
+          </a:prstGeom>
+        </p:spPr>
+        <p:txBody>
+          <a:bodyPr vert="horz" lIns="91440" tIns="45720" rIns="91440" bIns="45720" rtlCol="0" anchor="ctr">
+            <a:normAutofit/>
+          </a:bodyPr>
+          <a:lstStyle/>
+          <a:p>
+            <a:r>
+              <a:rPr lang="en-US"/>
+              <a:t>Click to edit Master title style</a:t>
+            </a:r>
+            <a:endParaRPr lang="en-US" dirty="0"/>
+          </a:p>
+        </p:txBody>
+      </p:sp>
+      <p:sp>
+        <p:nvSpPr>
+          <p:cNvPr id="3" name="Text Placeholder 2"/>
+          <p:cNvSpPr>
+            <a:spLocks noGrp="1"/>
+          </p:cNvSpPr>
+          <p:nvPr>
+            <p:ph type="body" idx="1"/>
+          </p:nvPr>
+        </p:nvSpPr>
+        <p:spPr>
+          <a:xfrm>
+            <a:off x="913795" y="2096064"/>
+            <a:ext cx="10353762" cy="3695136"/>
+          </a:xfrm>
+          <a:prstGeom prst="rect">
+            <a:avLst/>
+          </a:prstGeom>
+        </p:spPr>
+        <p:txBody>
+          <a:bodyPr vert="horz" lIns="91440" tIns="45720" rIns="91440" bIns="45720" rtlCol="0">
+            <a:normAutofit/>
+          </a:bodyPr>
+          <a:lstStyle/>
+          <a:p>
+            <a:pPr lvl="0"/>
+            <a:r>
+              <a:rPr lang="en-US"/>
+              <a:t>Click to edit Master text styles</a:t>
+            </a:r>
+          </a:p>
+          <a:p>
+            <a:pPr lvl="1"/>
+            <a:r>
+              <a:rPr lang="en-US"/>
+              <a:t>Second level</a:t>
+            </a:r>
+          </a:p>
+          <a:p>
+            <a:pPr lvl="2"/>
+            <a:r>
+              <a:rPr lang="en-US"/>
+              <a:t>Third level</a:t>
+            </a:r>
+          </a:p>
+          <a:p>
+            <a:pPr lvl="3"/>
+            <a:r>
+              <a:rPr lang="en-US"/>
+              <a:t>Fourth level</a:t>
+            </a:r>
+          </a:p>
+          <a:p>
+            <a:pPr lvl="4"/>
+            <a:r>
+              <a:rPr lang="en-US"/>
+              <a:t>Fifth level</a:t>
+            </a:r>
+            <a:endParaRPr lang="en-US" dirty="0"/>
+          </a:p>
+        </p:txBody>
+      </p:sp>
+      <p:sp>
+        <p:nvSpPr>
+          <p:cNvPr id="4" name="Date Placeholder 3"/>
+          <p:cNvSpPr>
+            <a:spLocks noGrp="1"/>
+          </p:cNvSpPr>
+          <p:nvPr>
+            <p:ph type="dt" sz="half" idx="2"/>
+          </p:nvPr>
+        </p:nvSpPr>
+        <p:spPr>
+          <a:xfrm>
+            <a:off x="7678736" y="5883275"/>
+            <a:ext cx="2743200" cy="365125"/>
+          </a:xfrm>
+          <a:prstGeom prst="rect">
+            <a:avLst/>
+          </a:prstGeom>
+        </p:spPr>
+        <p:txBody>
+          <a:bodyPr vert="horz" lIns="91440" tIns="45720" rIns="91440" bIns="45720" rtlCol="0" anchor="ctr"/>
+          <a:lstStyle>
+            <a:lvl1pPr algn="r">
+              <a:defRPr sz="1000">
+                <a:solidFill>
+                  <a:schemeClr val="tx1">
+                    <a:tint val="75000"/>
+                  </a:schemeClr>
+                </a:solidFill>
+              </a:defRPr>
+            </a:lvl1pPr>
+          </a:lstStyle>
+          <a:p>
+            <a:fld id="{9A0B2DA1-C548-40D1-94BA-5E1CB4266833}" type="datetimeFigureOut">
+              <a:rPr lang="en-US" smtClean="0"/>
+              <a:t>1/24/2021</a:t>
+            </a:fld>
+            <a:endParaRPr lang="en-US"/>
+          </a:p>
+        </p:txBody>
+      </p:sp>
+      <p:sp>
+        <p:nvSpPr>
+          <p:cNvPr id="5" name="Footer Placeholder 4"/>
+          <p:cNvSpPr>
+            <a:spLocks noGrp="1"/>
+          </p:cNvSpPr>
+          <p:nvPr>
+            <p:ph type="ftr" sz="quarter" idx="3"/>
+          </p:nvPr>
+        </p:nvSpPr>
+        <p:spPr>
+          <a:xfrm>
+            <a:off x="913794" y="5883275"/>
+            <a:ext cx="6672865" cy="365125"/>
+          </a:xfrm>
+          <a:prstGeom prst="rect">
+            <a:avLst/>
+          </a:prstGeom>
+        </p:spPr>
+        <p:txBody>
+          <a:bodyPr vert="horz" lIns="91440" tIns="45720" rIns="91440" bIns="45720" rtlCol="0" anchor="ctr"/>
+          <a:lstStyle>
+            <a:lvl1pPr algn="l">
+              <a:defRPr sz="1000">
+                <a:solidFill>
+                  <a:schemeClr val="tx1">
+                    <a:tint val="75000"/>
+                  </a:schemeClr>
+                </a:solidFill>
+              </a:defRPr>
+            </a:lvl1pPr>
+          </a:lstStyle>
+          <a:p>
+            <a:endParaRPr lang="en-US"/>
+          </a:p>
+        </p:txBody>
+      </p:sp>
+      <p:sp>
+        <p:nvSpPr>
+          <p:cNvPr id="6" name="Slide Number Placeholder 5"/>
+          <p:cNvSpPr>
+            <a:spLocks noGrp="1"/>
+          </p:cNvSpPr>
+          <p:nvPr>
+            <p:ph type="sldNum" sz="quarter" idx="4"/>
+          </p:nvPr>
+        </p:nvSpPr>
+        <p:spPr>
+          <a:xfrm>
+            <a:off x="10514011" y="5883275"/>
+            <a:ext cx="753545" cy="365125"/>
+          </a:xfrm>
+          <a:prstGeom prst="rect">
+            <a:avLst/>
+          </a:prstGeom>
+        </p:spPr>
+        <p:txBody>
+          <a:bodyPr vert="horz" lIns="91440" tIns="45720" rIns="91440" bIns="45720" rtlCol="0" anchor="ctr"/>
+          <a:lstStyle>
+            <a:lvl1pPr algn="r">
+              <a:defRPr sz="1000">
+                <a:solidFill>
+                  <a:schemeClr val="tx1">
+                    <a:tint val="75000"/>
+                  </a:schemeClr>
+                </a:solidFill>
+              </a:defRPr>
+            </a:lvl1pPr>
+          </a:lstStyle>
+          <a:p>
+            <a:fld id="{6470B193-B485-4595-942F-8EB178F0A2CF}" type="slidenum">
+              <a:rPr lang="en-US" smtClean="0"/>
+              <a:t>‹#›</a:t>
+            </a:fld>
+            <a:endParaRPr lang="en-US"/>
+          </a:p>
+        </p:txBody>
+      </p:sp>
+    </p:spTree>
+    <p:extLst>
+      <p:ext uri="{BB962C8B-B14F-4D97-AF65-F5344CB8AC3E}">
+        <p14:creationId xmlns:p14="http://schemas.microsoft.com/office/powerpoint/2010/main" val="1008475306"/>
+      </p:ext>
+    </p:extLst>
+  </p:cSld>
+  <p:clrMap bg1="dk1" tx1="lt1" bg2="dk2" tx2="lt2" accent1="accent1" accent2="accent2" accent3="accent3" accent4="accent4" accent5="accent5" accent6="accent6" hlink="hlink" folHlink="folHlink"/>
+  <p:sldLayoutIdLst>
+    <p:sldLayoutId id="2147483661" r:id="rId1"/>
+    <p:sldLayoutId id="2147483662" r:id="rId2"/>
+    <p:sldLayoutId id="2147483663" r:id="rId3"/>
+    <p:sldLayoutId id="2147483664" r:id="rId4"/>
+    <p:sldLayoutId id="2147483665" r:id="rId5"/>
+    <p:sldLayoutId id="2147483666" r:id="rId6"/>
+    <p:sldLayoutId id="2147483667" r:id="rId7"/>
+    <p:sldLayoutId id="2147483668" r:id="rId8"/>
+    <p:sldLayoutId id="2147483669" r:id="rId9"/>
+    <p:sldLayoutId id="2147483670" r:id="rId10"/>
+    <p:sldLayoutId id="2147483671" r:id="rId11"/>
+    <p:sldLayoutId id="2147483672" r:id="rId12"/>
+    <p:sldLayoutId id="2147483673" r:id="rId13"/>
+    <p:sldLayoutId id="2147483674" r:id="rId14"/>
+    <p:sldLayoutId id="2147483675" r:id="rId15"/>
+    <p:sldLayoutId id="2147483676" r:id="rId16"/>
+    <p:sldLayoutId id="2147483677" r:id="rId17"/>
+  </p:sldLayoutIdLst>
+  <p:txStyles>
+    <p:titleStyle>
+      <a:lvl1pPr algn="ctr" defTabSz="914400" rtl="0" eaLnBrk="1" latinLnBrk="0" hangingPunct="1">
+        <a:lnSpc>
+          <a:spcPct val="90000"/>
+        </a:lnSpc>
+        <a:spcBef>
+          <a:spcPct val="0"/>
+        </a:spcBef>
+        <a:buNone/>
+        <a:defRPr sz="3400" b="1" i="0" kern="1200" cap="all">
+          <a:solidFill>
+            <a:schemeClr val="tx1"/>
+          </a:solidFill>
+          <a:effectLst>
+            <a:outerShdw blurRad="50800" dist="63500" dir="2700000" algn="tl" rotWithShape="0">
+              <a:srgbClr val="000000">
+                <a:alpha val="48000"/>
+              </a:srgbClr>
+            </a:outerShdw>
+          </a:effectLst>
+          <a:latin typeface="+mj-lt"/>
+          <a:ea typeface="+mj-ea"/>
+          <a:cs typeface="+mj-cs"/>
+        </a:defRPr>
+      </a:lvl1pPr>
+    </p:titleStyle>
+    <p:bodyStyle>
+      <a:lvl1pPr marL="228600" indent="-228600" algn="l" defTabSz="914400" rtl="0" eaLnBrk="1" latinLnBrk="0" hangingPunct="1">
+        <a:lnSpc>
+          <a:spcPct val="120000"/>
+        </a:lnSpc>
+        <a:spcBef>
+          <a:spcPts val="1000"/>
+        </a:spcBef>
+        <a:buFont typeface="Arial" panose="020B0604020202020204" pitchFamily="34" charset="0"/>
+        <a:buChar char="•"/>
+        <a:defRPr sz="2000" kern="1200">
+          <a:solidFill>
+            <a:schemeClr val="tx1"/>
+          </a:solidFill>
+          <a:effectLst>
+            <a:outerShdw blurRad="50800" dist="38100" dir="2700000" algn="tl" rotWithShape="0">
+              <a:srgbClr val="000000">
+                <a:alpha val="48000"/>
+              </a:srgbClr>
+            </a:outerShdw>
+          </a:effectLst>
+          <a:latin typeface="+mn-lt"/>
+          <a:ea typeface="+mn-ea"/>
+          <a:cs typeface="+mn-cs"/>
+        </a:defRPr>
+      </a:lvl1pPr>
+      <a:lvl2pPr marL="685800" indent="-228600" algn="l" defTabSz="914400" rtl="0" eaLnBrk="1" latinLnBrk="0" hangingPunct="1">
+        <a:lnSpc>
+          <a:spcPct val="120000"/>
+        </a:lnSpc>
+        <a:spcBef>
+          <a:spcPts val="500"/>
+        </a:spcBef>
+        <a:buFont typeface="Arial" panose="020B0604020202020204" pitchFamily="34" charset="0"/>
+        <a:buChar char="•"/>
+        <a:defRPr sz="1800" kern="1200">
+          <a:solidFill>
+            <a:schemeClr val="tx1"/>
+          </a:solidFill>
+          <a:effectLst>
+            <a:outerShdw blurRad="50800" dist="38100" dir="2700000" algn="tl" rotWithShape="0">
+              <a:srgbClr val="000000">
+                <a:alpha val="48000"/>
+              </a:srgbClr>
+            </a:outerShdw>
+          </a:effectLst>
+          <a:latin typeface="+mn-lt"/>
+          <a:ea typeface="+mn-ea"/>
+          <a:cs typeface="+mn-cs"/>
+        </a:defRPr>
+      </a:lvl2pPr>
+      <a:lvl3pPr marL="1143000" indent="-228600" algn="l" defTabSz="914400" rtl="0" eaLnBrk="1" latinLnBrk="0" hangingPunct="1">
+        <a:lnSpc>
+          <a:spcPct val="120000"/>
+        </a:lnSpc>
+        <a:spcBef>
+          <a:spcPts val="500"/>
+        </a:spcBef>
+        <a:buFont typeface="Arial" panose="020B0604020202020204" pitchFamily="34" charset="0"/>
+        <a:buChar char="•"/>
+        <a:defRPr sz="1600" kern="1200">
+          <a:solidFill>
+            <a:schemeClr val="tx1"/>
+          </a:solidFill>
+          <a:effectLst>
+            <a:outerShdw blurRad="50800" dist="38100" dir="2700000" algn="tl" rotWithShape="0">
+              <a:srgbClr val="000000">
+                <a:alpha val="48000"/>
+              </a:srgbClr>
+            </a:outerShdw>
+          </a:effectLst>
+          <a:latin typeface="+mn-lt"/>
+          <a:ea typeface="+mn-ea"/>
+          <a:cs typeface="+mn-cs"/>
+        </a:defRPr>
+      </a:lvl3pPr>
+      <a:lvl4pPr marL="1600200" indent="-228600" algn="l" defTabSz="914400" rtl="0" eaLnBrk="1" latinLnBrk="0" hangingPunct="1">
+        <a:lnSpc>
+          <a:spcPct val="120000"/>
+        </a:lnSpc>
+        <a:spcBef>
+          <a:spcPts val="500"/>
+        </a:spcBef>
+        <a:buFont typeface="Arial" panose="020B0604020202020204" pitchFamily="34" charset="0"/>
+        <a:buChar char="•"/>
+        <a:defRPr sz="1400" kern="1200">
+          <a:solidFill>
+            <a:schemeClr val="tx1"/>
+          </a:solidFill>
+          <a:effectLst>
+            <a:outerShdw blurRad="50800" dist="38100" dir="2700000" algn="tl" rotWithShape="0">
+              <a:srgbClr val="000000">
+                <a:alpha val="48000"/>
+              </a:srgbClr>
+            </a:outerShdw>
+          </a:effectLst>
+          <a:latin typeface="+mn-lt"/>
+          <a:ea typeface="+mn-ea"/>
+          <a:cs typeface="+mn-cs"/>
+        </a:defRPr>
+      </a:lvl4pPr>
+      <a:lvl5pPr marL="2057400" indent="-228600" algn="l" defTabSz="914400" rtl="0" eaLnBrk="1" latinLnBrk="0" hangingPunct="1">
+        <a:lnSpc>
+          <a:spcPct val="120000"/>
+        </a:lnSpc>
+        <a:spcBef>
+          <a:spcPts val="500"/>
+        </a:spcBef>
+        <a:buFont typeface="Arial" panose="020B0604020202020204" pitchFamily="34" charset="0"/>
+        <a:buChar char="•"/>
+        <a:defRPr sz="1200" kern="1200">
+          <a:solidFill>
+            <a:schemeClr val="tx1"/>
+          </a:solidFill>
+          <a:effectLst>
+            <a:outerShdw blurRad="50800" dist="38100" dir="2700000" algn="tl" rotWithShape="0">
+              <a:srgbClr val="000000">
+                <a:alpha val="48000"/>
+              </a:srgbClr>
+            </a:outerShdw>
+          </a:effectLst>
+          <a:latin typeface="+mn-lt"/>
+          <a:ea typeface="+mn-ea"/>
+          <a:cs typeface="+mn-cs"/>
+        </a:defRPr>
+      </a:lvl5pPr>
+      <a:lvl6pPr marL="2514600" indent="-228600" algn="l" defTabSz="914400" rtl="0" eaLnBrk="1" latinLnBrk="0" hangingPunct="1">
+        <a:lnSpc>
+          <a:spcPct val="120000"/>
+        </a:lnSpc>
+        <a:spcBef>
+          <a:spcPts val="500"/>
+        </a:spcBef>
+        <a:buFont typeface="Arial" panose="020B0604020202020204" pitchFamily="34" charset="0"/>
+        <a:buChar char="•"/>
+        <a:defRPr sz="1200" kern="1200">
+          <a:solidFill>
+            <a:schemeClr val="tx1"/>
+          </a:solidFill>
+          <a:effectLst>
+            <a:outerShdw blurRad="50800" dist="38100" dir="2700000" algn="tl" rotWithShape="0">
+              <a:srgbClr val="000000">
+                <a:alpha val="48000"/>
+              </a:srgbClr>
+            </a:outerShdw>
+          </a:effectLst>
+          <a:latin typeface="+mn-lt"/>
+          <a:ea typeface="+mn-ea"/>
+          <a:cs typeface="+mn-cs"/>
+        </a:defRPr>
+      </a:lvl6pPr>
+      <a:lvl7pPr marL="2971800" indent="-228600" algn="l" defTabSz="914400" rtl="0" eaLnBrk="1" latinLnBrk="0" hangingPunct="1">
+        <a:lnSpc>
+          <a:spcPct val="120000"/>
+        </a:lnSpc>
+        <a:spcBef>
+          <a:spcPts val="500"/>
+        </a:spcBef>
+        <a:buFont typeface="Arial" panose="020B0604020202020204" pitchFamily="34" charset="0"/>
+        <a:buChar char="•"/>
+        <a:defRPr sz="1200" kern="1200">
+          <a:solidFill>
+            <a:schemeClr val="tx1"/>
+          </a:solidFill>
+          <a:effectLst>
+            <a:outerShdw blurRad="50800" dist="38100" dir="2700000" algn="tl" rotWithShape="0">
+              <a:srgbClr val="000000">
+                <a:alpha val="48000"/>
+              </a:srgbClr>
+            </a:outerShdw>
+          </a:effectLst>
+          <a:latin typeface="+mn-lt"/>
+          <a:ea typeface="+mn-ea"/>
+          <a:cs typeface="+mn-cs"/>
+        </a:defRPr>
+      </a:lvl7pPr>
+      <a:lvl8pPr marL="3429000" indent="-228600" algn="l" defTabSz="914400" rtl="0" eaLnBrk="1" latinLnBrk="0" hangingPunct="1">
+        <a:lnSpc>
+          <a:spcPct val="120000"/>
+        </a:lnSpc>
+        <a:spcBef>
+          <a:spcPts val="500"/>
+        </a:spcBef>
+        <a:buFont typeface="Arial" panose="020B0604020202020204" pitchFamily="34" charset="0"/>
+        <a:buChar char="•"/>
+        <a:defRPr sz="1200" kern="1200">
+          <a:solidFill>
+            <a:schemeClr val="tx1"/>
+          </a:solidFill>
+          <a:effectLst>
+            <a:outerShdw blurRad="50800" dist="38100" dir="2700000" algn="tl" rotWithShape="0">
+              <a:srgbClr val="000000">
+                <a:alpha val="48000"/>
+              </a:srgbClr>
+            </a:outerShdw>
+          </a:effectLst>
+          <a:latin typeface="+mn-lt"/>
+          <a:ea typeface="+mn-ea"/>
+          <a:cs typeface="+mn-cs"/>
+        </a:defRPr>
+      </a:lvl8pPr>
+      <a:lvl9pPr marL="3886200" indent="-228600" algn="l" defTabSz="914400" rtl="0" eaLnBrk="1" latinLnBrk="0" hangingPunct="1">
+        <a:lnSpc>
+          <a:spcPct val="120000"/>
+        </a:lnSpc>
+        <a:spcBef>
+          <a:spcPts val="500"/>
+        </a:spcBef>
+        <a:buFont typeface="Arial" panose="020B0604020202020204" pitchFamily="34" charset="0"/>
+        <a:buChar char="•"/>
+        <a:defRPr sz="1200" kern="1200">
+          <a:solidFill>
+            <a:schemeClr val="tx1"/>
+          </a:solidFill>
+          <a:effectLst>
+            <a:outerShdw blurRad="50800" dist="38100" dir="2700000" algn="tl" rotWithShape="0">
+              <a:srgbClr val="000000">
+                <a:alpha val="48000"/>
+              </a:srgbClr>
+            </a:outerShdw>
+          </a:effectLst>
           <a:latin typeface="+mn-lt"/>
           <a:ea typeface="+mn-ea"/>
           <a:cs typeface="+mn-cs"/>
@@ -4108,6 +9603,87 @@
 </p:sld>
 </file>
 
+<file path=ppt/slides/slide3.xml><?xml version="1.0" encoding="utf-8"?>
+<p:sld xmlns:a="http://schemas.openxmlformats.org/drawingml/2006/main" xmlns:r="http://schemas.openxmlformats.org/officeDocument/2006/relationships" xmlns:p="http://schemas.openxmlformats.org/presentationml/2006/main">
+  <p:cSld>
+    <p:bg>
+      <p:bgPr>
+        <a:solidFill>
+          <a:srgbClr val="192641"/>
+        </a:solidFill>
+        <a:effectLst/>
+      </p:bgPr>
+    </p:bg>
+    <p:spTree>
+      <p:nvGrpSpPr>
+        <p:cNvPr id="1" name=""/>
+        <p:cNvGrpSpPr/>
+        <p:nvPr/>
+      </p:nvGrpSpPr>
+      <p:grpSpPr>
+        <a:xfrm>
+          <a:off x="0" y="0"/>
+          <a:ext cx="0" cy="0"/>
+          <a:chOff x="0" y="0"/>
+          <a:chExt cx="0" cy="0"/>
+        </a:xfrm>
+      </p:grpSpPr>
+      <p:pic>
+        <p:nvPicPr>
+          <p:cNvPr id="15" name="Picture 14" descr="Logo&#10;&#10;Description automatically generated">
+            <a:extLst>
+              <a:ext uri="{FF2B5EF4-FFF2-40B4-BE49-F238E27FC236}">
+                <a16:creationId xmlns:a16="http://schemas.microsoft.com/office/drawing/2014/main" id="{E242E210-1188-4BC9-BD5D-005CD5282235}"/>
+              </a:ext>
+            </a:extLst>
+          </p:cNvPr>
+          <p:cNvPicPr>
+            <a:picLocks noChangeAspect="1"/>
+          </p:cNvPicPr>
+          <p:nvPr/>
+        </p:nvPicPr>
+        <p:blipFill>
+          <a:blip r:embed="rId2">
+            <a:extLst>
+              <a:ext uri="{28A0092B-C50C-407E-A947-70E740481C1C}">
+                <a14:useLocalDpi xmlns:a14="http://schemas.microsoft.com/office/drawing/2010/main" val="0"/>
+              </a:ext>
+            </a:extLst>
+          </a:blip>
+          <a:stretch>
+            <a:fillRect/>
+          </a:stretch>
+        </p:blipFill>
+        <p:spPr>
+          <a:xfrm>
+            <a:off x="3632200" y="568906"/>
+            <a:ext cx="4927600" cy="5720188"/>
+          </a:xfrm>
+          <a:prstGeom prst="rect">
+            <a:avLst/>
+          </a:prstGeom>
+          <a:effectLst>
+            <a:outerShdw blurRad="63500" sx="102000" sy="102000" algn="ctr" rotWithShape="0">
+              <a:prstClr val="black">
+                <a:alpha val="40000"/>
+              </a:prstClr>
+            </a:outerShdw>
+          </a:effectLst>
+        </p:spPr>
+      </p:pic>
+    </p:spTree>
+    <p:extLst>
+      <p:ext uri="{BB962C8B-B14F-4D97-AF65-F5344CB8AC3E}">
+        <p14:creationId xmlns:p14="http://schemas.microsoft.com/office/powerpoint/2010/main" val="3557884498"/>
+      </p:ext>
+    </p:extLst>
+  </p:cSld>
+  <p:clrMapOvr>
+    <a:masterClrMapping/>
+  </p:clrMapOvr>
+</p:sld>
+</file>
+
 <file path=ppt/theme/theme1.xml><?xml version="1.0" encoding="utf-8"?>
 <a:theme xmlns:a="http://schemas.openxmlformats.org/drawingml/2006/main" name="Office Theme">
   <a:themeElements>
@@ -4401,4 +9977,260 @@
     </a:ext>
   </a:extLst>
 </a:theme>
+</file>
+
+<file path=ppt/theme/theme2.xml><?xml version="1.0" encoding="utf-8"?>
+<a:theme xmlns:a="http://schemas.openxmlformats.org/drawingml/2006/main" name="Damask">
+  <a:themeElements>
+    <a:clrScheme name="Damask">
+      <a:dk1>
+        <a:sysClr val="windowText" lastClr="000000"/>
+      </a:dk1>
+      <a:lt1>
+        <a:sysClr val="window" lastClr="FFFFFF"/>
+      </a:lt1>
+      <a:dk2>
+        <a:srgbClr val="2A5B7F"/>
+      </a:dk2>
+      <a:lt2>
+        <a:srgbClr val="ABDAFC"/>
+      </a:lt2>
+      <a:accent1>
+        <a:srgbClr val="9EC544"/>
+      </a:accent1>
+      <a:accent2>
+        <a:srgbClr val="50BEA3"/>
+      </a:accent2>
+      <a:accent3>
+        <a:srgbClr val="4A9CCC"/>
+      </a:accent3>
+      <a:accent4>
+        <a:srgbClr val="9A66CA"/>
+      </a:accent4>
+      <a:accent5>
+        <a:srgbClr val="C54F71"/>
+      </a:accent5>
+      <a:accent6>
+        <a:srgbClr val="DE9C3C"/>
+      </a:accent6>
+      <a:hlink>
+        <a:srgbClr val="6BA9DA"/>
+      </a:hlink>
+      <a:folHlink>
+        <a:srgbClr val="A0BCD3"/>
+      </a:folHlink>
+    </a:clrScheme>
+    <a:fontScheme name="Damask">
+      <a:majorFont>
+        <a:latin typeface="Bookman Old Style" panose="02050604050505020204"/>
+        <a:ea typeface=""/>
+        <a:cs typeface=""/>
+        <a:font script="Jpan" typeface="ＭＳ Ｐゴシック"/>
+        <a:font script="Hang" typeface="맑은 고딕"/>
+        <a:font script="Hans" typeface="宋体"/>
+        <a:font script="Hant" typeface="新細明體"/>
+        <a:font script="Arab" typeface="Times New Roman"/>
+        <a:font script="Hebr" typeface="Times New Roman"/>
+        <a:font script="Thai" typeface="Angsana New"/>
+        <a:font script="Ethi" typeface="Nyala"/>
+        <a:font script="Beng" typeface="Vrinda"/>
+        <a:font script="Gujr" typeface="Shruti"/>
+        <a:font script="Khmr" typeface="MoolBoran"/>
+        <a:font script="Knda" typeface="Tunga"/>
+        <a:font script="Guru" typeface="Raavi"/>
+        <a:font script="Cans" typeface="Euphemia"/>
+        <a:font script="Cher" typeface="Plantagenet Cherokee"/>
+        <a:font script="Yiii" typeface="Microsoft Yi Baiti"/>
+        <a:font script="Tibt" typeface="Microsoft Himalaya"/>
+        <a:font script="Thaa" typeface="MV Boli"/>
+        <a:font script="Deva" typeface="Mangal"/>
+        <a:font script="Telu" typeface="Gautami"/>
+        <a:font script="Taml" typeface="Latha"/>
+        <a:font script="Syrc" typeface="Estrangelo Edessa"/>
+        <a:font script="Orya" typeface="Kalinga"/>
+        <a:font script="Mlym" typeface="Kartika"/>
+        <a:font script="Laoo" typeface="DokChampa"/>
+        <a:font script="Sinh" typeface="Iskoola Pota"/>
+        <a:font script="Mong" typeface="Mongolian Baiti"/>
+        <a:font script="Viet" typeface="Times New Roman"/>
+        <a:font script="Uigh" typeface="Microsoft Uighur"/>
+        <a:font script="Geor" typeface="Sylfaen"/>
+      </a:majorFont>
+      <a:minorFont>
+        <a:latin typeface="Rockwell" panose="02060603020205020403"/>
+        <a:ea typeface=""/>
+        <a:cs typeface=""/>
+        <a:font script="Jpan" typeface="ＭＳ Ｐゴシック"/>
+        <a:font script="Hang" typeface="맑은 고딕"/>
+        <a:font script="Hans" typeface="宋体"/>
+        <a:font script="Hant" typeface="新細明體"/>
+        <a:font script="Arab" typeface="Arial"/>
+        <a:font script="Hebr" typeface="Arial"/>
+        <a:font script="Thai" typeface="Cordia New"/>
+        <a:font script="Ethi" typeface="Nyala"/>
+        <a:font script="Beng" typeface="Vrinda"/>
+        <a:font script="Gujr" typeface="Shruti"/>
+        <a:font script="Khmr" typeface="DaunPenh"/>
+        <a:font script="Knda" typeface="Tunga"/>
+        <a:font script="Guru" typeface="Raavi"/>
+        <a:font script="Cans" typeface="Euphemia"/>
+        <a:font script="Cher" typeface="Plantagenet Cherokee"/>
+        <a:font script="Yiii" typeface="Microsoft Yi Baiti"/>
+        <a:font script="Tibt" typeface="Microsoft Himalaya"/>
+        <a:font script="Thaa" typeface="MV Boli"/>
+        <a:font script="Deva" typeface="Mangal"/>
+        <a:font script="Telu" typeface="Gautami"/>
+        <a:font script="Taml" typeface="Latha"/>
+        <a:font script="Syrc" typeface="Estrangelo Edessa"/>
+        <a:font script="Orya" typeface="Kalinga"/>
+        <a:font script="Mlym" typeface="Kartika"/>
+        <a:font script="Laoo" typeface="DokChampa"/>
+        <a:font script="Sinh" typeface="Iskoola Pota"/>
+        <a:font script="Mong" typeface="Mongolian Baiti"/>
+        <a:font script="Viet" typeface="Arial"/>
+        <a:font script="Uigh" typeface="Microsoft Uighur"/>
+        <a:font script="Geor" typeface="Sylfaen"/>
+      </a:minorFont>
+    </a:fontScheme>
+    <a:fmtScheme name="Damask">
+      <a:fillStyleLst>
+        <a:solidFill>
+          <a:schemeClr val="phClr"/>
+        </a:solidFill>
+        <a:gradFill rotWithShape="1">
+          <a:gsLst>
+            <a:gs pos="0">
+              <a:schemeClr val="phClr">
+                <a:tint val="48000"/>
+                <a:satMod val="105000"/>
+                <a:lumMod val="110000"/>
+              </a:schemeClr>
+            </a:gs>
+            <a:gs pos="100000">
+              <a:schemeClr val="phClr">
+                <a:tint val="78000"/>
+                <a:satMod val="109000"/>
+                <a:lumMod val="100000"/>
+              </a:schemeClr>
+            </a:gs>
+          </a:gsLst>
+          <a:lin ang="5400000" scaled="0"/>
+        </a:gradFill>
+        <a:gradFill rotWithShape="1">
+          <a:gsLst>
+            <a:gs pos="0">
+              <a:schemeClr val="phClr">
+                <a:tint val="94000"/>
+                <a:satMod val="100000"/>
+                <a:lumMod val="104000"/>
+              </a:schemeClr>
+            </a:gs>
+            <a:gs pos="69000">
+              <a:schemeClr val="phClr">
+                <a:shade val="86000"/>
+                <a:satMod val="130000"/>
+                <a:lumMod val="102000"/>
+              </a:schemeClr>
+            </a:gs>
+            <a:gs pos="100000">
+              <a:schemeClr val="phClr">
+                <a:shade val="72000"/>
+                <a:satMod val="130000"/>
+                <a:lumMod val="100000"/>
+              </a:schemeClr>
+            </a:gs>
+          </a:gsLst>
+          <a:lin ang="5400000" scaled="0"/>
+        </a:gradFill>
+      </a:fillStyleLst>
+      <a:lnStyleLst>
+        <a:ln w="12700" cap="flat" cmpd="sng" algn="ctr">
+          <a:solidFill>
+            <a:schemeClr val="phClr"/>
+          </a:solidFill>
+          <a:prstDash val="solid"/>
+        </a:ln>
+        <a:ln w="19050" cap="flat" cmpd="sng" algn="ctr">
+          <a:solidFill>
+            <a:schemeClr val="phClr"/>
+          </a:solidFill>
+          <a:prstDash val="solid"/>
+        </a:ln>
+        <a:ln w="25400" cap="flat" cmpd="sng" algn="ctr">
+          <a:solidFill>
+            <a:schemeClr val="phClr"/>
+          </a:solidFill>
+          <a:prstDash val="solid"/>
+        </a:ln>
+      </a:lnStyleLst>
+      <a:effectStyleLst>
+        <a:effectStyle>
+          <a:effectLst/>
+        </a:effectStyle>
+        <a:effectStyle>
+          <a:effectLst>
+            <a:outerShdw blurRad="50800" dist="38100" dir="5400000" sy="96000" rotWithShape="0">
+              <a:srgbClr val="000000">
+                <a:alpha val="54000"/>
+              </a:srgbClr>
+            </a:outerShdw>
+          </a:effectLst>
+        </a:effectStyle>
+        <a:effectStyle>
+          <a:effectLst>
+            <a:outerShdw blurRad="76200" dist="38100" dir="5400000" algn="ctr" rotWithShape="0">
+              <a:srgbClr val="000000">
+                <a:alpha val="76000"/>
+              </a:srgbClr>
+            </a:outerShdw>
+          </a:effectLst>
+          <a:scene3d>
+            <a:camera prst="orthographicFront">
+              <a:rot lat="0" lon="0" rev="0"/>
+            </a:camera>
+            <a:lightRig rig="balanced" dir="t"/>
+          </a:scene3d>
+          <a:sp3d prstMaterial="matte">
+            <a:bevelT w="25400" h="25400" prst="relaxedInset"/>
+          </a:sp3d>
+        </a:effectStyle>
+      </a:effectStyleLst>
+      <a:bgFillStyleLst>
+        <a:solidFill>
+          <a:schemeClr val="phClr"/>
+        </a:solidFill>
+        <a:solidFill>
+          <a:schemeClr val="phClr">
+            <a:tint val="95000"/>
+            <a:satMod val="170000"/>
+          </a:schemeClr>
+        </a:solidFill>
+        <a:blipFill rotWithShape="1">
+          <a:blip xmlns:r="http://schemas.openxmlformats.org/officeDocument/2006/relationships" r:embed="rId1">
+            <a:duotone>
+              <a:schemeClr val="phClr">
+                <a:shade val="18000"/>
+                <a:satMod val="160000"/>
+                <a:lumMod val="28000"/>
+              </a:schemeClr>
+              <a:schemeClr val="phClr">
+                <a:tint val="95000"/>
+                <a:satMod val="160000"/>
+                <a:lumMod val="116000"/>
+              </a:schemeClr>
+            </a:duotone>
+          </a:blip>
+          <a:stretch/>
+        </a:blipFill>
+      </a:bgFillStyleLst>
+    </a:fmtScheme>
+  </a:themeElements>
+  <a:objectDefaults/>
+  <a:extraClrSchemeLst/>
+  <a:extLst>
+    <a:ext uri="{05A4C25C-085E-4340-85A3-A5531E510DB2}">
+      <thm15:themeFamily xmlns:thm15="http://schemas.microsoft.com/office/thememl/2012/main" name="Damask" id="{F9A299A0-33D0-4E0F-9F3F-7163E3744208}" vid="{746EEEEA-FB6A-406B-B510-531588D54811}"/>
+    </a:ext>
+  </a:extLst>
+</a:theme>
 </file>